--- a/presentation/Python based Shaderpipeline in VRED.pptx
+++ b/presentation/Python based Shaderpipeline in VRED.pptx
@@ -5,23 +5,25 @@
     <p:sldMasterId id="2147483648" r:id="rId1"/>
   </p:sldMasterIdLst>
   <p:notesMasterIdLst>
-    <p:notesMasterId r:id="rId16"/>
+    <p:notesMasterId r:id="rId18"/>
   </p:notesMasterIdLst>
   <p:sldIdLst>
     <p:sldId id="256" r:id="rId2"/>
     <p:sldId id="257" r:id="rId3"/>
-    <p:sldId id="258" r:id="rId4"/>
+    <p:sldId id="263" r:id="rId4"/>
     <p:sldId id="259" r:id="rId5"/>
     <p:sldId id="260" r:id="rId6"/>
     <p:sldId id="262" r:id="rId7"/>
     <p:sldId id="268" r:id="rId8"/>
     <p:sldId id="261" r:id="rId9"/>
     <p:sldId id="267" r:id="rId10"/>
-    <p:sldId id="263" r:id="rId11"/>
-    <p:sldId id="264" r:id="rId12"/>
-    <p:sldId id="270" r:id="rId13"/>
-    <p:sldId id="271" r:id="rId14"/>
-    <p:sldId id="266" r:id="rId15"/>
+    <p:sldId id="276" r:id="rId11"/>
+    <p:sldId id="274" r:id="rId12"/>
+    <p:sldId id="264" r:id="rId13"/>
+    <p:sldId id="270" r:id="rId14"/>
+    <p:sldId id="271" r:id="rId15"/>
+    <p:sldId id="275" r:id="rId16"/>
+    <p:sldId id="266" r:id="rId17"/>
   </p:sldIdLst>
   <p:sldSz cx="12192000" cy="6858000"/>
   <p:notesSz cx="6858000" cy="9144000"/>
@@ -120,6 +122,11 @@
       </a:defRPr>
     </a:lvl9pPr>
   </p:defaultTextStyle>
+  <p:extLst>
+    <p:ext uri="{EFAFB233-063F-42B5-8137-9DF3F51BA10A}">
+      <p15:sldGuideLst xmlns:p15="http://schemas.microsoft.com/office/powerpoint/2012/main"/>
+    </p:ext>
+  </p:extLst>
 </p:presentation>
 </file>
 
@@ -791,7 +798,7 @@
     </p:spTree>
     <p:extLst>
       <p:ext uri="{BB962C8B-B14F-4D97-AF65-F5344CB8AC3E}">
-        <p14:creationId xmlns:p14="http://schemas.microsoft.com/office/powerpoint/2010/main" val="2659181682"/>
+        <p14:creationId xmlns:p14="http://schemas.microsoft.com/office/powerpoint/2010/main" val="3865257301"/>
       </p:ext>
     </p:extLst>
   </p:cSld>
@@ -853,19 +860,19 @@
           <a:p>
             <a:r>
               <a:rPr lang="en-US" dirty="0"/>
-              <a:t>Get the name of the material</a:t>
-            </a:r>
-          </a:p>
-          <a:p>
-            <a:r>
-              <a:rPr lang="en-US" dirty="0"/>
-              <a:t>Use lookup table to find a matching name</a:t>
-            </a:r>
-          </a:p>
-          <a:p>
-            <a:r>
-              <a:rPr lang="en-US" dirty="0"/>
-              <a:t>If there is a matching name -&gt; replace material!</a:t>
+              <a:t>Get the RGB values of the diffuse channel using the field access</a:t>
+            </a:r>
+          </a:p>
+          <a:p>
+            <a:r>
+              <a:rPr lang="en-US" dirty="0"/>
+              <a:t>Use lookup table to find a matching color</a:t>
+            </a:r>
+          </a:p>
+          <a:p>
+            <a:r>
+              <a:rPr lang="en-US" dirty="0"/>
+              <a:t>If there is a matching color -&gt; replace material!</a:t>
             </a:r>
           </a:p>
         </p:txBody>
@@ -896,7 +903,7 @@
     </p:spTree>
     <p:extLst>
       <p:ext uri="{BB962C8B-B14F-4D97-AF65-F5344CB8AC3E}">
-        <p14:creationId xmlns:p14="http://schemas.microsoft.com/office/powerpoint/2010/main" val="1326079583"/>
+        <p14:creationId xmlns:p14="http://schemas.microsoft.com/office/powerpoint/2010/main" val="2198617716"/>
       </p:ext>
     </p:extLst>
   </p:cSld>
@@ -952,56 +959,25 @@
           <a:p>
             <a:r>
               <a:rPr lang="en-US" dirty="0"/>
-              <a:t>Fuzzy Matching: Find also matches that are not 100% correct</a:t>
-            </a:r>
-          </a:p>
-          <a:p>
-            <a:pPr lvl="1"/>
-            <a:r>
-              <a:rPr lang="en-US" dirty="0"/>
-              <a:t>Making errors is human</a:t>
-            </a:r>
-          </a:p>
-          <a:p>
-            <a:pPr lvl="1"/>
-            <a:r>
-              <a:rPr lang="en-US" dirty="0"/>
-              <a:t>RGB values are off by a few percent</a:t>
-            </a:r>
-          </a:p>
-          <a:p>
-            <a:pPr lvl="1"/>
-            <a:r>
-              <a:rPr lang="en-US" dirty="0"/>
-              <a:t>Material names have spelling errors</a:t>
-            </a:r>
-          </a:p>
-          <a:p>
-            <a:pPr lvl="1"/>
-            <a:endParaRPr lang="en-US" dirty="0"/>
-          </a:p>
-          <a:p>
-            <a:r>
-              <a:rPr lang="en-US" dirty="0"/>
-              <a:t>Fuzzy Matching calculates a ratio on how similar two things are</a:t>
-            </a:r>
-          </a:p>
-          <a:p>
-            <a:r>
-              <a:rPr lang="en-US" dirty="0"/>
-              <a:t>Helpful when doing fast iterations where not everything is correctly set up</a:t>
-            </a:r>
-          </a:p>
-          <a:p>
-            <a:r>
-              <a:rPr lang="en-US" dirty="0"/>
-              <a:t>Keep working while a colleague fixes materials at the source</a:t>
-            </a:r>
-          </a:p>
-          <a:p>
-            <a:r>
-              <a:rPr lang="en-US" dirty="0"/>
-              <a:t>Prevent manual fixing of shading problems</a:t>
+              <a:t>Look at all materials in the imported file</a:t>
+            </a:r>
+          </a:p>
+          <a:p>
+            <a:r>
+              <a:rPr lang="en-US" dirty="0"/>
+              <a:t>Get the name of the material</a:t>
+            </a:r>
+          </a:p>
+          <a:p>
+            <a:r>
+              <a:rPr lang="en-US" dirty="0"/>
+              <a:t>Use lookup table to find a matching name</a:t>
+            </a:r>
+          </a:p>
+          <a:p>
+            <a:r>
+              <a:rPr lang="en-US" dirty="0"/>
+              <a:t>If there is a matching name -&gt; replace material!</a:t>
             </a:r>
           </a:p>
         </p:txBody>
@@ -1032,7 +1008,7 @@
     </p:spTree>
     <p:extLst>
       <p:ext uri="{BB962C8B-B14F-4D97-AF65-F5344CB8AC3E}">
-        <p14:creationId xmlns:p14="http://schemas.microsoft.com/office/powerpoint/2010/main" val="2557534808"/>
+        <p14:creationId xmlns:p14="http://schemas.microsoft.com/office/powerpoint/2010/main" val="1326079583"/>
       </p:ext>
     </p:extLst>
   </p:cSld>
@@ -1168,7 +1144,7 @@
     </p:spTree>
     <p:extLst>
       <p:ext uri="{BB962C8B-B14F-4D97-AF65-F5344CB8AC3E}">
-        <p14:creationId xmlns:p14="http://schemas.microsoft.com/office/powerpoint/2010/main" val="734442229"/>
+        <p14:creationId xmlns:p14="http://schemas.microsoft.com/office/powerpoint/2010/main" val="2557534808"/>
       </p:ext>
     </p:extLst>
   </p:cSld>
@@ -1224,35 +1200,28 @@
           <a:p>
             <a:r>
               <a:rPr lang="en-US" dirty="0"/>
-              <a:t>Automatically Optimize for VR</a:t>
+              <a:t>Fuzzy Matching: Find also matches that are not 100% correct</a:t>
             </a:r>
           </a:p>
           <a:p>
             <a:pPr lvl="1"/>
             <a:r>
               <a:rPr lang="en-US" dirty="0"/>
-              <a:t>Merge geometries</a:t>
+              <a:t>Making errors is human</a:t>
             </a:r>
           </a:p>
           <a:p>
             <a:pPr lvl="1"/>
             <a:r>
               <a:rPr lang="en-US" dirty="0"/>
-              <a:t>Merge materials</a:t>
+              <a:t>RGB values are off by a few percent</a:t>
             </a:r>
           </a:p>
           <a:p>
             <a:pPr lvl="1"/>
             <a:r>
               <a:rPr lang="en-US" dirty="0"/>
-              <a:t>Use special material libraries with VR-optimized materials</a:t>
-            </a:r>
-          </a:p>
-          <a:p>
-            <a:pPr lvl="1"/>
-            <a:r>
-              <a:rPr lang="en-US" dirty="0"/>
-              <a:t>Reduce hierarchy depth</a:t>
+              <a:t>Material names have spelling errors</a:t>
             </a:r>
           </a:p>
           <a:p>
@@ -1262,7 +1231,25 @@
           <a:p>
             <a:r>
               <a:rPr lang="en-US" dirty="0"/>
-              <a:t>Automatically sort hierarchy based on materials</a:t>
+              <a:t>Fuzzy Matching calculates a ratio on how similar two things are</a:t>
+            </a:r>
+          </a:p>
+          <a:p>
+            <a:r>
+              <a:rPr lang="en-US" dirty="0"/>
+              <a:t>Helpful when doing fast iterations where not everything is correctly set up</a:t>
+            </a:r>
+          </a:p>
+          <a:p>
+            <a:r>
+              <a:rPr lang="en-US" dirty="0"/>
+              <a:t>Keep working while a colleague fixes materials at the source</a:t>
+            </a:r>
+          </a:p>
+          <a:p>
+            <a:r>
+              <a:rPr lang="en-US" dirty="0"/>
+              <a:t>Prevent manual fixing of shading problems</a:t>
             </a:r>
           </a:p>
         </p:txBody>
@@ -1285,6 +1272,236 @@
             <a:fld id="{4C485CB0-B6A4-48C7-B2C0-353162C5AF22}" type="slidenum">
               <a:rPr lang="de-DE" smtClean="0"/>
               <a:t>14</a:t>
+            </a:fld>
+            <a:endParaRPr lang="de-DE"/>
+          </a:p>
+        </p:txBody>
+      </p:sp>
+    </p:spTree>
+    <p:extLst>
+      <p:ext uri="{BB962C8B-B14F-4D97-AF65-F5344CB8AC3E}">
+        <p14:creationId xmlns:p14="http://schemas.microsoft.com/office/powerpoint/2010/main" val="734442229"/>
+      </p:ext>
+    </p:extLst>
+  </p:cSld>
+  <p:clrMapOvr>
+    <a:masterClrMapping/>
+  </p:clrMapOvr>
+</p:notes>
+</file>
+
+<file path=ppt/notesSlides/notesSlide15.xml><?xml version="1.0" encoding="utf-8"?>
+<p:notes xmlns:a="http://schemas.openxmlformats.org/drawingml/2006/main" xmlns:r="http://schemas.openxmlformats.org/officeDocument/2006/relationships" xmlns:p="http://schemas.openxmlformats.org/presentationml/2006/main">
+  <p:cSld>
+    <p:spTree>
+      <p:nvGrpSpPr>
+        <p:cNvPr id="1" name=""/>
+        <p:cNvGrpSpPr/>
+        <p:nvPr/>
+      </p:nvGrpSpPr>
+      <p:grpSpPr>
+        <a:xfrm>
+          <a:off x="0" y="0"/>
+          <a:ext cx="0" cy="0"/>
+          <a:chOff x="0" y="0"/>
+          <a:chExt cx="0" cy="0"/>
+        </a:xfrm>
+      </p:grpSpPr>
+      <p:sp>
+        <p:nvSpPr>
+          <p:cNvPr id="2" name="Folienbildplatzhalter 1"/>
+          <p:cNvSpPr>
+            <a:spLocks noGrp="1" noRot="1" noChangeAspect="1"/>
+          </p:cNvSpPr>
+          <p:nvPr>
+            <p:ph type="sldImg"/>
+          </p:nvPr>
+        </p:nvSpPr>
+        <p:spPr/>
+      </p:sp>
+      <p:sp>
+        <p:nvSpPr>
+          <p:cNvPr id="3" name="Notizenplatzhalter 2"/>
+          <p:cNvSpPr>
+            <a:spLocks noGrp="1"/>
+          </p:cNvSpPr>
+          <p:nvPr>
+            <p:ph type="body" idx="1"/>
+          </p:nvPr>
+        </p:nvSpPr>
+        <p:spPr/>
+        <p:txBody>
+          <a:bodyPr/>
+          <a:lstStyle/>
+          <a:p>
+            <a:r>
+              <a:rPr lang="en-US" dirty="0"/>
+              <a:t>Look at all materials in the imported file</a:t>
+            </a:r>
+          </a:p>
+          <a:p>
+            <a:r>
+              <a:rPr lang="en-US" dirty="0"/>
+              <a:t>Get the RGB values of the diffuse channel using the field access</a:t>
+            </a:r>
+          </a:p>
+          <a:p>
+            <a:r>
+              <a:rPr lang="en-US" dirty="0"/>
+              <a:t>Use lookup table to find a matching color</a:t>
+            </a:r>
+          </a:p>
+          <a:p>
+            <a:r>
+              <a:rPr lang="en-US" dirty="0"/>
+              <a:t>If there is a matching color -&gt; replace material!</a:t>
+            </a:r>
+          </a:p>
+        </p:txBody>
+      </p:sp>
+      <p:sp>
+        <p:nvSpPr>
+          <p:cNvPr id="4" name="Foliennummernplatzhalter 3"/>
+          <p:cNvSpPr>
+            <a:spLocks noGrp="1"/>
+          </p:cNvSpPr>
+          <p:nvPr>
+            <p:ph type="sldNum" sz="quarter" idx="5"/>
+          </p:nvPr>
+        </p:nvSpPr>
+        <p:spPr/>
+        <p:txBody>
+          <a:bodyPr/>
+          <a:lstStyle/>
+          <a:p>
+            <a:fld id="{4C485CB0-B6A4-48C7-B2C0-353162C5AF22}" type="slidenum">
+              <a:rPr lang="de-DE" smtClean="0"/>
+              <a:t>15</a:t>
+            </a:fld>
+            <a:endParaRPr lang="de-DE"/>
+          </a:p>
+        </p:txBody>
+      </p:sp>
+    </p:spTree>
+    <p:extLst>
+      <p:ext uri="{BB962C8B-B14F-4D97-AF65-F5344CB8AC3E}">
+        <p14:creationId xmlns:p14="http://schemas.microsoft.com/office/powerpoint/2010/main" val="3911905989"/>
+      </p:ext>
+    </p:extLst>
+  </p:cSld>
+  <p:clrMapOvr>
+    <a:masterClrMapping/>
+  </p:clrMapOvr>
+</p:notes>
+</file>
+
+<file path=ppt/notesSlides/notesSlide16.xml><?xml version="1.0" encoding="utf-8"?>
+<p:notes xmlns:a="http://schemas.openxmlformats.org/drawingml/2006/main" xmlns:r="http://schemas.openxmlformats.org/officeDocument/2006/relationships" xmlns:p="http://schemas.openxmlformats.org/presentationml/2006/main">
+  <p:cSld>
+    <p:spTree>
+      <p:nvGrpSpPr>
+        <p:cNvPr id="1" name=""/>
+        <p:cNvGrpSpPr/>
+        <p:nvPr/>
+      </p:nvGrpSpPr>
+      <p:grpSpPr>
+        <a:xfrm>
+          <a:off x="0" y="0"/>
+          <a:ext cx="0" cy="0"/>
+          <a:chOff x="0" y="0"/>
+          <a:chExt cx="0" cy="0"/>
+        </a:xfrm>
+      </p:grpSpPr>
+      <p:sp>
+        <p:nvSpPr>
+          <p:cNvPr id="2" name="Folienbildplatzhalter 1"/>
+          <p:cNvSpPr>
+            <a:spLocks noGrp="1" noRot="1" noChangeAspect="1"/>
+          </p:cNvSpPr>
+          <p:nvPr>
+            <p:ph type="sldImg"/>
+          </p:nvPr>
+        </p:nvSpPr>
+        <p:spPr/>
+      </p:sp>
+      <p:sp>
+        <p:nvSpPr>
+          <p:cNvPr id="3" name="Notizenplatzhalter 2"/>
+          <p:cNvSpPr>
+            <a:spLocks noGrp="1"/>
+          </p:cNvSpPr>
+          <p:nvPr>
+            <p:ph type="body" idx="1"/>
+          </p:nvPr>
+        </p:nvSpPr>
+        <p:spPr/>
+        <p:txBody>
+          <a:bodyPr/>
+          <a:lstStyle/>
+          <a:p>
+            <a:r>
+              <a:rPr lang="en-US" dirty="0"/>
+              <a:t>Automatically Optimize for VR</a:t>
+            </a:r>
+          </a:p>
+          <a:p>
+            <a:pPr lvl="1"/>
+            <a:r>
+              <a:rPr lang="en-US" dirty="0"/>
+              <a:t>Merge geometries</a:t>
+            </a:r>
+          </a:p>
+          <a:p>
+            <a:pPr lvl="1"/>
+            <a:r>
+              <a:rPr lang="en-US" dirty="0"/>
+              <a:t>Merge materials</a:t>
+            </a:r>
+          </a:p>
+          <a:p>
+            <a:pPr lvl="1"/>
+            <a:r>
+              <a:rPr lang="en-US" dirty="0"/>
+              <a:t>Use special material libraries with VR-optimized materials</a:t>
+            </a:r>
+          </a:p>
+          <a:p>
+            <a:pPr lvl="1"/>
+            <a:r>
+              <a:rPr lang="en-US" dirty="0"/>
+              <a:t>Reduce hierarchy depth</a:t>
+            </a:r>
+          </a:p>
+          <a:p>
+            <a:pPr lvl="1"/>
+            <a:endParaRPr lang="en-US" dirty="0"/>
+          </a:p>
+          <a:p>
+            <a:r>
+              <a:rPr lang="en-US" dirty="0"/>
+              <a:t>Automatically sort hierarchy based on materials</a:t>
+            </a:r>
+          </a:p>
+        </p:txBody>
+      </p:sp>
+      <p:sp>
+        <p:nvSpPr>
+          <p:cNvPr id="4" name="Foliennummernplatzhalter 3"/>
+          <p:cNvSpPr>
+            <a:spLocks noGrp="1"/>
+          </p:cNvSpPr>
+          <p:nvPr>
+            <p:ph type="sldNum" sz="quarter" idx="5"/>
+          </p:nvPr>
+        </p:nvSpPr>
+        <p:spPr/>
+        <p:txBody>
+          <a:bodyPr/>
+          <a:lstStyle/>
+          <a:p>
+            <a:fld id="{4C485CB0-B6A4-48C7-B2C0-353162C5AF22}" type="slidenum">
+              <a:rPr lang="de-DE" smtClean="0"/>
+              <a:t>16</a:t>
             </a:fld>
             <a:endParaRPr lang="de-DE"/>
           </a:p>
@@ -1477,249 +1694,27 @@
           <a:lstStyle/>
           <a:p>
             <a:r>
-              <a:rPr lang="de-DE" dirty="0" err="1"/>
-              <a:t>Shading</a:t>
-            </a:r>
-            <a:r>
-              <a:rPr lang="de-DE" dirty="0"/>
-              <a:t> CAD Data </a:t>
-            </a:r>
-            <a:r>
-              <a:rPr lang="de-DE" dirty="0" err="1"/>
-              <a:t>is</a:t>
-            </a:r>
-            <a:r>
-              <a:rPr lang="de-DE" dirty="0"/>
-              <a:t> still </a:t>
-            </a:r>
-            <a:r>
-              <a:rPr lang="de-DE" dirty="0" err="1"/>
-              <a:t>very</a:t>
-            </a:r>
-            <a:r>
-              <a:rPr lang="de-DE" dirty="0"/>
-              <a:t> time </a:t>
-            </a:r>
-            <a:r>
-              <a:rPr lang="de-DE" dirty="0" err="1"/>
-              <a:t>consuming</a:t>
-            </a:r>
-            <a:endParaRPr lang="de-DE" dirty="0"/>
-          </a:p>
-          <a:p>
-            <a:pPr lvl="1"/>
-            <a:r>
-              <a:rPr lang="de-DE" dirty="0"/>
-              <a:t>Error-</a:t>
-            </a:r>
-            <a:r>
-              <a:rPr lang="de-DE" dirty="0" err="1"/>
-              <a:t>prone</a:t>
-            </a:r>
-            <a:endParaRPr lang="de-DE" dirty="0"/>
-          </a:p>
-          <a:p>
-            <a:pPr lvl="1"/>
-            <a:r>
-              <a:rPr lang="de-DE" dirty="0" err="1"/>
-              <a:t>Less</a:t>
-            </a:r>
-            <a:r>
-              <a:rPr lang="de-DE" dirty="0"/>
-              <a:t> time </a:t>
-            </a:r>
-            <a:r>
-              <a:rPr lang="de-DE" dirty="0" err="1"/>
-              <a:t>for</a:t>
-            </a:r>
-            <a:r>
-              <a:rPr lang="de-DE" dirty="0"/>
-              <a:t> design </a:t>
-            </a:r>
-            <a:r>
-              <a:rPr lang="de-DE" dirty="0" err="1"/>
-              <a:t>iterations</a:t>
-            </a:r>
-            <a:endParaRPr lang="de-DE" dirty="0"/>
-          </a:p>
-          <a:p>
-            <a:pPr lvl="1"/>
-            <a:r>
-              <a:rPr lang="de-DE" dirty="0" err="1"/>
-              <a:t>frustrating</a:t>
-            </a:r>
-            <a:endParaRPr lang="de-DE" dirty="0"/>
-          </a:p>
-          <a:p>
-            <a:r>
-              <a:rPr lang="de-DE" dirty="0"/>
-              <a:t>Working </a:t>
-            </a:r>
-            <a:r>
-              <a:rPr lang="de-DE" dirty="0" err="1"/>
-              <a:t>with</a:t>
-            </a:r>
-            <a:r>
-              <a:rPr lang="de-DE" dirty="0"/>
-              <a:t> </a:t>
-            </a:r>
-            <a:r>
-              <a:rPr lang="de-DE" dirty="0" err="1"/>
-              <a:t>un-organized</a:t>
-            </a:r>
-            <a:r>
-              <a:rPr lang="de-DE" dirty="0"/>
-              <a:t> </a:t>
-            </a:r>
-            <a:r>
-              <a:rPr lang="de-DE" dirty="0" err="1"/>
-              <a:t>nurbs</a:t>
-            </a:r>
-            <a:r>
-              <a:rPr lang="de-DE" dirty="0"/>
-              <a:t> </a:t>
-            </a:r>
-            <a:r>
-              <a:rPr lang="de-DE" dirty="0" err="1"/>
-              <a:t>data</a:t>
-            </a:r>
-            <a:r>
-              <a:rPr lang="de-DE" dirty="0"/>
-              <a:t> and different </a:t>
-            </a:r>
-            <a:r>
-              <a:rPr lang="de-DE" dirty="0" err="1"/>
-              <a:t>file</a:t>
-            </a:r>
-            <a:r>
-              <a:rPr lang="de-DE" dirty="0"/>
-              <a:t> </a:t>
-            </a:r>
-            <a:r>
-              <a:rPr lang="de-DE" dirty="0" err="1"/>
-              <a:t>formats</a:t>
-            </a:r>
-            <a:endParaRPr lang="de-DE" dirty="0"/>
-          </a:p>
-          <a:p>
-            <a:r>
-              <a:rPr lang="de-DE" dirty="0" err="1"/>
-              <a:t>When</a:t>
-            </a:r>
-            <a:r>
-              <a:rPr lang="de-DE" dirty="0"/>
-              <a:t> </a:t>
-            </a:r>
-            <a:r>
-              <a:rPr lang="de-DE" dirty="0" err="1"/>
-              <a:t>there</a:t>
-            </a:r>
-            <a:r>
-              <a:rPr lang="de-DE" dirty="0"/>
-              <a:t> </a:t>
-            </a:r>
-            <a:r>
-              <a:rPr lang="de-DE" dirty="0" err="1"/>
-              <a:t>are</a:t>
-            </a:r>
-            <a:r>
-              <a:rPr lang="de-DE" dirty="0"/>
-              <a:t> </a:t>
-            </a:r>
-            <a:r>
-              <a:rPr lang="de-DE" dirty="0" err="1"/>
-              <a:t>errors</a:t>
-            </a:r>
-            <a:r>
-              <a:rPr lang="de-DE" dirty="0"/>
-              <a:t> </a:t>
-            </a:r>
-            <a:r>
-              <a:rPr lang="de-DE" dirty="0" err="1"/>
-              <a:t>it</a:t>
-            </a:r>
-            <a:r>
-              <a:rPr lang="de-DE" dirty="0"/>
-              <a:t> </a:t>
-            </a:r>
-            <a:r>
-              <a:rPr lang="de-DE" dirty="0" err="1"/>
-              <a:t>is</a:t>
-            </a:r>
-            <a:r>
-              <a:rPr lang="de-DE" dirty="0"/>
-              <a:t> </a:t>
-            </a:r>
-            <a:r>
-              <a:rPr lang="de-DE" dirty="0" err="1"/>
-              <a:t>often</a:t>
-            </a:r>
-            <a:r>
-              <a:rPr lang="de-DE" dirty="0"/>
-              <a:t> </a:t>
-            </a:r>
-            <a:r>
-              <a:rPr lang="de-DE" dirty="0" err="1"/>
-              <a:t>needed</a:t>
-            </a:r>
-            <a:r>
-              <a:rPr lang="de-DE" dirty="0"/>
-              <a:t> </a:t>
-            </a:r>
-            <a:r>
-              <a:rPr lang="de-DE" dirty="0" err="1"/>
-              <a:t>to</a:t>
-            </a:r>
-            <a:r>
-              <a:rPr lang="de-DE" dirty="0"/>
-              <a:t> fix </a:t>
-            </a:r>
-            <a:r>
-              <a:rPr lang="de-DE" dirty="0" err="1"/>
-              <a:t>them</a:t>
-            </a:r>
-            <a:r>
-              <a:rPr lang="de-DE" dirty="0"/>
-              <a:t> in </a:t>
-            </a:r>
-            <a:r>
-              <a:rPr lang="de-DE" dirty="0" err="1"/>
-              <a:t>the</a:t>
-            </a:r>
-            <a:r>
-              <a:rPr lang="de-DE" dirty="0"/>
-              <a:t> source </a:t>
-            </a:r>
-            <a:r>
-              <a:rPr lang="de-DE" dirty="0" err="1"/>
-              <a:t>file</a:t>
-            </a:r>
-            <a:endParaRPr lang="de-DE" dirty="0"/>
-          </a:p>
-          <a:p>
-            <a:r>
-              <a:rPr lang="de-DE" dirty="0"/>
-              <a:t>Separate form and </a:t>
-            </a:r>
-            <a:r>
-              <a:rPr lang="de-DE" dirty="0" err="1"/>
-              <a:t>shading</a:t>
-            </a:r>
-            <a:endParaRPr lang="de-DE" dirty="0"/>
-          </a:p>
-          <a:p>
-            <a:r>
-              <a:rPr lang="en-US" dirty="0"/>
-              <a:t>Enable un-trained employees to use the </a:t>
-            </a:r>
-            <a:r>
-              <a:rPr lang="en-US" dirty="0" err="1"/>
-              <a:t>shaderpipeline</a:t>
-            </a:r>
-            <a:endParaRPr lang="de-DE" dirty="0"/>
-          </a:p>
-          <a:p>
-            <a:endParaRPr lang="de-DE" dirty="0"/>
+              <a:rPr lang="en-US" dirty="0"/>
+              <a:t>Look at all materials in the imported file</a:t>
+            </a:r>
+          </a:p>
+          <a:p>
+            <a:r>
+              <a:rPr lang="en-US" dirty="0"/>
+              <a:t>Get the RGB values of the diffuse channel using the field access</a:t>
+            </a:r>
+          </a:p>
+          <a:p>
+            <a:r>
+              <a:rPr lang="en-US" dirty="0"/>
+              <a:t>Use lookup table to find a matching color</a:t>
+            </a:r>
+          </a:p>
+          <a:p>
+            <a:r>
+              <a:rPr lang="en-US" dirty="0"/>
+              <a:t>If there is a matching color -&gt; replace material!</a:t>
+            </a:r>
           </a:p>
         </p:txBody>
       </p:sp>
@@ -1749,7 +1744,7 @@
     </p:spTree>
     <p:extLst>
       <p:ext uri="{BB962C8B-B14F-4D97-AF65-F5344CB8AC3E}">
-        <p14:creationId xmlns:p14="http://schemas.microsoft.com/office/powerpoint/2010/main" val="3183996388"/>
+        <p14:creationId xmlns:p14="http://schemas.microsoft.com/office/powerpoint/2010/main" val="2659181682"/>
       </p:ext>
     </p:extLst>
   </p:cSld>
@@ -5835,35 +5830,6 @@
       </p:grpSpPr>
       <p:sp>
         <p:nvSpPr>
-          <p:cNvPr id="2" name="Titel 1">
-            <a:extLst>
-              <a:ext uri="{FF2B5EF4-FFF2-40B4-BE49-F238E27FC236}">
-                <a16:creationId xmlns:a16="http://schemas.microsoft.com/office/drawing/2014/main" id="{00446344-DFBA-3182-F9D8-5FBD569385B1}"/>
-              </a:ext>
-            </a:extLst>
-          </p:cNvPr>
-          <p:cNvSpPr>
-            <a:spLocks noGrp="1"/>
-          </p:cNvSpPr>
-          <p:nvPr>
-            <p:ph type="title"/>
-          </p:nvPr>
-        </p:nvSpPr>
-        <p:spPr/>
-        <p:txBody>
-          <a:bodyPr/>
-          <a:lstStyle/>
-          <a:p>
-            <a:r>
-              <a:rPr lang="en-US" dirty="0"/>
-              <a:t>Matching Colors</a:t>
-            </a:r>
-            <a:endParaRPr lang="de-DE" dirty="0"/>
-          </a:p>
-        </p:txBody>
-      </p:sp>
-      <p:sp>
-        <p:nvSpPr>
           <p:cNvPr id="3" name="Inhaltsplatzhalter 2">
             <a:extLst>
               <a:ext uri="{FF2B5EF4-FFF2-40B4-BE49-F238E27FC236}">
@@ -5885,41 +5851,20 @@
           </a:bodyPr>
           <a:lstStyle/>
           <a:p>
-            <a:r>
-              <a:rPr lang="en-US" dirty="0"/>
-              <a:t>Look at all materials in the imported file</a:t>
-            </a:r>
-          </a:p>
-          <a:p>
-            <a:r>
-              <a:rPr lang="en-US" dirty="0"/>
-              <a:t>Get the RGB values of the diffuse channel using the field access</a:t>
-            </a:r>
-          </a:p>
-          <a:p>
-            <a:r>
-              <a:rPr lang="en-US" dirty="0"/>
-              <a:t>Use lookup table to find a matching color</a:t>
-            </a:r>
-          </a:p>
-          <a:p>
-            <a:r>
-              <a:rPr lang="en-US" dirty="0"/>
-              <a:t>If there is a matching color -&gt; replace material!</a:t>
-            </a:r>
-          </a:p>
-          <a:p>
-            <a:pPr marL="0" indent="0">
+            <a:pPr marL="0" indent="0" algn="ctr">
               <a:buNone/>
             </a:pPr>
-            <a:endParaRPr lang="en-US" dirty="0"/>
+            <a:r>
+              <a:rPr lang="en-US" dirty="0"/>
+              <a:t>[VRED Shading Demo]</a:t>
+            </a:r>
           </a:p>
         </p:txBody>
       </p:sp>
     </p:spTree>
     <p:extLst>
       <p:ext uri="{BB962C8B-B14F-4D97-AF65-F5344CB8AC3E}">
-        <p14:creationId xmlns:p14="http://schemas.microsoft.com/office/powerpoint/2010/main" val="421940934"/>
+        <p14:creationId xmlns:p14="http://schemas.microsoft.com/office/powerpoint/2010/main" val="1483901785"/>
       </p:ext>
     </p:extLst>
   </p:cSld>
@@ -5969,7 +5914,7 @@
           <a:p>
             <a:r>
               <a:rPr lang="en-US" dirty="0"/>
-              <a:t>Matching Names</a:t>
+              <a:t>Matching Colors</a:t>
             </a:r>
             <a:endParaRPr lang="de-DE" dirty="0"/>
           </a:p>
@@ -6006,27 +5951,33 @@
           <a:p>
             <a:r>
               <a:rPr lang="en-US" dirty="0"/>
-              <a:t>Get the name of the material</a:t>
-            </a:r>
-          </a:p>
-          <a:p>
-            <a:r>
-              <a:rPr lang="en-US" dirty="0"/>
-              <a:t>Use lookup table to find a matching name</a:t>
-            </a:r>
-          </a:p>
-          <a:p>
-            <a:r>
-              <a:rPr lang="en-US" dirty="0"/>
-              <a:t>If there is a matching name -&gt; replace material!</a:t>
-            </a:r>
+              <a:t>Get the RGB values of the diffuse channel using the field access</a:t>
+            </a:r>
+          </a:p>
+          <a:p>
+            <a:r>
+              <a:rPr lang="en-US" dirty="0"/>
+              <a:t>Use lookup table to find a matching color</a:t>
+            </a:r>
+          </a:p>
+          <a:p>
+            <a:r>
+              <a:rPr lang="en-US" dirty="0"/>
+              <a:t>If there is a matching color -&gt; replace material!</a:t>
+            </a:r>
+          </a:p>
+          <a:p>
+            <a:pPr marL="0" indent="0">
+              <a:buNone/>
+            </a:pPr>
+            <a:endParaRPr lang="en-US" dirty="0"/>
           </a:p>
         </p:txBody>
       </p:sp>
     </p:spTree>
     <p:extLst>
       <p:ext uri="{BB962C8B-B14F-4D97-AF65-F5344CB8AC3E}">
-        <p14:creationId xmlns:p14="http://schemas.microsoft.com/office/powerpoint/2010/main" val="4237492245"/>
+        <p14:creationId xmlns:p14="http://schemas.microsoft.com/office/powerpoint/2010/main" val="2098366211"/>
       </p:ext>
     </p:extLst>
   </p:cSld>
@@ -6053,41 +6004,6 @@
           <a:chExt cx="0" cy="0"/>
         </a:xfrm>
       </p:grpSpPr>
-      <p:pic>
-        <p:nvPicPr>
-          <p:cNvPr id="7" name="Grafik 6">
-            <a:extLst>
-              <a:ext uri="{FF2B5EF4-FFF2-40B4-BE49-F238E27FC236}">
-                <a16:creationId xmlns:a16="http://schemas.microsoft.com/office/drawing/2014/main" id="{DF43E329-B3CF-8714-C031-7A7A66B4A63C}"/>
-              </a:ext>
-            </a:extLst>
-          </p:cNvPr>
-          <p:cNvPicPr>
-            <a:picLocks noChangeAspect="1"/>
-          </p:cNvPicPr>
-          <p:nvPr/>
-        </p:nvPicPr>
-        <p:blipFill>
-          <a:blip r:embed="rId3">
-            <a:extLst>
-              <a:ext uri="{28A0092B-C50C-407E-A947-70E740481C1C}">
-                <a14:useLocalDpi xmlns:a14="http://schemas.microsoft.com/office/drawing/2010/main" val="0"/>
-              </a:ext>
-            </a:extLst>
-          </a:blip>
-          <a:srcRect/>
-          <a:stretch/>
-        </p:blipFill>
-        <p:spPr>
-          <a:xfrm>
-            <a:off x="0" y="0"/>
-            <a:ext cx="12192000" cy="6858000"/>
-          </a:xfrm>
-          <a:prstGeom prst="rect">
-            <a:avLst/>
-          </a:prstGeom>
-        </p:spPr>
-      </p:pic>
       <p:sp>
         <p:nvSpPr>
           <p:cNvPr id="2" name="Titel 1">
@@ -6111,16 +6027,64 @@
           <a:p>
             <a:r>
               <a:rPr lang="en-US" dirty="0"/>
-              <a:t>Fuzzy Matching</a:t>
+              <a:t>Matching Names</a:t>
             </a:r>
             <a:endParaRPr lang="de-DE" dirty="0"/>
+          </a:p>
+        </p:txBody>
+      </p:sp>
+      <p:sp>
+        <p:nvSpPr>
+          <p:cNvPr id="3" name="Inhaltsplatzhalter 2">
+            <a:extLst>
+              <a:ext uri="{FF2B5EF4-FFF2-40B4-BE49-F238E27FC236}">
+                <a16:creationId xmlns:a16="http://schemas.microsoft.com/office/drawing/2014/main" id="{1032E094-3BB2-DDC1-28CB-45489783C997}"/>
+              </a:ext>
+            </a:extLst>
+          </p:cNvPr>
+          <p:cNvSpPr>
+            <a:spLocks noGrp="1"/>
+          </p:cNvSpPr>
+          <p:nvPr>
+            <p:ph idx="1"/>
+          </p:nvPr>
+        </p:nvSpPr>
+        <p:spPr/>
+        <p:txBody>
+          <a:bodyPr>
+            <a:normAutofit/>
+          </a:bodyPr>
+          <a:lstStyle/>
+          <a:p>
+            <a:r>
+              <a:rPr lang="en-US" dirty="0"/>
+              <a:t>Look at all materials in the imported file</a:t>
+            </a:r>
+          </a:p>
+          <a:p>
+            <a:r>
+              <a:rPr lang="en-US" dirty="0"/>
+              <a:t>Get the name of the material</a:t>
+            </a:r>
+          </a:p>
+          <a:p>
+            <a:r>
+              <a:rPr lang="en-US" dirty="0"/>
+              <a:t>Use lookup table to find a matching name</a:t>
+            </a:r>
+          </a:p>
+          <a:p>
+            <a:r>
+              <a:rPr lang="en-US" dirty="0"/>
+              <a:t>If there is a matching name -&gt; replace material!</a:t>
+            </a:r>
           </a:p>
         </p:txBody>
       </p:sp>
     </p:spTree>
     <p:extLst>
       <p:ext uri="{BB962C8B-B14F-4D97-AF65-F5344CB8AC3E}">
-        <p14:creationId xmlns:p14="http://schemas.microsoft.com/office/powerpoint/2010/main" val="1409251762"/>
+        <p14:creationId xmlns:p14="http://schemas.microsoft.com/office/powerpoint/2010/main" val="4237492245"/>
       </p:ext>
     </p:extLst>
   </p:cSld>
@@ -6214,6 +6178,100 @@
     </p:spTree>
     <p:extLst>
       <p:ext uri="{BB962C8B-B14F-4D97-AF65-F5344CB8AC3E}">
+        <p14:creationId xmlns:p14="http://schemas.microsoft.com/office/powerpoint/2010/main" val="1409251762"/>
+      </p:ext>
+    </p:extLst>
+  </p:cSld>
+  <p:clrMapOvr>
+    <a:masterClrMapping/>
+  </p:clrMapOvr>
+</p:sld>
+</file>
+
+<file path=ppt/slides/slide14.xml><?xml version="1.0" encoding="utf-8"?>
+<p:sld xmlns:a="http://schemas.openxmlformats.org/drawingml/2006/main" xmlns:r="http://schemas.openxmlformats.org/officeDocument/2006/relationships" xmlns:p="http://schemas.openxmlformats.org/presentationml/2006/main">
+  <p:cSld>
+    <p:spTree>
+      <p:nvGrpSpPr>
+        <p:cNvPr id="1" name=""/>
+        <p:cNvGrpSpPr/>
+        <p:nvPr/>
+      </p:nvGrpSpPr>
+      <p:grpSpPr>
+        <a:xfrm>
+          <a:off x="0" y="0"/>
+          <a:ext cx="0" cy="0"/>
+          <a:chOff x="0" y="0"/>
+          <a:chExt cx="0" cy="0"/>
+        </a:xfrm>
+      </p:grpSpPr>
+      <p:pic>
+        <p:nvPicPr>
+          <p:cNvPr id="7" name="Grafik 6">
+            <a:extLst>
+              <a:ext uri="{FF2B5EF4-FFF2-40B4-BE49-F238E27FC236}">
+                <a16:creationId xmlns:a16="http://schemas.microsoft.com/office/drawing/2014/main" id="{DF43E329-B3CF-8714-C031-7A7A66B4A63C}"/>
+              </a:ext>
+            </a:extLst>
+          </p:cNvPr>
+          <p:cNvPicPr>
+            <a:picLocks noChangeAspect="1"/>
+          </p:cNvPicPr>
+          <p:nvPr/>
+        </p:nvPicPr>
+        <p:blipFill>
+          <a:blip r:embed="rId3">
+            <a:extLst>
+              <a:ext uri="{28A0092B-C50C-407E-A947-70E740481C1C}">
+                <a14:useLocalDpi xmlns:a14="http://schemas.microsoft.com/office/drawing/2010/main" val="0"/>
+              </a:ext>
+            </a:extLst>
+          </a:blip>
+          <a:srcRect/>
+          <a:stretch/>
+        </p:blipFill>
+        <p:spPr>
+          <a:xfrm>
+            <a:off x="0" y="0"/>
+            <a:ext cx="12192000" cy="6858000"/>
+          </a:xfrm>
+          <a:prstGeom prst="rect">
+            <a:avLst/>
+          </a:prstGeom>
+        </p:spPr>
+      </p:pic>
+      <p:sp>
+        <p:nvSpPr>
+          <p:cNvPr id="2" name="Titel 1">
+            <a:extLst>
+              <a:ext uri="{FF2B5EF4-FFF2-40B4-BE49-F238E27FC236}">
+                <a16:creationId xmlns:a16="http://schemas.microsoft.com/office/drawing/2014/main" id="{00446344-DFBA-3182-F9D8-5FBD569385B1}"/>
+              </a:ext>
+            </a:extLst>
+          </p:cNvPr>
+          <p:cNvSpPr>
+            <a:spLocks noGrp="1"/>
+          </p:cNvSpPr>
+          <p:nvPr>
+            <p:ph type="title"/>
+          </p:nvPr>
+        </p:nvSpPr>
+        <p:spPr/>
+        <p:txBody>
+          <a:bodyPr/>
+          <a:lstStyle/>
+          <a:p>
+            <a:r>
+              <a:rPr lang="en-US" dirty="0"/>
+              <a:t>Fuzzy Matching</a:t>
+            </a:r>
+            <a:endParaRPr lang="de-DE" dirty="0"/>
+          </a:p>
+        </p:txBody>
+      </p:sp>
+    </p:spTree>
+    <p:extLst>
+      <p:ext uri="{BB962C8B-B14F-4D97-AF65-F5344CB8AC3E}">
         <p14:creationId xmlns:p14="http://schemas.microsoft.com/office/powerpoint/2010/main" val="3886904664"/>
       </p:ext>
     </p:extLst>
@@ -6224,7 +6282,70 @@
 </p:sld>
 </file>
 
-<file path=ppt/slides/slide14.xml><?xml version="1.0" encoding="utf-8"?>
+<file path=ppt/slides/slide15.xml><?xml version="1.0" encoding="utf-8"?>
+<p:sld xmlns:a="http://schemas.openxmlformats.org/drawingml/2006/main" xmlns:r="http://schemas.openxmlformats.org/officeDocument/2006/relationships" xmlns:p="http://schemas.openxmlformats.org/presentationml/2006/main">
+  <p:cSld>
+    <p:spTree>
+      <p:nvGrpSpPr>
+        <p:cNvPr id="1" name=""/>
+        <p:cNvGrpSpPr/>
+        <p:nvPr/>
+      </p:nvGrpSpPr>
+      <p:grpSpPr>
+        <a:xfrm>
+          <a:off x="0" y="0"/>
+          <a:ext cx="0" cy="0"/>
+          <a:chOff x="0" y="0"/>
+          <a:chExt cx="0" cy="0"/>
+        </a:xfrm>
+      </p:grpSpPr>
+      <p:sp>
+        <p:nvSpPr>
+          <p:cNvPr id="3" name="Inhaltsplatzhalter 2">
+            <a:extLst>
+              <a:ext uri="{FF2B5EF4-FFF2-40B4-BE49-F238E27FC236}">
+                <a16:creationId xmlns:a16="http://schemas.microsoft.com/office/drawing/2014/main" id="{1032E094-3BB2-DDC1-28CB-45489783C997}"/>
+              </a:ext>
+            </a:extLst>
+          </p:cNvPr>
+          <p:cNvSpPr>
+            <a:spLocks noGrp="1"/>
+          </p:cNvSpPr>
+          <p:nvPr>
+            <p:ph idx="1"/>
+          </p:nvPr>
+        </p:nvSpPr>
+        <p:spPr/>
+        <p:txBody>
+          <a:bodyPr>
+            <a:normAutofit/>
+          </a:bodyPr>
+          <a:lstStyle/>
+          <a:p>
+            <a:pPr marL="0" indent="0" algn="ctr">
+              <a:buNone/>
+            </a:pPr>
+            <a:r>
+              <a:rPr lang="en-US" dirty="0"/>
+              <a:t>[VRED Shading Demo]</a:t>
+            </a:r>
+          </a:p>
+        </p:txBody>
+      </p:sp>
+    </p:spTree>
+    <p:extLst>
+      <p:ext uri="{BB962C8B-B14F-4D97-AF65-F5344CB8AC3E}">
+        <p14:creationId xmlns:p14="http://schemas.microsoft.com/office/powerpoint/2010/main" val="1689005348"/>
+      </p:ext>
+    </p:extLst>
+  </p:cSld>
+  <p:clrMapOvr>
+    <a:masterClrMapping/>
+  </p:clrMapOvr>
+</p:sld>
+</file>
+
+<file path=ppt/slides/slide16.xml><?xml version="1.0" encoding="utf-8"?>
 <p:sld xmlns:a="http://schemas.openxmlformats.org/drawingml/2006/main" xmlns:r="http://schemas.openxmlformats.org/officeDocument/2006/relationships" xmlns:p="http://schemas.openxmlformats.org/presentationml/2006/main">
   <p:cSld>
     <p:spTree>
@@ -6458,34 +6579,6 @@
       </p:grpSpPr>
       <p:sp>
         <p:nvSpPr>
-          <p:cNvPr id="2" name="Titel 1">
-            <a:extLst>
-              <a:ext uri="{FF2B5EF4-FFF2-40B4-BE49-F238E27FC236}">
-                <a16:creationId xmlns:a16="http://schemas.microsoft.com/office/drawing/2014/main" id="{00446344-DFBA-3182-F9D8-5FBD569385B1}"/>
-              </a:ext>
-            </a:extLst>
-          </p:cNvPr>
-          <p:cNvSpPr>
-            <a:spLocks noGrp="1"/>
-          </p:cNvSpPr>
-          <p:nvPr>
-            <p:ph type="title"/>
-          </p:nvPr>
-        </p:nvSpPr>
-        <p:spPr/>
-        <p:txBody>
-          <a:bodyPr/>
-          <a:lstStyle/>
-          <a:p>
-            <a:r>
-              <a:rPr lang="de-DE" dirty="0"/>
-              <a:t>Motivation</a:t>
-            </a:r>
-          </a:p>
-        </p:txBody>
-      </p:sp>
-      <p:sp>
-        <p:nvSpPr>
           <p:cNvPr id="3" name="Inhaltsplatzhalter 2">
             <a:extLst>
               <a:ext uri="{FF2B5EF4-FFF2-40B4-BE49-F238E27FC236}">
@@ -6502,73 +6595,25 @@
         </p:nvSpPr>
         <p:spPr/>
         <p:txBody>
-          <a:bodyPr/>
-          <a:lstStyle/>
-          <a:p>
-            <a:pPr marL="0" indent="0">
+          <a:bodyPr>
+            <a:normAutofit/>
+          </a:bodyPr>
+          <a:lstStyle/>
+          <a:p>
+            <a:pPr marL="0" indent="0" algn="ctr">
               <a:buNone/>
             </a:pPr>
             <a:r>
-              <a:rPr lang="de-DE" dirty="0"/>
-              <a:t>Bilder:</a:t>
-            </a:r>
-          </a:p>
-          <a:p>
-            <a:pPr>
-              <a:buFontTx/>
-              <a:buChar char="-"/>
-            </a:pPr>
-            <a:r>
-              <a:rPr lang="de-DE" dirty="0"/>
-              <a:t>Automodell </a:t>
-            </a:r>
-            <a:r>
-              <a:rPr lang="de-DE" dirty="0" err="1"/>
-              <a:t>ungeshaded</a:t>
-            </a:r>
-            <a:endParaRPr lang="de-DE" dirty="0"/>
-          </a:p>
-          <a:p>
-            <a:pPr>
-              <a:buFontTx/>
-              <a:buChar char="-"/>
-            </a:pPr>
-            <a:r>
-              <a:rPr lang="de-DE" dirty="0"/>
-              <a:t>Automodell </a:t>
-            </a:r>
-            <a:r>
-              <a:rPr lang="de-DE" dirty="0" err="1"/>
-              <a:t>geshaded</a:t>
-            </a:r>
-            <a:endParaRPr lang="de-DE" dirty="0"/>
-          </a:p>
-          <a:p>
-            <a:pPr>
-              <a:buFontTx/>
-              <a:buChar char="-"/>
-            </a:pPr>
-            <a:r>
-              <a:rPr lang="de-DE" dirty="0" err="1"/>
-              <a:t>Scenegraph</a:t>
-            </a:r>
-            <a:r>
-              <a:rPr lang="de-DE" dirty="0"/>
-              <a:t> ungeordnet</a:t>
-            </a:r>
-          </a:p>
-          <a:p>
-            <a:pPr marL="0" indent="0">
-              <a:buNone/>
-            </a:pPr>
-            <a:endParaRPr lang="de-DE" dirty="0"/>
+              <a:rPr lang="en-US" dirty="0"/>
+              <a:t>[VRED Shading Demo]</a:t>
+            </a:r>
           </a:p>
         </p:txBody>
       </p:sp>
     </p:spTree>
     <p:extLst>
       <p:ext uri="{BB962C8B-B14F-4D97-AF65-F5344CB8AC3E}">
-        <p14:creationId xmlns:p14="http://schemas.microsoft.com/office/powerpoint/2010/main" val="1270291130"/>
+        <p14:creationId xmlns:p14="http://schemas.microsoft.com/office/powerpoint/2010/main" val="421940934"/>
       </p:ext>
     </p:extLst>
   </p:cSld>

--- a/presentation/Python based Shaderpipeline in VRED.pptx
+++ b/presentation/Python based Shaderpipeline in VRED.pptx
@@ -5,25 +5,29 @@
     <p:sldMasterId id="2147483648" r:id="rId1"/>
   </p:sldMasterIdLst>
   <p:notesMasterIdLst>
-    <p:notesMasterId r:id="rId18"/>
+    <p:notesMasterId r:id="rId22"/>
   </p:notesMasterIdLst>
   <p:sldIdLst>
     <p:sldId id="256" r:id="rId2"/>
     <p:sldId id="257" r:id="rId3"/>
-    <p:sldId id="263" r:id="rId4"/>
-    <p:sldId id="259" r:id="rId5"/>
-    <p:sldId id="260" r:id="rId6"/>
-    <p:sldId id="262" r:id="rId7"/>
-    <p:sldId id="268" r:id="rId8"/>
-    <p:sldId id="261" r:id="rId9"/>
-    <p:sldId id="267" r:id="rId10"/>
-    <p:sldId id="276" r:id="rId11"/>
-    <p:sldId id="274" r:id="rId12"/>
-    <p:sldId id="264" r:id="rId13"/>
-    <p:sldId id="270" r:id="rId14"/>
-    <p:sldId id="271" r:id="rId15"/>
-    <p:sldId id="275" r:id="rId16"/>
-    <p:sldId id="266" r:id="rId17"/>
+    <p:sldId id="281" r:id="rId4"/>
+    <p:sldId id="263" r:id="rId5"/>
+    <p:sldId id="259" r:id="rId6"/>
+    <p:sldId id="260" r:id="rId7"/>
+    <p:sldId id="262" r:id="rId8"/>
+    <p:sldId id="268" r:id="rId9"/>
+    <p:sldId id="277" r:id="rId10"/>
+    <p:sldId id="278" r:id="rId11"/>
+    <p:sldId id="261" r:id="rId12"/>
+    <p:sldId id="267" r:id="rId13"/>
+    <p:sldId id="276" r:id="rId14"/>
+    <p:sldId id="274" r:id="rId15"/>
+    <p:sldId id="270" r:id="rId16"/>
+    <p:sldId id="271" r:id="rId17"/>
+    <p:sldId id="275" r:id="rId18"/>
+    <p:sldId id="266" r:id="rId19"/>
+    <p:sldId id="280" r:id="rId20"/>
+    <p:sldId id="279" r:id="rId21"/>
   </p:sldIdLst>
   <p:sldSz cx="12192000" cy="6858000"/>
   <p:notesSz cx="6858000" cy="9144000"/>
@@ -212,7 +216,7 @@
           <a:p>
             <a:fld id="{E78DB871-3891-4D56-B7E0-CAC90772D996}" type="datetimeFigureOut">
               <a:rPr lang="de-DE" smtClean="0"/>
-              <a:t>09.01.2023</a:t>
+              <a:t>10.01.2023</a:t>
             </a:fld>
             <a:endParaRPr lang="de-DE"/>
           </a:p>
@@ -747,28 +751,11 @@
           <a:bodyPr/>
           <a:lstStyle/>
           <a:p>
-            <a:r>
-              <a:rPr lang="en-US" dirty="0"/>
-              <a:t>Look at all materials in the imported file</a:t>
-            </a:r>
-          </a:p>
-          <a:p>
-            <a:r>
-              <a:rPr lang="en-US" dirty="0"/>
-              <a:t>Get the RGB values of the diffuse channel using the field access</a:t>
-            </a:r>
-          </a:p>
-          <a:p>
-            <a:r>
-              <a:rPr lang="en-US" dirty="0"/>
-              <a:t>Use lookup table to find a matching color</a:t>
-            </a:r>
-          </a:p>
-          <a:p>
-            <a:r>
-              <a:rPr lang="en-US" dirty="0"/>
-              <a:t>If there is a matching color -&gt; replace material!</a:t>
-            </a:r>
+            <a:pPr marL="0" indent="0">
+              <a:buFont typeface="Arial" panose="020B0604020202020204" pitchFamily="34" charset="0"/>
+              <a:buNone/>
+            </a:pPr>
+            <a:endParaRPr lang="de-DE" dirty="0"/>
           </a:p>
         </p:txBody>
       </p:sp>
@@ -798,7 +785,7 @@
     </p:spTree>
     <p:extLst>
       <p:ext uri="{BB962C8B-B14F-4D97-AF65-F5344CB8AC3E}">
-        <p14:creationId xmlns:p14="http://schemas.microsoft.com/office/powerpoint/2010/main" val="3865257301"/>
+        <p14:creationId xmlns:p14="http://schemas.microsoft.com/office/powerpoint/2010/main" val="3313916247"/>
       </p:ext>
     </p:extLst>
   </p:cSld>
@@ -852,28 +839,30 @@
           <a:bodyPr/>
           <a:lstStyle/>
           <a:p>
+            <a:pPr marL="0" marR="0" lvl="0" indent="0" algn="l" defTabSz="914400" rtl="0" eaLnBrk="1" fontAlgn="auto" latinLnBrk="0" hangingPunct="1">
+              <a:lnSpc>
+                <a:spcPct val="100000"/>
+              </a:lnSpc>
+              <a:spcBef>
+                <a:spcPts val="0"/>
+              </a:spcBef>
+              <a:spcAft>
+                <a:spcPts val="0"/>
+              </a:spcAft>
+              <a:buClrTx/>
+              <a:buSzTx/>
+              <a:buFontTx/>
+              <a:buNone/>
+              <a:tabLst/>
+              <a:defRPr/>
+            </a:pPr>
             <a:r>
               <a:rPr lang="en-US" dirty="0"/>
-              <a:t>Look at all materials in the imported file</a:t>
-            </a:r>
-          </a:p>
-          <a:p>
-            <a:r>
-              <a:rPr lang="en-US" dirty="0"/>
-              <a:t>Get the RGB values of the diffuse channel using the field access</a:t>
-            </a:r>
-          </a:p>
-          <a:p>
-            <a:r>
-              <a:rPr lang="en-US" dirty="0"/>
-              <a:t>Use lookup table to find a matching color</a:t>
-            </a:r>
-          </a:p>
-          <a:p>
-            <a:r>
-              <a:rPr lang="en-US" dirty="0"/>
-              <a:t>If there is a matching color -&gt; replace material!</a:t>
-            </a:r>
+              <a:t>Agree on material naming conventions or RGB-color values (most-general case)</a:t>
+            </a:r>
+          </a:p>
+          <a:p>
+            <a:endParaRPr lang="de-DE" dirty="0"/>
           </a:p>
         </p:txBody>
       </p:sp>
@@ -903,7 +892,7 @@
     </p:spTree>
     <p:extLst>
       <p:ext uri="{BB962C8B-B14F-4D97-AF65-F5344CB8AC3E}">
-        <p14:creationId xmlns:p14="http://schemas.microsoft.com/office/powerpoint/2010/main" val="2198617716"/>
+        <p14:creationId xmlns:p14="http://schemas.microsoft.com/office/powerpoint/2010/main" val="36132834"/>
       </p:ext>
     </p:extLst>
   </p:cSld>
@@ -957,28 +946,30 @@
           <a:bodyPr/>
           <a:lstStyle/>
           <a:p>
+            <a:pPr marL="0" marR="0" lvl="0" indent="0" algn="l" defTabSz="914400" rtl="0" eaLnBrk="1" fontAlgn="auto" latinLnBrk="0" hangingPunct="1">
+              <a:lnSpc>
+                <a:spcPct val="100000"/>
+              </a:lnSpc>
+              <a:spcBef>
+                <a:spcPts val="0"/>
+              </a:spcBef>
+              <a:spcAft>
+                <a:spcPts val="0"/>
+              </a:spcAft>
+              <a:buClrTx/>
+              <a:buSzTx/>
+              <a:buFontTx/>
+              <a:buNone/>
+              <a:tabLst/>
+              <a:defRPr/>
+            </a:pPr>
             <a:r>
               <a:rPr lang="en-US" dirty="0"/>
-              <a:t>Look at all materials in the imported file</a:t>
-            </a:r>
-          </a:p>
-          <a:p>
-            <a:r>
-              <a:rPr lang="en-US" dirty="0"/>
-              <a:t>Get the name of the material</a:t>
-            </a:r>
-          </a:p>
-          <a:p>
-            <a:r>
-              <a:rPr lang="en-US" dirty="0"/>
-              <a:t>Use lookup table to find a matching name</a:t>
-            </a:r>
-          </a:p>
-          <a:p>
-            <a:r>
-              <a:rPr lang="en-US" dirty="0"/>
-              <a:t>If there is a matching name -&gt; replace material!</a:t>
-            </a:r>
+              <a:t>Agree on material naming conventions or RGB-color values (most-general case)</a:t>
+            </a:r>
+          </a:p>
+          <a:p>
+            <a:endParaRPr lang="de-DE" dirty="0"/>
           </a:p>
         </p:txBody>
       </p:sp>
@@ -1008,7 +999,7 @@
     </p:spTree>
     <p:extLst>
       <p:ext uri="{BB962C8B-B14F-4D97-AF65-F5344CB8AC3E}">
-        <p14:creationId xmlns:p14="http://schemas.microsoft.com/office/powerpoint/2010/main" val="1326079583"/>
+        <p14:creationId xmlns:p14="http://schemas.microsoft.com/office/powerpoint/2010/main" val="1174689551"/>
       </p:ext>
     </p:extLst>
   </p:cSld>
@@ -1064,56 +1055,25 @@
           <a:p>
             <a:r>
               <a:rPr lang="en-US" dirty="0"/>
-              <a:t>Fuzzy Matching: Find also matches that are not 100% correct</a:t>
-            </a:r>
-          </a:p>
-          <a:p>
-            <a:pPr lvl="1"/>
+              <a:t>Look at all materials in the imported file</a:t>
+            </a:r>
+          </a:p>
+          <a:p>
             <a:r>
               <a:rPr lang="en-US" dirty="0"/>
-              <a:t>Making errors is human</a:t>
-            </a:r>
-          </a:p>
-          <a:p>
-            <a:pPr lvl="1"/>
+              <a:t>Get the RGB values of the diffuse channel using the field access</a:t>
+            </a:r>
+          </a:p>
+          <a:p>
             <a:r>
               <a:rPr lang="en-US" dirty="0"/>
-              <a:t>RGB values are off by a few percent</a:t>
-            </a:r>
-          </a:p>
-          <a:p>
-            <a:pPr lvl="1"/>
+              <a:t>Use lookup table to find a matching color</a:t>
+            </a:r>
+          </a:p>
+          <a:p>
             <a:r>
               <a:rPr lang="en-US" dirty="0"/>
-              <a:t>Material names have spelling errors</a:t>
-            </a:r>
-          </a:p>
-          <a:p>
-            <a:pPr lvl="1"/>
-            <a:endParaRPr lang="en-US" dirty="0"/>
-          </a:p>
-          <a:p>
-            <a:r>
-              <a:rPr lang="en-US" dirty="0"/>
-              <a:t>Fuzzy Matching calculates a ratio on how similar two things are</a:t>
-            </a:r>
-          </a:p>
-          <a:p>
-            <a:r>
-              <a:rPr lang="en-US" dirty="0"/>
-              <a:t>Helpful when doing fast iterations where not everything is correctly set up</a:t>
-            </a:r>
-          </a:p>
-          <a:p>
-            <a:r>
-              <a:rPr lang="en-US" dirty="0"/>
-              <a:t>Keep working while a colleague fixes materials at the source</a:t>
-            </a:r>
-          </a:p>
-          <a:p>
-            <a:r>
-              <a:rPr lang="en-US" dirty="0"/>
-              <a:t>Prevent manual fixing of shading problems</a:t>
+              <a:t>If there is a matching color -&gt; replace material!</a:t>
             </a:r>
           </a:p>
         </p:txBody>
@@ -1144,7 +1104,7 @@
     </p:spTree>
     <p:extLst>
       <p:ext uri="{BB962C8B-B14F-4D97-AF65-F5344CB8AC3E}">
-        <p14:creationId xmlns:p14="http://schemas.microsoft.com/office/powerpoint/2010/main" val="2557534808"/>
+        <p14:creationId xmlns:p14="http://schemas.microsoft.com/office/powerpoint/2010/main" val="3865257301"/>
       </p:ext>
     </p:extLst>
   </p:cSld>
@@ -1198,59 +1158,108 @@
           <a:bodyPr/>
           <a:lstStyle/>
           <a:p>
+            <a:pPr marL="171450" indent="-171450">
+              <a:buFont typeface="Arial" panose="020B0604020202020204" pitchFamily="34" charset="0"/>
+              <a:buChar char="•"/>
+            </a:pPr>
             <a:r>
               <a:rPr lang="en-US" dirty="0"/>
-              <a:t>Fuzzy Matching: Find also matches that are not 100% correct</a:t>
-            </a:r>
-          </a:p>
-          <a:p>
-            <a:pPr lvl="1"/>
+              <a:t>Look at all materials in the imported file</a:t>
+            </a:r>
+          </a:p>
+          <a:p>
+            <a:pPr marL="171450" indent="-171450">
+              <a:buFont typeface="Arial" panose="020B0604020202020204" pitchFamily="34" charset="0"/>
+              <a:buChar char="•"/>
+            </a:pPr>
             <a:r>
               <a:rPr lang="en-US" dirty="0"/>
-              <a:t>Making errors is human</a:t>
-            </a:r>
-          </a:p>
-          <a:p>
-            <a:pPr lvl="1"/>
+              <a:t>Get the RGB values of the diffuse channel using the field access</a:t>
+            </a:r>
+          </a:p>
+          <a:p>
+            <a:pPr marL="171450" indent="-171450">
+              <a:buFont typeface="Arial" panose="020B0604020202020204" pitchFamily="34" charset="0"/>
+              <a:buChar char="•"/>
+            </a:pPr>
             <a:r>
               <a:rPr lang="en-US" dirty="0"/>
-              <a:t>RGB values are off by a few percent</a:t>
-            </a:r>
-          </a:p>
-          <a:p>
-            <a:pPr lvl="1"/>
+              <a:t>Use lookup table to find a matching color</a:t>
+            </a:r>
+          </a:p>
+          <a:p>
+            <a:pPr marL="171450" indent="-171450">
+              <a:buFont typeface="Arial" panose="020B0604020202020204" pitchFamily="34" charset="0"/>
+              <a:buChar char="•"/>
+            </a:pPr>
             <a:r>
               <a:rPr lang="en-US" dirty="0"/>
-              <a:t>Material names have spelling errors</a:t>
-            </a:r>
-          </a:p>
-          <a:p>
-            <a:pPr lvl="1"/>
+              <a:t>If there is a matching color -&gt; replace material!</a:t>
+            </a:r>
+          </a:p>
+          <a:p>
+            <a:pPr marL="171450" indent="-171450">
+              <a:buFont typeface="Arial" panose="020B0604020202020204" pitchFamily="34" charset="0"/>
+              <a:buChar char="•"/>
+            </a:pPr>
             <a:endParaRPr lang="en-US" dirty="0"/>
           </a:p>
           <a:p>
+            <a:pPr marL="0" indent="0">
+              <a:buFont typeface="Arial" panose="020B0604020202020204" pitchFamily="34" charset="0"/>
+              <a:buNone/>
+            </a:pPr>
             <a:r>
               <a:rPr lang="en-US" dirty="0"/>
-              <a:t>Fuzzy Matching calculates a ratio on how similar two things are</a:t>
-            </a:r>
-          </a:p>
-          <a:p>
+              <a:t>The process is basically the same for matching material names</a:t>
+            </a:r>
+          </a:p>
+          <a:p>
+            <a:pPr marL="171450" indent="-171450">
+              <a:buFont typeface="Arial" panose="020B0604020202020204" pitchFamily="34" charset="0"/>
+              <a:buChar char="•"/>
+            </a:pPr>
             <a:r>
               <a:rPr lang="en-US" dirty="0"/>
-              <a:t>Helpful when doing fast iterations where not everything is correctly set up</a:t>
-            </a:r>
-          </a:p>
-          <a:p>
+              <a:t>Look at all materials in the imported file</a:t>
+            </a:r>
+          </a:p>
+          <a:p>
+            <a:pPr marL="171450" indent="-171450">
+              <a:buFont typeface="Arial" panose="020B0604020202020204" pitchFamily="34" charset="0"/>
+              <a:buChar char="•"/>
+            </a:pPr>
             <a:r>
               <a:rPr lang="en-US" dirty="0"/>
-              <a:t>Keep working while a colleague fixes materials at the source</a:t>
-            </a:r>
-          </a:p>
-          <a:p>
+              <a:t>Get the name of the material</a:t>
+            </a:r>
+          </a:p>
+          <a:p>
+            <a:pPr marL="171450" indent="-171450">
+              <a:buFont typeface="Arial" panose="020B0604020202020204" pitchFamily="34" charset="0"/>
+              <a:buChar char="•"/>
+            </a:pPr>
             <a:r>
               <a:rPr lang="en-US" dirty="0"/>
-              <a:t>Prevent manual fixing of shading problems</a:t>
-            </a:r>
+              <a:t>Use lookup table to find a matching name</a:t>
+            </a:r>
+          </a:p>
+          <a:p>
+            <a:pPr marL="171450" indent="-171450">
+              <a:buFont typeface="Arial" panose="020B0604020202020204" pitchFamily="34" charset="0"/>
+              <a:buChar char="•"/>
+            </a:pPr>
+            <a:r>
+              <a:rPr lang="en-US" dirty="0"/>
+              <a:t>If there is a matching name -&gt; replace material!</a:t>
+            </a:r>
+          </a:p>
+          <a:p>
+            <a:pPr marL="0" indent="0">
+              <a:buFont typeface="Arial" panose="020B0604020202020204" pitchFamily="34" charset="0"/>
+              <a:buNone/>
+            </a:pPr>
+            <a:endParaRPr lang="en-US" dirty="0"/>
           </a:p>
         </p:txBody>
       </p:sp>
@@ -1280,7 +1289,7 @@
     </p:spTree>
     <p:extLst>
       <p:ext uri="{BB962C8B-B14F-4D97-AF65-F5344CB8AC3E}">
-        <p14:creationId xmlns:p14="http://schemas.microsoft.com/office/powerpoint/2010/main" val="734442229"/>
+        <p14:creationId xmlns:p14="http://schemas.microsoft.com/office/powerpoint/2010/main" val="2198617716"/>
       </p:ext>
     </p:extLst>
   </p:cSld>
@@ -1336,25 +1345,56 @@
           <a:p>
             <a:r>
               <a:rPr lang="en-US" dirty="0"/>
-              <a:t>Look at all materials in the imported file</a:t>
-            </a:r>
-          </a:p>
-          <a:p>
+              <a:t>Fuzzy Matching: Find also matches that are not 100% correct</a:t>
+            </a:r>
+          </a:p>
+          <a:p>
+            <a:pPr lvl="1"/>
             <a:r>
               <a:rPr lang="en-US" dirty="0"/>
-              <a:t>Get the RGB values of the diffuse channel using the field access</a:t>
-            </a:r>
-          </a:p>
-          <a:p>
+              <a:t>Making errors is human</a:t>
+            </a:r>
+          </a:p>
+          <a:p>
+            <a:pPr lvl="1"/>
             <a:r>
               <a:rPr lang="en-US" dirty="0"/>
-              <a:t>Use lookup table to find a matching color</a:t>
-            </a:r>
-          </a:p>
-          <a:p>
+              <a:t>RGB values are off by a few percent</a:t>
+            </a:r>
+          </a:p>
+          <a:p>
+            <a:pPr lvl="1"/>
             <a:r>
               <a:rPr lang="en-US" dirty="0"/>
-              <a:t>If there is a matching color -&gt; replace material!</a:t>
+              <a:t>Material names have spelling errors</a:t>
+            </a:r>
+          </a:p>
+          <a:p>
+            <a:pPr lvl="1"/>
+            <a:endParaRPr lang="en-US" dirty="0"/>
+          </a:p>
+          <a:p>
+            <a:r>
+              <a:rPr lang="en-US" dirty="0"/>
+              <a:t>Fuzzy Matching calculates a ratio on how similar two things are</a:t>
+            </a:r>
+          </a:p>
+          <a:p>
+            <a:r>
+              <a:rPr lang="en-US" dirty="0"/>
+              <a:t>Helpful when doing fast iterations where not everything is correctly set up</a:t>
+            </a:r>
+          </a:p>
+          <a:p>
+            <a:r>
+              <a:rPr lang="en-US" dirty="0"/>
+              <a:t>Keep working while a colleague fixes materials at the source</a:t>
+            </a:r>
+          </a:p>
+          <a:p>
+            <a:r>
+              <a:rPr lang="en-US" dirty="0"/>
+              <a:t>Prevent manual fixing of shading problems</a:t>
             </a:r>
           </a:p>
         </p:txBody>
@@ -1385,7 +1425,7 @@
     </p:spTree>
     <p:extLst>
       <p:ext uri="{BB962C8B-B14F-4D97-AF65-F5344CB8AC3E}">
-        <p14:creationId xmlns:p14="http://schemas.microsoft.com/office/powerpoint/2010/main" val="3911905989"/>
+        <p14:creationId xmlns:p14="http://schemas.microsoft.com/office/powerpoint/2010/main" val="2557534808"/>
       </p:ext>
     </p:extLst>
   </p:cSld>
@@ -1441,35 +1481,28 @@
           <a:p>
             <a:r>
               <a:rPr lang="en-US" dirty="0"/>
-              <a:t>Automatically Optimize for VR</a:t>
+              <a:t>Fuzzy Matching: Find also matches that are not 100% correct</a:t>
             </a:r>
           </a:p>
           <a:p>
             <a:pPr lvl="1"/>
             <a:r>
               <a:rPr lang="en-US" dirty="0"/>
-              <a:t>Merge geometries</a:t>
+              <a:t>Making errors is human</a:t>
             </a:r>
           </a:p>
           <a:p>
             <a:pPr lvl="1"/>
             <a:r>
               <a:rPr lang="en-US" dirty="0"/>
-              <a:t>Merge materials</a:t>
+              <a:t>RGB values are off by a few percent</a:t>
             </a:r>
           </a:p>
           <a:p>
             <a:pPr lvl="1"/>
             <a:r>
               <a:rPr lang="en-US" dirty="0"/>
-              <a:t>Use special material libraries with VR-optimized materials</a:t>
-            </a:r>
-          </a:p>
-          <a:p>
-            <a:pPr lvl="1"/>
-            <a:r>
-              <a:rPr lang="en-US" dirty="0"/>
-              <a:t>Reduce hierarchy depth</a:t>
+              <a:t>Material names have spelling errors</a:t>
             </a:r>
           </a:p>
           <a:p>
@@ -1479,7 +1512,25 @@
           <a:p>
             <a:r>
               <a:rPr lang="en-US" dirty="0"/>
-              <a:t>Automatically sort hierarchy based on materials</a:t>
+              <a:t>Fuzzy Matching calculates a ratio on how similar two things are</a:t>
+            </a:r>
+          </a:p>
+          <a:p>
+            <a:r>
+              <a:rPr lang="en-US" dirty="0"/>
+              <a:t>Helpful when doing fast iterations where not everything is correctly set up</a:t>
+            </a:r>
+          </a:p>
+          <a:p>
+            <a:r>
+              <a:rPr lang="en-US" dirty="0"/>
+              <a:t>Keep working while a colleague fixes materials at the source</a:t>
+            </a:r>
+          </a:p>
+          <a:p>
+            <a:r>
+              <a:rPr lang="en-US" dirty="0"/>
+              <a:t>Prevent manual fixing of shading problems</a:t>
             </a:r>
           </a:p>
         </p:txBody>
@@ -1510,7 +1561,342 @@
     </p:spTree>
     <p:extLst>
       <p:ext uri="{BB962C8B-B14F-4D97-AF65-F5344CB8AC3E}">
+        <p14:creationId xmlns:p14="http://schemas.microsoft.com/office/powerpoint/2010/main" val="734442229"/>
+      </p:ext>
+    </p:extLst>
+  </p:cSld>
+  <p:clrMapOvr>
+    <a:masterClrMapping/>
+  </p:clrMapOvr>
+</p:notes>
+</file>
+
+<file path=ppt/notesSlides/notesSlide17.xml><?xml version="1.0" encoding="utf-8"?>
+<p:notes xmlns:a="http://schemas.openxmlformats.org/drawingml/2006/main" xmlns:r="http://schemas.openxmlformats.org/officeDocument/2006/relationships" xmlns:p="http://schemas.openxmlformats.org/presentationml/2006/main">
+  <p:cSld>
+    <p:spTree>
+      <p:nvGrpSpPr>
+        <p:cNvPr id="1" name=""/>
+        <p:cNvGrpSpPr/>
+        <p:nvPr/>
+      </p:nvGrpSpPr>
+      <p:grpSpPr>
+        <a:xfrm>
+          <a:off x="0" y="0"/>
+          <a:ext cx="0" cy="0"/>
+          <a:chOff x="0" y="0"/>
+          <a:chExt cx="0" cy="0"/>
+        </a:xfrm>
+      </p:grpSpPr>
+      <p:sp>
+        <p:nvSpPr>
+          <p:cNvPr id="2" name="Folienbildplatzhalter 1"/>
+          <p:cNvSpPr>
+            <a:spLocks noGrp="1" noRot="1" noChangeAspect="1"/>
+          </p:cNvSpPr>
+          <p:nvPr>
+            <p:ph type="sldImg"/>
+          </p:nvPr>
+        </p:nvSpPr>
+        <p:spPr/>
+      </p:sp>
+      <p:sp>
+        <p:nvSpPr>
+          <p:cNvPr id="3" name="Notizenplatzhalter 2"/>
+          <p:cNvSpPr>
+            <a:spLocks noGrp="1"/>
+          </p:cNvSpPr>
+          <p:nvPr>
+            <p:ph type="body" idx="1"/>
+          </p:nvPr>
+        </p:nvSpPr>
+        <p:spPr/>
+        <p:txBody>
+          <a:bodyPr/>
+          <a:lstStyle/>
+          <a:p>
+            <a:r>
+              <a:rPr lang="en-US" dirty="0"/>
+              <a:t>Look at all materials in the imported file</a:t>
+            </a:r>
+          </a:p>
+          <a:p>
+            <a:r>
+              <a:rPr lang="en-US" dirty="0"/>
+              <a:t>Get the RGB values of the diffuse channel using the field access</a:t>
+            </a:r>
+          </a:p>
+          <a:p>
+            <a:r>
+              <a:rPr lang="en-US" dirty="0"/>
+              <a:t>Use lookup table to find a matching color</a:t>
+            </a:r>
+          </a:p>
+          <a:p>
+            <a:r>
+              <a:rPr lang="en-US" dirty="0"/>
+              <a:t>If there is a matching color -&gt; replace material!</a:t>
+            </a:r>
+          </a:p>
+        </p:txBody>
+      </p:sp>
+      <p:sp>
+        <p:nvSpPr>
+          <p:cNvPr id="4" name="Foliennummernplatzhalter 3"/>
+          <p:cNvSpPr>
+            <a:spLocks noGrp="1"/>
+          </p:cNvSpPr>
+          <p:nvPr>
+            <p:ph type="sldNum" sz="quarter" idx="5"/>
+          </p:nvPr>
+        </p:nvSpPr>
+        <p:spPr/>
+        <p:txBody>
+          <a:bodyPr/>
+          <a:lstStyle/>
+          <a:p>
+            <a:fld id="{4C485CB0-B6A4-48C7-B2C0-353162C5AF22}" type="slidenum">
+              <a:rPr lang="de-DE" smtClean="0"/>
+              <a:t>17</a:t>
+            </a:fld>
+            <a:endParaRPr lang="de-DE"/>
+          </a:p>
+        </p:txBody>
+      </p:sp>
+    </p:spTree>
+    <p:extLst>
+      <p:ext uri="{BB962C8B-B14F-4D97-AF65-F5344CB8AC3E}">
+        <p14:creationId xmlns:p14="http://schemas.microsoft.com/office/powerpoint/2010/main" val="3911905989"/>
+      </p:ext>
+    </p:extLst>
+  </p:cSld>
+  <p:clrMapOvr>
+    <a:masterClrMapping/>
+  </p:clrMapOvr>
+</p:notes>
+</file>
+
+<file path=ppt/notesSlides/notesSlide18.xml><?xml version="1.0" encoding="utf-8"?>
+<p:notes xmlns:a="http://schemas.openxmlformats.org/drawingml/2006/main" xmlns:r="http://schemas.openxmlformats.org/officeDocument/2006/relationships" xmlns:p="http://schemas.openxmlformats.org/presentationml/2006/main">
+  <p:cSld>
+    <p:spTree>
+      <p:nvGrpSpPr>
+        <p:cNvPr id="1" name=""/>
+        <p:cNvGrpSpPr/>
+        <p:nvPr/>
+      </p:nvGrpSpPr>
+      <p:grpSpPr>
+        <a:xfrm>
+          <a:off x="0" y="0"/>
+          <a:ext cx="0" cy="0"/>
+          <a:chOff x="0" y="0"/>
+          <a:chExt cx="0" cy="0"/>
+        </a:xfrm>
+      </p:grpSpPr>
+      <p:sp>
+        <p:nvSpPr>
+          <p:cNvPr id="2" name="Folienbildplatzhalter 1"/>
+          <p:cNvSpPr>
+            <a:spLocks noGrp="1" noRot="1" noChangeAspect="1"/>
+          </p:cNvSpPr>
+          <p:nvPr>
+            <p:ph type="sldImg"/>
+          </p:nvPr>
+        </p:nvSpPr>
+        <p:spPr/>
+      </p:sp>
+      <p:sp>
+        <p:nvSpPr>
+          <p:cNvPr id="3" name="Notizenplatzhalter 2"/>
+          <p:cNvSpPr>
+            <a:spLocks noGrp="1"/>
+          </p:cNvSpPr>
+          <p:nvPr>
+            <p:ph type="body" idx="1"/>
+          </p:nvPr>
+        </p:nvSpPr>
+        <p:spPr/>
+        <p:txBody>
+          <a:bodyPr/>
+          <a:lstStyle/>
+          <a:p>
+            <a:r>
+              <a:rPr lang="en-US" dirty="0"/>
+              <a:t>Automatically Optimize for VR</a:t>
+            </a:r>
+          </a:p>
+          <a:p>
+            <a:pPr lvl="1"/>
+            <a:r>
+              <a:rPr lang="en-US" dirty="0"/>
+              <a:t>Merge geometries</a:t>
+            </a:r>
+          </a:p>
+          <a:p>
+            <a:pPr lvl="1"/>
+            <a:r>
+              <a:rPr lang="en-US" dirty="0"/>
+              <a:t>Merge materials</a:t>
+            </a:r>
+          </a:p>
+          <a:p>
+            <a:pPr lvl="1"/>
+            <a:r>
+              <a:rPr lang="en-US" dirty="0"/>
+              <a:t>Use special material libraries with VR-optimized materials</a:t>
+            </a:r>
+          </a:p>
+          <a:p>
+            <a:pPr lvl="1"/>
+            <a:r>
+              <a:rPr lang="en-US" dirty="0"/>
+              <a:t>Reduce hierarchy depth</a:t>
+            </a:r>
+          </a:p>
+          <a:p>
+            <a:pPr lvl="1"/>
+            <a:endParaRPr lang="en-US" dirty="0"/>
+          </a:p>
+          <a:p>
+            <a:r>
+              <a:rPr lang="en-US" dirty="0"/>
+              <a:t>Automatically sort hierarchy based on materials</a:t>
+            </a:r>
+          </a:p>
+        </p:txBody>
+      </p:sp>
+      <p:sp>
+        <p:nvSpPr>
+          <p:cNvPr id="4" name="Foliennummernplatzhalter 3"/>
+          <p:cNvSpPr>
+            <a:spLocks noGrp="1"/>
+          </p:cNvSpPr>
+          <p:nvPr>
+            <p:ph type="sldNum" sz="quarter" idx="5"/>
+          </p:nvPr>
+        </p:nvSpPr>
+        <p:spPr/>
+        <p:txBody>
+          <a:bodyPr/>
+          <a:lstStyle/>
+          <a:p>
+            <a:fld id="{4C485CB0-B6A4-48C7-B2C0-353162C5AF22}" type="slidenum">
+              <a:rPr lang="de-DE" smtClean="0"/>
+              <a:t>18</a:t>
+            </a:fld>
+            <a:endParaRPr lang="de-DE"/>
+          </a:p>
+        </p:txBody>
+      </p:sp>
+    </p:spTree>
+    <p:extLst>
+      <p:ext uri="{BB962C8B-B14F-4D97-AF65-F5344CB8AC3E}">
         <p14:creationId xmlns:p14="http://schemas.microsoft.com/office/powerpoint/2010/main" val="126492503"/>
+      </p:ext>
+    </p:extLst>
+  </p:cSld>
+  <p:clrMapOvr>
+    <a:masterClrMapping/>
+  </p:clrMapOvr>
+</p:notes>
+</file>
+
+<file path=ppt/notesSlides/notesSlide19.xml><?xml version="1.0" encoding="utf-8"?>
+<p:notes xmlns:a="http://schemas.openxmlformats.org/drawingml/2006/main" xmlns:r="http://schemas.openxmlformats.org/officeDocument/2006/relationships" xmlns:p="http://schemas.openxmlformats.org/presentationml/2006/main">
+  <p:cSld>
+    <p:spTree>
+      <p:nvGrpSpPr>
+        <p:cNvPr id="1" name=""/>
+        <p:cNvGrpSpPr/>
+        <p:nvPr/>
+      </p:nvGrpSpPr>
+      <p:grpSpPr>
+        <a:xfrm>
+          <a:off x="0" y="0"/>
+          <a:ext cx="0" cy="0"/>
+          <a:chOff x="0" y="0"/>
+          <a:chExt cx="0" cy="0"/>
+        </a:xfrm>
+      </p:grpSpPr>
+      <p:sp>
+        <p:nvSpPr>
+          <p:cNvPr id="2" name="Folienbildplatzhalter 1"/>
+          <p:cNvSpPr>
+            <a:spLocks noGrp="1" noRot="1" noChangeAspect="1"/>
+          </p:cNvSpPr>
+          <p:nvPr>
+            <p:ph type="sldImg"/>
+          </p:nvPr>
+        </p:nvSpPr>
+        <p:spPr/>
+      </p:sp>
+      <p:sp>
+        <p:nvSpPr>
+          <p:cNvPr id="3" name="Notizenplatzhalter 2"/>
+          <p:cNvSpPr>
+            <a:spLocks noGrp="1"/>
+          </p:cNvSpPr>
+          <p:nvPr>
+            <p:ph type="body" idx="1"/>
+          </p:nvPr>
+        </p:nvSpPr>
+        <p:spPr/>
+        <p:txBody>
+          <a:bodyPr/>
+          <a:lstStyle/>
+          <a:p>
+            <a:r>
+              <a:rPr lang="en-US" dirty="0"/>
+              <a:t>Look at all materials in the imported file</a:t>
+            </a:r>
+          </a:p>
+          <a:p>
+            <a:r>
+              <a:rPr lang="en-US" dirty="0"/>
+              <a:t>Get the RGB values of the diffuse channel using the field access</a:t>
+            </a:r>
+          </a:p>
+          <a:p>
+            <a:r>
+              <a:rPr lang="en-US" dirty="0"/>
+              <a:t>Use lookup table to find a matching color</a:t>
+            </a:r>
+          </a:p>
+          <a:p>
+            <a:r>
+              <a:rPr lang="en-US" dirty="0"/>
+              <a:t>If there is a matching color -&gt; replace material!</a:t>
+            </a:r>
+          </a:p>
+        </p:txBody>
+      </p:sp>
+      <p:sp>
+        <p:nvSpPr>
+          <p:cNvPr id="4" name="Foliennummernplatzhalter 3"/>
+          <p:cNvSpPr>
+            <a:spLocks noGrp="1"/>
+          </p:cNvSpPr>
+          <p:nvPr>
+            <p:ph type="sldNum" sz="quarter" idx="5"/>
+          </p:nvPr>
+        </p:nvSpPr>
+        <p:spPr/>
+        <p:txBody>
+          <a:bodyPr/>
+          <a:lstStyle/>
+          <a:p>
+            <a:fld id="{4C485CB0-B6A4-48C7-B2C0-353162C5AF22}" type="slidenum">
+              <a:rPr lang="de-DE" smtClean="0"/>
+              <a:t>19</a:t>
+            </a:fld>
+            <a:endParaRPr lang="de-DE"/>
+          </a:p>
+        </p:txBody>
+      </p:sp>
+    </p:spTree>
+    <p:extLst>
+      <p:ext uri="{BB962C8B-B14F-4D97-AF65-F5344CB8AC3E}">
+        <p14:creationId xmlns:p14="http://schemas.microsoft.com/office/powerpoint/2010/main" val="1103141513"/>
       </p:ext>
     </p:extLst>
   </p:cSld>
@@ -1570,7 +1956,100 @@
             </a:pPr>
             <a:r>
               <a:rPr lang="de-DE" dirty="0"/>
-              <a:t>3D-Design</a:t>
+              <a:t>Software Developer </a:t>
+            </a:r>
+            <a:r>
+              <a:rPr lang="de-DE" dirty="0" err="1"/>
+              <a:t>for</a:t>
+            </a:r>
+            <a:r>
+              <a:rPr lang="de-DE" dirty="0"/>
+              <a:t> 7 </a:t>
+            </a:r>
+            <a:r>
+              <a:rPr lang="de-DE" dirty="0" err="1"/>
+              <a:t>years</a:t>
+            </a:r>
+            <a:endParaRPr lang="de-DE" dirty="0"/>
+          </a:p>
+          <a:p>
+            <a:pPr marL="628650" lvl="1" indent="-171450">
+              <a:buFont typeface="Arial" panose="020B0604020202020204" pitchFamily="34" charset="0"/>
+              <a:buChar char="•"/>
+            </a:pPr>
+            <a:r>
+              <a:rPr lang="de-DE" dirty="0"/>
+              <a:t>Automotive, Technical </a:t>
+            </a:r>
+            <a:r>
+              <a:rPr lang="de-DE" dirty="0" err="1"/>
+              <a:t>Visualizations</a:t>
+            </a:r>
+            <a:endParaRPr lang="de-DE" dirty="0"/>
+          </a:p>
+          <a:p>
+            <a:pPr marL="628650" lvl="1" indent="-171450">
+              <a:buFont typeface="Arial" panose="020B0604020202020204" pitchFamily="34" charset="0"/>
+              <a:buChar char="•"/>
+            </a:pPr>
+            <a:r>
+              <a:rPr lang="de-DE" dirty="0"/>
+              <a:t>Self-</a:t>
+            </a:r>
+            <a:r>
+              <a:rPr lang="de-DE" dirty="0" err="1"/>
+              <a:t>Employed</a:t>
+            </a:r>
+            <a:r>
+              <a:rPr lang="de-DE" dirty="0"/>
+              <a:t> </a:t>
+            </a:r>
+            <a:r>
+              <a:rPr lang="de-DE" dirty="0" err="1"/>
+              <a:t>with</a:t>
+            </a:r>
+            <a:r>
+              <a:rPr lang="de-DE" dirty="0"/>
+              <a:t> </a:t>
+            </a:r>
+            <a:r>
+              <a:rPr lang="de-DE" dirty="0" err="1"/>
+              <a:t>focus</a:t>
+            </a:r>
+            <a:r>
+              <a:rPr lang="de-DE" dirty="0"/>
+              <a:t> on 3D </a:t>
+            </a:r>
+            <a:r>
+              <a:rPr lang="de-DE" dirty="0" err="1"/>
+              <a:t>Visualization</a:t>
+            </a:r>
+            <a:endParaRPr lang="de-DE" dirty="0"/>
+          </a:p>
+          <a:p>
+            <a:pPr marL="628650" lvl="1" indent="-171450">
+              <a:buFont typeface="Arial" panose="020B0604020202020204" pitchFamily="34" charset="0"/>
+              <a:buChar char="•"/>
+            </a:pPr>
+            <a:r>
+              <a:rPr lang="de-DE" dirty="0"/>
+              <a:t>Co-Founder </a:t>
+            </a:r>
+            <a:r>
+              <a:rPr lang="de-DE" dirty="0" err="1"/>
+              <a:t>of</a:t>
+            </a:r>
+            <a:r>
+              <a:rPr lang="de-DE" dirty="0"/>
+              <a:t> Ideenkultivierung </a:t>
+            </a:r>
+            <a:r>
+              <a:rPr lang="de-DE" dirty="0" err="1"/>
+              <a:t>with</a:t>
+            </a:r>
+            <a:r>
+              <a:rPr lang="de-DE" dirty="0"/>
+              <a:t> Christian Wölfel</a:t>
             </a:r>
           </a:p>
           <a:p>
@@ -1578,14 +2057,6 @@
               <a:buFont typeface="Arial" panose="020B0604020202020204" pitchFamily="34" charset="0"/>
               <a:buChar char="•"/>
             </a:pPr>
-            <a:r>
-              <a:rPr lang="de-DE" dirty="0"/>
-              <a:t>Interactive </a:t>
-            </a:r>
-            <a:r>
-              <a:rPr lang="de-DE" dirty="0" err="1"/>
-              <a:t>Visualization</a:t>
-            </a:r>
             <a:endParaRPr lang="de-DE" dirty="0"/>
           </a:p>
           <a:p>
@@ -1595,8 +2066,29 @@
             </a:pPr>
             <a:r>
               <a:rPr lang="de-DE" dirty="0"/>
-              <a:t>Software-Development</a:t>
-            </a:r>
+              <a:t>3D-Design</a:t>
+            </a:r>
+          </a:p>
+          <a:p>
+            <a:pPr marL="628650" lvl="1" indent="-171450">
+              <a:buFont typeface="Arial" panose="020B0604020202020204" pitchFamily="34" charset="0"/>
+              <a:buChar char="•"/>
+            </a:pPr>
+            <a:r>
+              <a:rPr lang="de-DE" dirty="0"/>
+              <a:t>Renderings</a:t>
+            </a:r>
+          </a:p>
+          <a:p>
+            <a:pPr marL="628650" lvl="1" indent="-171450">
+              <a:buFont typeface="Arial" panose="020B0604020202020204" pitchFamily="34" charset="0"/>
+              <a:buChar char="•"/>
+            </a:pPr>
+            <a:r>
+              <a:rPr lang="de-DE" dirty="0" err="1"/>
+              <a:t>Videoproduction</a:t>
+            </a:r>
+            <a:endParaRPr lang="de-DE" dirty="0"/>
           </a:p>
           <a:p>
             <a:pPr marL="171450" indent="-171450">
@@ -1605,7 +2097,185 @@
             </a:pPr>
             <a:r>
               <a:rPr lang="de-DE" dirty="0"/>
-              <a:t>Trainings (e.g. CAD, VRED, Scripting)</a:t>
+              <a:t>Interactive </a:t>
+            </a:r>
+            <a:r>
+              <a:rPr lang="de-DE" dirty="0" err="1"/>
+              <a:t>Visualization</a:t>
+            </a:r>
+            <a:r>
+              <a:rPr lang="de-DE" dirty="0"/>
+              <a:t>, </a:t>
+            </a:r>
+            <a:r>
+              <a:rPr lang="de-DE" dirty="0" err="1"/>
+              <a:t>WebGL</a:t>
+            </a:r>
+            <a:r>
+              <a:rPr lang="de-DE" dirty="0"/>
+              <a:t>, </a:t>
+            </a:r>
+          </a:p>
+          <a:p>
+            <a:pPr marL="171450" indent="-171450">
+              <a:buFont typeface="Arial" panose="020B0604020202020204" pitchFamily="34" charset="0"/>
+              <a:buChar char="•"/>
+            </a:pPr>
+            <a:r>
+              <a:rPr lang="de-DE" dirty="0"/>
+              <a:t>Software-Development</a:t>
+            </a:r>
+          </a:p>
+          <a:p>
+            <a:pPr marL="628650" lvl="1" indent="-171450">
+              <a:buFont typeface="Arial" panose="020B0604020202020204" pitchFamily="34" charset="0"/>
+              <a:buChar char="•"/>
+            </a:pPr>
+            <a:r>
+              <a:rPr lang="de-DE" dirty="0"/>
+              <a:t>Websites and Apps</a:t>
+            </a:r>
+          </a:p>
+          <a:p>
+            <a:pPr marL="628650" lvl="1" indent="-171450">
+              <a:buFont typeface="Arial" panose="020B0604020202020204" pitchFamily="34" charset="0"/>
+              <a:buChar char="•"/>
+            </a:pPr>
+            <a:r>
+              <a:rPr lang="de-DE" dirty="0"/>
+              <a:t>Pipeline Development</a:t>
+            </a:r>
+          </a:p>
+          <a:p>
+            <a:pPr marL="628650" lvl="1" indent="-171450">
+              <a:buFont typeface="Arial" panose="020B0604020202020204" pitchFamily="34" charset="0"/>
+              <a:buChar char="•"/>
+            </a:pPr>
+            <a:r>
+              <a:rPr lang="de-DE" dirty="0" err="1"/>
+              <a:t>Product</a:t>
+            </a:r>
+            <a:r>
+              <a:rPr lang="de-DE" dirty="0"/>
+              <a:t> </a:t>
+            </a:r>
+            <a:r>
+              <a:rPr lang="de-DE" dirty="0" err="1"/>
+              <a:t>Configurators</a:t>
+            </a:r>
+            <a:endParaRPr lang="de-DE" dirty="0"/>
+          </a:p>
+          <a:p>
+            <a:pPr marL="628650" lvl="1" indent="-171450">
+              <a:buFont typeface="Arial" panose="020B0604020202020204" pitchFamily="34" charset="0"/>
+              <a:buChar char="•"/>
+            </a:pPr>
+            <a:r>
+              <a:rPr lang="de-DE" dirty="0"/>
+              <a:t>…</a:t>
+            </a:r>
+          </a:p>
+          <a:p>
+            <a:pPr marL="171450" indent="-171450">
+              <a:buFont typeface="Arial" panose="020B0604020202020204" pitchFamily="34" charset="0"/>
+              <a:buChar char="•"/>
+            </a:pPr>
+            <a:r>
+              <a:rPr lang="de-DE" dirty="0"/>
+              <a:t>Trainings and Consulting (e.g. CAD, VRED, Scripting)</a:t>
+            </a:r>
+          </a:p>
+          <a:p>
+            <a:pPr marL="0" indent="0">
+              <a:buFont typeface="Arial" panose="020B0604020202020204" pitchFamily="34" charset="0"/>
+              <a:buNone/>
+            </a:pPr>
+            <a:endParaRPr lang="de-DE" dirty="0"/>
+          </a:p>
+          <a:p>
+            <a:pPr marL="0" indent="0">
+              <a:buFont typeface="Arial" panose="020B0604020202020204" pitchFamily="34" charset="0"/>
+              <a:buNone/>
+            </a:pPr>
+            <a:r>
+              <a:rPr lang="de-DE" dirty="0" err="1"/>
+              <a:t>We</a:t>
+            </a:r>
+            <a:r>
+              <a:rPr lang="de-DE" dirty="0"/>
+              <a:t> </a:t>
+            </a:r>
+            <a:r>
+              <a:rPr lang="de-DE" dirty="0" err="1"/>
+              <a:t>use</a:t>
+            </a:r>
+            <a:r>
+              <a:rPr lang="de-DE" dirty="0"/>
+              <a:t> a </a:t>
+            </a:r>
+            <a:r>
+              <a:rPr lang="de-DE" dirty="0" err="1"/>
+              <a:t>broad</a:t>
+            </a:r>
+            <a:r>
+              <a:rPr lang="de-DE" dirty="0"/>
+              <a:t> </a:t>
+            </a:r>
+            <a:r>
+              <a:rPr lang="de-DE" dirty="0" err="1"/>
+              <a:t>range</a:t>
+            </a:r>
+            <a:r>
+              <a:rPr lang="de-DE" dirty="0"/>
+              <a:t> </a:t>
+            </a:r>
+            <a:r>
+              <a:rPr lang="de-DE" dirty="0" err="1"/>
+              <a:t>of</a:t>
+            </a:r>
+            <a:r>
+              <a:rPr lang="de-DE" dirty="0"/>
+              <a:t> </a:t>
+            </a:r>
+            <a:r>
+              <a:rPr lang="de-DE" dirty="0" err="1"/>
+              <a:t>tools</a:t>
+            </a:r>
+            <a:r>
+              <a:rPr lang="de-DE" dirty="0"/>
+              <a:t> like Unity, Unreal </a:t>
+            </a:r>
+            <a:r>
+              <a:rPr lang="de-DE" dirty="0" err="1"/>
+              <a:t>or</a:t>
+            </a:r>
+            <a:r>
+              <a:rPr lang="de-DE" dirty="0"/>
+              <a:t> VRED </a:t>
+            </a:r>
+            <a:r>
+              <a:rPr lang="de-DE" dirty="0" err="1"/>
+              <a:t>to</a:t>
+            </a:r>
+            <a:r>
+              <a:rPr lang="de-DE" dirty="0"/>
+              <a:t> finish </a:t>
+            </a:r>
+            <a:r>
+              <a:rPr lang="de-DE" dirty="0" err="1"/>
+              <a:t>our</a:t>
+            </a:r>
+            <a:r>
+              <a:rPr lang="de-DE" dirty="0"/>
+              <a:t> </a:t>
+            </a:r>
+            <a:r>
+              <a:rPr lang="de-DE" dirty="0" err="1"/>
+              <a:t>projects</a:t>
+            </a:r>
+            <a:r>
+              <a:rPr lang="de-DE" dirty="0"/>
+              <a:t>.</a:t>
             </a:r>
           </a:p>
           <a:p>
@@ -1640,6 +2310,504 @@
     <p:extLst>
       <p:ext uri="{BB962C8B-B14F-4D97-AF65-F5344CB8AC3E}">
         <p14:creationId xmlns:p14="http://schemas.microsoft.com/office/powerpoint/2010/main" val="1965965510"/>
+      </p:ext>
+    </p:extLst>
+  </p:cSld>
+  <p:clrMapOvr>
+    <a:masterClrMapping/>
+  </p:clrMapOvr>
+</p:notes>
+</file>
+
+<file path=ppt/notesSlides/notesSlide20.xml><?xml version="1.0" encoding="utf-8"?>
+<p:notes xmlns:a="http://schemas.openxmlformats.org/drawingml/2006/main" xmlns:r="http://schemas.openxmlformats.org/officeDocument/2006/relationships" xmlns:p="http://schemas.openxmlformats.org/presentationml/2006/main">
+  <p:cSld>
+    <p:spTree>
+      <p:nvGrpSpPr>
+        <p:cNvPr id="1" name=""/>
+        <p:cNvGrpSpPr/>
+        <p:nvPr/>
+      </p:nvGrpSpPr>
+      <p:grpSpPr>
+        <a:xfrm>
+          <a:off x="0" y="0"/>
+          <a:ext cx="0" cy="0"/>
+          <a:chOff x="0" y="0"/>
+          <a:chExt cx="0" cy="0"/>
+        </a:xfrm>
+      </p:grpSpPr>
+      <p:sp>
+        <p:nvSpPr>
+          <p:cNvPr id="2" name="Folienbildplatzhalter 1"/>
+          <p:cNvSpPr>
+            <a:spLocks noGrp="1" noRot="1" noChangeAspect="1"/>
+          </p:cNvSpPr>
+          <p:nvPr>
+            <p:ph type="sldImg"/>
+          </p:nvPr>
+        </p:nvSpPr>
+        <p:spPr/>
+      </p:sp>
+      <p:sp>
+        <p:nvSpPr>
+          <p:cNvPr id="3" name="Notizenplatzhalter 2"/>
+          <p:cNvSpPr>
+            <a:spLocks noGrp="1"/>
+          </p:cNvSpPr>
+          <p:nvPr>
+            <p:ph type="body" idx="1"/>
+          </p:nvPr>
+        </p:nvSpPr>
+        <p:spPr/>
+        <p:txBody>
+          <a:bodyPr/>
+          <a:lstStyle/>
+          <a:p>
+            <a:pPr marL="171450" indent="-171450">
+              <a:buFont typeface="Arial" panose="020B0604020202020204" pitchFamily="34" charset="0"/>
+              <a:buChar char="•"/>
+            </a:pPr>
+            <a:r>
+              <a:rPr lang="de-DE" dirty="0" err="1"/>
+              <a:t>There</a:t>
+            </a:r>
+            <a:r>
+              <a:rPr lang="de-DE" dirty="0"/>
+              <a:t> </a:t>
+            </a:r>
+            <a:r>
+              <a:rPr lang="de-DE" dirty="0" err="1"/>
+              <a:t>are</a:t>
+            </a:r>
+            <a:r>
+              <a:rPr lang="de-DE" dirty="0"/>
+              <a:t> different </a:t>
+            </a:r>
+            <a:r>
+              <a:rPr lang="de-DE" dirty="0" err="1"/>
+              <a:t>approaches</a:t>
+            </a:r>
+            <a:r>
+              <a:rPr lang="de-DE" dirty="0"/>
+              <a:t> </a:t>
+            </a:r>
+            <a:r>
+              <a:rPr lang="de-DE" dirty="0" err="1"/>
+              <a:t>to</a:t>
+            </a:r>
+            <a:r>
+              <a:rPr lang="de-DE" dirty="0"/>
+              <a:t> </a:t>
+            </a:r>
+            <a:r>
+              <a:rPr lang="de-DE" dirty="0" err="1"/>
+              <a:t>setup</a:t>
+            </a:r>
+            <a:r>
+              <a:rPr lang="de-DE" dirty="0"/>
+              <a:t> a </a:t>
+            </a:r>
+            <a:r>
+              <a:rPr lang="de-DE" dirty="0" err="1"/>
+              <a:t>pipeline</a:t>
+            </a:r>
+            <a:r>
+              <a:rPr lang="de-DE" dirty="0"/>
+              <a:t> in VRED</a:t>
+            </a:r>
+          </a:p>
+          <a:p>
+            <a:pPr marL="628650" lvl="1" indent="-171450">
+              <a:buFont typeface="Arial" panose="020B0604020202020204" pitchFamily="34" charset="0"/>
+              <a:buChar char="•"/>
+            </a:pPr>
+            <a:r>
+              <a:rPr lang="de-DE" dirty="0"/>
+              <a:t>Always </a:t>
+            </a:r>
+            <a:r>
+              <a:rPr lang="de-DE" dirty="0" err="1"/>
+              <a:t>includes</a:t>
+            </a:r>
+            <a:r>
+              <a:rPr lang="de-DE" dirty="0"/>
+              <a:t> Python Scripts </a:t>
+            </a:r>
+            <a:r>
+              <a:rPr lang="de-DE" dirty="0" err="1"/>
+              <a:t>to</a:t>
+            </a:r>
+            <a:r>
+              <a:rPr lang="de-DE" dirty="0"/>
+              <a:t> do </a:t>
+            </a:r>
+            <a:r>
+              <a:rPr lang="de-DE" dirty="0" err="1"/>
+              <a:t>the</a:t>
+            </a:r>
+            <a:r>
+              <a:rPr lang="de-DE" dirty="0"/>
+              <a:t> </a:t>
+            </a:r>
+            <a:r>
+              <a:rPr lang="de-DE" dirty="0" err="1"/>
+              <a:t>work</a:t>
+            </a:r>
+            <a:endParaRPr lang="de-DE" dirty="0"/>
+          </a:p>
+          <a:p>
+            <a:pPr marL="628650" lvl="1" indent="-171450">
+              <a:buFont typeface="Arial" panose="020B0604020202020204" pitchFamily="34" charset="0"/>
+              <a:buChar char="•"/>
+            </a:pPr>
+            <a:r>
+              <a:rPr lang="de-DE" dirty="0"/>
+              <a:t>Control Interface (Streaming App, </a:t>
+            </a:r>
+            <a:r>
+              <a:rPr lang="de-DE" dirty="0" err="1"/>
+              <a:t>Script</a:t>
+            </a:r>
+            <a:r>
+              <a:rPr lang="de-DE" dirty="0"/>
+              <a:t>, </a:t>
+            </a:r>
+            <a:r>
+              <a:rPr lang="de-DE" dirty="0" err="1"/>
+              <a:t>Variantsets</a:t>
+            </a:r>
+            <a:r>
+              <a:rPr lang="de-DE" dirty="0"/>
+              <a:t>, etc.)</a:t>
+            </a:r>
+          </a:p>
+          <a:p>
+            <a:pPr marL="628650" lvl="1" indent="-171450">
+              <a:buFont typeface="Arial" panose="020B0604020202020204" pitchFamily="34" charset="0"/>
+              <a:buChar char="•"/>
+            </a:pPr>
+            <a:r>
+              <a:rPr lang="de-DE" dirty="0"/>
+              <a:t>Additional Data (Lookup </a:t>
+            </a:r>
+            <a:r>
+              <a:rPr lang="de-DE" dirty="0" err="1"/>
+              <a:t>Tables</a:t>
+            </a:r>
+            <a:r>
+              <a:rPr lang="de-DE" dirty="0"/>
+              <a:t> </a:t>
+            </a:r>
+            <a:r>
+              <a:rPr lang="de-DE" dirty="0" err="1"/>
+              <a:t>for</a:t>
+            </a:r>
+            <a:r>
+              <a:rPr lang="de-DE" dirty="0"/>
+              <a:t> </a:t>
+            </a:r>
+            <a:r>
+              <a:rPr lang="de-DE" dirty="0" err="1"/>
+              <a:t>materials</a:t>
+            </a:r>
+            <a:r>
+              <a:rPr lang="de-DE" dirty="0"/>
+              <a:t>)</a:t>
+            </a:r>
+          </a:p>
+          <a:p>
+            <a:pPr marL="628650" lvl="1" indent="-171450">
+              <a:buFont typeface="Arial" panose="020B0604020202020204" pitchFamily="34" charset="0"/>
+              <a:buChar char="•"/>
+            </a:pPr>
+            <a:endParaRPr lang="de-DE" dirty="0"/>
+          </a:p>
+          <a:p>
+            <a:pPr marL="171450" lvl="0" indent="-171450">
+              <a:buFont typeface="Arial" panose="020B0604020202020204" pitchFamily="34" charset="0"/>
+              <a:buChar char="•"/>
+            </a:pPr>
+            <a:r>
+              <a:rPr lang="de-DE" dirty="0" err="1"/>
+              <a:t>No</a:t>
+            </a:r>
+            <a:r>
+              <a:rPr lang="de-DE" dirty="0"/>
+              <a:t> </a:t>
+            </a:r>
+            <a:r>
+              <a:rPr lang="de-DE" dirty="0" err="1"/>
+              <a:t>solution</a:t>
+            </a:r>
+            <a:r>
+              <a:rPr lang="de-DE" dirty="0"/>
+              <a:t> </a:t>
+            </a:r>
+            <a:r>
+              <a:rPr lang="de-DE" dirty="0" err="1"/>
+              <a:t>that</a:t>
+            </a:r>
+            <a:r>
+              <a:rPr lang="de-DE" dirty="0"/>
+              <a:t> </a:t>
+            </a:r>
+            <a:r>
+              <a:rPr lang="de-DE" dirty="0" err="1"/>
+              <a:t>fits</a:t>
+            </a:r>
+            <a:r>
+              <a:rPr lang="de-DE" dirty="0"/>
+              <a:t> all </a:t>
+            </a:r>
+            <a:r>
+              <a:rPr lang="de-DE" dirty="0" err="1"/>
+              <a:t>needs</a:t>
+            </a:r>
+            <a:r>
+              <a:rPr lang="de-DE" dirty="0"/>
+              <a:t>, </a:t>
+            </a:r>
+            <a:r>
+              <a:rPr lang="de-DE" dirty="0" err="1"/>
+              <a:t>therefore</a:t>
+            </a:r>
+            <a:r>
+              <a:rPr lang="de-DE" dirty="0"/>
+              <a:t> </a:t>
+            </a:r>
+            <a:r>
+              <a:rPr lang="de-DE" dirty="0" err="1"/>
+              <a:t>can</a:t>
+            </a:r>
+            <a:r>
+              <a:rPr lang="de-DE" dirty="0"/>
+              <a:t> </a:t>
+            </a:r>
+            <a:r>
+              <a:rPr lang="de-DE" dirty="0" err="1"/>
+              <a:t>be</a:t>
+            </a:r>
+            <a:r>
+              <a:rPr lang="de-DE" dirty="0"/>
+              <a:t> </a:t>
+            </a:r>
+            <a:r>
+              <a:rPr lang="de-DE" dirty="0" err="1"/>
+              <a:t>complicated</a:t>
+            </a:r>
+            <a:r>
+              <a:rPr lang="de-DE" dirty="0"/>
+              <a:t> at </a:t>
+            </a:r>
+            <a:r>
+              <a:rPr lang="de-DE" dirty="0" err="1"/>
+              <a:t>first</a:t>
+            </a:r>
+            <a:endParaRPr lang="de-DE" dirty="0"/>
+          </a:p>
+          <a:p>
+            <a:pPr marL="628650" lvl="1" indent="-171450">
+              <a:buFont typeface="Arial" panose="020B0604020202020204" pitchFamily="34" charset="0"/>
+              <a:buChar char="•"/>
+            </a:pPr>
+            <a:r>
+              <a:rPr lang="de-DE" dirty="0"/>
+              <a:t>Every </a:t>
+            </a:r>
+            <a:r>
+              <a:rPr lang="de-DE" dirty="0" err="1"/>
+              <a:t>company</a:t>
+            </a:r>
+            <a:r>
+              <a:rPr lang="de-DE" dirty="0"/>
+              <a:t> </a:t>
+            </a:r>
+            <a:r>
+              <a:rPr lang="de-DE" dirty="0" err="1"/>
+              <a:t>has</a:t>
+            </a:r>
+            <a:r>
+              <a:rPr lang="de-DE" dirty="0"/>
+              <a:t> </a:t>
+            </a:r>
+            <a:r>
+              <a:rPr lang="de-DE" dirty="0" err="1"/>
+              <a:t>other</a:t>
+            </a:r>
+            <a:r>
+              <a:rPr lang="de-DE" dirty="0"/>
+              <a:t> </a:t>
+            </a:r>
+            <a:r>
+              <a:rPr lang="de-DE" dirty="0" err="1"/>
+              <a:t>requirements</a:t>
+            </a:r>
+            <a:endParaRPr lang="de-DE" dirty="0"/>
+          </a:p>
+          <a:p>
+            <a:pPr marL="628650" lvl="1" indent="-171450">
+              <a:buFont typeface="Arial" panose="020B0604020202020204" pitchFamily="34" charset="0"/>
+              <a:buChar char="•"/>
+            </a:pPr>
+            <a:r>
+              <a:rPr lang="de-DE" dirty="0"/>
+              <a:t>Different IT-</a:t>
+            </a:r>
+            <a:r>
+              <a:rPr lang="de-DE" dirty="0" err="1"/>
+              <a:t>Infrastructures</a:t>
+            </a:r>
+            <a:endParaRPr lang="de-DE" dirty="0"/>
+          </a:p>
+          <a:p>
+            <a:pPr marL="171450" lvl="0" indent="-171450">
+              <a:buFont typeface="Arial" panose="020B0604020202020204" pitchFamily="34" charset="0"/>
+              <a:buChar char="•"/>
+            </a:pPr>
+            <a:r>
+              <a:rPr lang="de-DE" dirty="0"/>
+              <a:t>Advantage </a:t>
+            </a:r>
+            <a:r>
+              <a:rPr lang="de-DE" dirty="0" err="1"/>
+              <a:t>is</a:t>
+            </a:r>
+            <a:r>
+              <a:rPr lang="de-DE" dirty="0"/>
+              <a:t>, </a:t>
+            </a:r>
+            <a:r>
+              <a:rPr lang="de-DE" dirty="0" err="1"/>
+              <a:t>that</a:t>
+            </a:r>
+            <a:r>
+              <a:rPr lang="de-DE" dirty="0"/>
+              <a:t> </a:t>
+            </a:r>
+            <a:r>
+              <a:rPr lang="de-DE" dirty="0" err="1"/>
+              <a:t>it</a:t>
+            </a:r>
+            <a:r>
+              <a:rPr lang="de-DE" dirty="0"/>
+              <a:t> </a:t>
+            </a:r>
+            <a:r>
+              <a:rPr lang="de-DE" dirty="0" err="1"/>
+              <a:t>is</a:t>
+            </a:r>
+            <a:r>
+              <a:rPr lang="de-DE" dirty="0"/>
+              <a:t> </a:t>
+            </a:r>
+            <a:r>
+              <a:rPr lang="de-DE" dirty="0" err="1"/>
+              <a:t>very</a:t>
+            </a:r>
+            <a:r>
+              <a:rPr lang="de-DE" dirty="0"/>
+              <a:t> </a:t>
+            </a:r>
+            <a:r>
+              <a:rPr lang="de-DE" dirty="0" err="1"/>
+              <a:t>customizable</a:t>
+            </a:r>
+            <a:endParaRPr lang="de-DE" dirty="0"/>
+          </a:p>
+          <a:p>
+            <a:pPr marL="628650" lvl="1" indent="-171450">
+              <a:buFont typeface="Arial" panose="020B0604020202020204" pitchFamily="34" charset="0"/>
+              <a:buChar char="•"/>
+            </a:pPr>
+            <a:r>
+              <a:rPr lang="de-DE" dirty="0"/>
+              <a:t>Not limited </a:t>
+            </a:r>
+            <a:r>
+              <a:rPr lang="de-DE" dirty="0" err="1"/>
+              <a:t>to</a:t>
+            </a:r>
+            <a:r>
+              <a:rPr lang="de-DE" dirty="0"/>
+              <a:t> </a:t>
+            </a:r>
+            <a:r>
+              <a:rPr lang="de-DE" dirty="0" err="1"/>
+              <a:t>shading</a:t>
+            </a:r>
+            <a:endParaRPr lang="de-DE" dirty="0"/>
+          </a:p>
+          <a:p>
+            <a:pPr marL="628650" lvl="1" indent="-171450">
+              <a:buFont typeface="Arial" panose="020B0604020202020204" pitchFamily="34" charset="0"/>
+              <a:buChar char="•"/>
+            </a:pPr>
+            <a:r>
+              <a:rPr lang="de-DE" dirty="0"/>
+              <a:t>All </a:t>
+            </a:r>
+            <a:r>
+              <a:rPr lang="de-DE" dirty="0" err="1"/>
+              <a:t>kinds</a:t>
+            </a:r>
+            <a:r>
+              <a:rPr lang="de-DE" dirty="0"/>
+              <a:t> </a:t>
+            </a:r>
+            <a:r>
+              <a:rPr lang="de-DE" dirty="0" err="1"/>
+              <a:t>of</a:t>
+            </a:r>
+            <a:r>
+              <a:rPr lang="de-DE" dirty="0"/>
+              <a:t> </a:t>
+            </a:r>
+            <a:r>
+              <a:rPr lang="de-DE" dirty="0" err="1"/>
+              <a:t>optimizations</a:t>
+            </a:r>
+            <a:r>
+              <a:rPr lang="de-DE" dirty="0"/>
+              <a:t> </a:t>
+            </a:r>
+            <a:r>
+              <a:rPr lang="de-DE" dirty="0" err="1"/>
+              <a:t>are</a:t>
+            </a:r>
+            <a:r>
+              <a:rPr lang="de-DE" dirty="0"/>
+              <a:t> possible</a:t>
+            </a:r>
+          </a:p>
+        </p:txBody>
+      </p:sp>
+      <p:sp>
+        <p:nvSpPr>
+          <p:cNvPr id="4" name="Foliennummernplatzhalter 3"/>
+          <p:cNvSpPr>
+            <a:spLocks noGrp="1"/>
+          </p:cNvSpPr>
+          <p:nvPr>
+            <p:ph type="sldNum" sz="quarter" idx="5"/>
+          </p:nvPr>
+        </p:nvSpPr>
+        <p:spPr/>
+        <p:txBody>
+          <a:bodyPr/>
+          <a:lstStyle/>
+          <a:p>
+            <a:fld id="{4C485CB0-B6A4-48C7-B2C0-353162C5AF22}" type="slidenum">
+              <a:rPr lang="de-DE" smtClean="0"/>
+              <a:t>20</a:t>
+            </a:fld>
+            <a:endParaRPr lang="de-DE"/>
+          </a:p>
+        </p:txBody>
+      </p:sp>
+    </p:spTree>
+    <p:extLst>
+      <p:ext uri="{BB962C8B-B14F-4D97-AF65-F5344CB8AC3E}">
+        <p14:creationId xmlns:p14="http://schemas.microsoft.com/office/powerpoint/2010/main" val="3543035633"/>
       </p:ext>
     </p:extLst>
   </p:cSld>
@@ -1693,28 +2861,336 @@
           <a:bodyPr/>
           <a:lstStyle/>
           <a:p>
-            <a:r>
-              <a:rPr lang="en-US" dirty="0"/>
-              <a:t>Look at all materials in the imported file</a:t>
-            </a:r>
-          </a:p>
-          <a:p>
-            <a:r>
-              <a:rPr lang="en-US" dirty="0"/>
-              <a:t>Get the RGB values of the diffuse channel using the field access</a:t>
-            </a:r>
-          </a:p>
-          <a:p>
-            <a:r>
-              <a:rPr lang="en-US" dirty="0"/>
-              <a:t>Use lookup table to find a matching color</a:t>
-            </a:r>
-          </a:p>
-          <a:p>
-            <a:r>
-              <a:rPr lang="en-US" dirty="0"/>
-              <a:t>If there is a matching color -&gt; replace material!</a:t>
-            </a:r>
+            <a:pPr marL="171450" indent="-171450">
+              <a:buFont typeface="Arial" panose="020B0604020202020204" pitchFamily="34" charset="0"/>
+              <a:buChar char="•"/>
+            </a:pPr>
+            <a:r>
+              <a:rPr lang="de-DE" dirty="0"/>
+              <a:t>Software Developer </a:t>
+            </a:r>
+            <a:r>
+              <a:rPr lang="de-DE" dirty="0" err="1"/>
+              <a:t>for</a:t>
+            </a:r>
+            <a:r>
+              <a:rPr lang="de-DE" dirty="0"/>
+              <a:t> 7 </a:t>
+            </a:r>
+            <a:r>
+              <a:rPr lang="de-DE" dirty="0" err="1"/>
+              <a:t>years</a:t>
+            </a:r>
+            <a:endParaRPr lang="de-DE" dirty="0"/>
+          </a:p>
+          <a:p>
+            <a:pPr marL="628650" lvl="1" indent="-171450">
+              <a:buFont typeface="Arial" panose="020B0604020202020204" pitchFamily="34" charset="0"/>
+              <a:buChar char="•"/>
+            </a:pPr>
+            <a:r>
+              <a:rPr lang="de-DE" dirty="0"/>
+              <a:t>Automotive, Technical </a:t>
+            </a:r>
+            <a:r>
+              <a:rPr lang="de-DE" dirty="0" err="1"/>
+              <a:t>Visualizations</a:t>
+            </a:r>
+            <a:endParaRPr lang="de-DE" dirty="0"/>
+          </a:p>
+          <a:p>
+            <a:pPr marL="628650" lvl="1" indent="-171450">
+              <a:buFont typeface="Arial" panose="020B0604020202020204" pitchFamily="34" charset="0"/>
+              <a:buChar char="•"/>
+            </a:pPr>
+            <a:r>
+              <a:rPr lang="de-DE" dirty="0"/>
+              <a:t>Self-</a:t>
+            </a:r>
+            <a:r>
+              <a:rPr lang="de-DE" dirty="0" err="1"/>
+              <a:t>Employed</a:t>
+            </a:r>
+            <a:r>
+              <a:rPr lang="de-DE" dirty="0"/>
+              <a:t> </a:t>
+            </a:r>
+            <a:r>
+              <a:rPr lang="de-DE" dirty="0" err="1"/>
+              <a:t>with</a:t>
+            </a:r>
+            <a:r>
+              <a:rPr lang="de-DE" dirty="0"/>
+              <a:t> </a:t>
+            </a:r>
+            <a:r>
+              <a:rPr lang="de-DE" dirty="0" err="1"/>
+              <a:t>focus</a:t>
+            </a:r>
+            <a:r>
+              <a:rPr lang="de-DE" dirty="0"/>
+              <a:t> on 3D </a:t>
+            </a:r>
+            <a:r>
+              <a:rPr lang="de-DE" dirty="0" err="1"/>
+              <a:t>Visualization</a:t>
+            </a:r>
+            <a:endParaRPr lang="de-DE" dirty="0"/>
+          </a:p>
+          <a:p>
+            <a:pPr marL="628650" lvl="1" indent="-171450">
+              <a:buFont typeface="Arial" panose="020B0604020202020204" pitchFamily="34" charset="0"/>
+              <a:buChar char="•"/>
+            </a:pPr>
+            <a:r>
+              <a:rPr lang="de-DE" dirty="0"/>
+              <a:t>Co-Founder </a:t>
+            </a:r>
+            <a:r>
+              <a:rPr lang="de-DE" dirty="0" err="1"/>
+              <a:t>of</a:t>
+            </a:r>
+            <a:r>
+              <a:rPr lang="de-DE" dirty="0"/>
+              <a:t> Ideenkultivierung </a:t>
+            </a:r>
+            <a:r>
+              <a:rPr lang="de-DE" dirty="0" err="1"/>
+              <a:t>with</a:t>
+            </a:r>
+            <a:r>
+              <a:rPr lang="de-DE" dirty="0"/>
+              <a:t> Christian Wölfel</a:t>
+            </a:r>
+          </a:p>
+          <a:p>
+            <a:pPr marL="171450" indent="-171450">
+              <a:buFont typeface="Arial" panose="020B0604020202020204" pitchFamily="34" charset="0"/>
+              <a:buChar char="•"/>
+            </a:pPr>
+            <a:endParaRPr lang="de-DE" dirty="0"/>
+          </a:p>
+          <a:p>
+            <a:pPr marL="171450" indent="-171450">
+              <a:buFont typeface="Arial" panose="020B0604020202020204" pitchFamily="34" charset="0"/>
+              <a:buChar char="•"/>
+            </a:pPr>
+            <a:r>
+              <a:rPr lang="de-DE" dirty="0"/>
+              <a:t>3D-Design</a:t>
+            </a:r>
+          </a:p>
+          <a:p>
+            <a:pPr marL="628650" lvl="1" indent="-171450">
+              <a:buFont typeface="Arial" panose="020B0604020202020204" pitchFamily="34" charset="0"/>
+              <a:buChar char="•"/>
+            </a:pPr>
+            <a:r>
+              <a:rPr lang="de-DE" dirty="0"/>
+              <a:t>Renderings</a:t>
+            </a:r>
+          </a:p>
+          <a:p>
+            <a:pPr marL="628650" lvl="1" indent="-171450">
+              <a:buFont typeface="Arial" panose="020B0604020202020204" pitchFamily="34" charset="0"/>
+              <a:buChar char="•"/>
+            </a:pPr>
+            <a:r>
+              <a:rPr lang="de-DE" dirty="0" err="1"/>
+              <a:t>Videoproduction</a:t>
+            </a:r>
+            <a:endParaRPr lang="de-DE" dirty="0"/>
+          </a:p>
+          <a:p>
+            <a:pPr marL="171450" indent="-171450">
+              <a:buFont typeface="Arial" panose="020B0604020202020204" pitchFamily="34" charset="0"/>
+              <a:buChar char="•"/>
+            </a:pPr>
+            <a:r>
+              <a:rPr lang="de-DE" dirty="0"/>
+              <a:t>Interactive </a:t>
+            </a:r>
+            <a:r>
+              <a:rPr lang="de-DE" dirty="0" err="1"/>
+              <a:t>Visualization</a:t>
+            </a:r>
+            <a:r>
+              <a:rPr lang="de-DE" dirty="0"/>
+              <a:t>, </a:t>
+            </a:r>
+            <a:r>
+              <a:rPr lang="de-DE" dirty="0" err="1"/>
+              <a:t>WebGL</a:t>
+            </a:r>
+            <a:r>
+              <a:rPr lang="de-DE" dirty="0"/>
+              <a:t>, </a:t>
+            </a:r>
+          </a:p>
+          <a:p>
+            <a:pPr marL="171450" indent="-171450">
+              <a:buFont typeface="Arial" panose="020B0604020202020204" pitchFamily="34" charset="0"/>
+              <a:buChar char="•"/>
+            </a:pPr>
+            <a:r>
+              <a:rPr lang="de-DE" dirty="0"/>
+              <a:t>Software-Development</a:t>
+            </a:r>
+          </a:p>
+          <a:p>
+            <a:pPr marL="628650" lvl="1" indent="-171450">
+              <a:buFont typeface="Arial" panose="020B0604020202020204" pitchFamily="34" charset="0"/>
+              <a:buChar char="•"/>
+            </a:pPr>
+            <a:r>
+              <a:rPr lang="de-DE" dirty="0"/>
+              <a:t>Websites and Apps</a:t>
+            </a:r>
+          </a:p>
+          <a:p>
+            <a:pPr marL="628650" lvl="1" indent="-171450">
+              <a:buFont typeface="Arial" panose="020B0604020202020204" pitchFamily="34" charset="0"/>
+              <a:buChar char="•"/>
+            </a:pPr>
+            <a:r>
+              <a:rPr lang="de-DE" dirty="0"/>
+              <a:t>Pipeline Development</a:t>
+            </a:r>
+          </a:p>
+          <a:p>
+            <a:pPr marL="628650" lvl="1" indent="-171450">
+              <a:buFont typeface="Arial" panose="020B0604020202020204" pitchFamily="34" charset="0"/>
+              <a:buChar char="•"/>
+            </a:pPr>
+            <a:r>
+              <a:rPr lang="de-DE" dirty="0" err="1"/>
+              <a:t>Product</a:t>
+            </a:r>
+            <a:r>
+              <a:rPr lang="de-DE" dirty="0"/>
+              <a:t> </a:t>
+            </a:r>
+            <a:r>
+              <a:rPr lang="de-DE" dirty="0" err="1"/>
+              <a:t>Configurators</a:t>
+            </a:r>
+            <a:endParaRPr lang="de-DE" dirty="0"/>
+          </a:p>
+          <a:p>
+            <a:pPr marL="628650" lvl="1" indent="-171450">
+              <a:buFont typeface="Arial" panose="020B0604020202020204" pitchFamily="34" charset="0"/>
+              <a:buChar char="•"/>
+            </a:pPr>
+            <a:r>
+              <a:rPr lang="de-DE" dirty="0"/>
+              <a:t>…</a:t>
+            </a:r>
+          </a:p>
+          <a:p>
+            <a:pPr marL="171450" indent="-171450">
+              <a:buFont typeface="Arial" panose="020B0604020202020204" pitchFamily="34" charset="0"/>
+              <a:buChar char="•"/>
+            </a:pPr>
+            <a:r>
+              <a:rPr lang="de-DE" dirty="0"/>
+              <a:t>Trainings and Consulting (e.g. CAD, VRED, Scripting)</a:t>
+            </a:r>
+          </a:p>
+          <a:p>
+            <a:pPr marL="0" indent="0">
+              <a:buFont typeface="Arial" panose="020B0604020202020204" pitchFamily="34" charset="0"/>
+              <a:buNone/>
+            </a:pPr>
+            <a:endParaRPr lang="de-DE" dirty="0"/>
+          </a:p>
+          <a:p>
+            <a:pPr marL="0" indent="0">
+              <a:buFont typeface="Arial" panose="020B0604020202020204" pitchFamily="34" charset="0"/>
+              <a:buNone/>
+            </a:pPr>
+            <a:r>
+              <a:rPr lang="de-DE" dirty="0" err="1"/>
+              <a:t>We</a:t>
+            </a:r>
+            <a:r>
+              <a:rPr lang="de-DE" dirty="0"/>
+              <a:t> </a:t>
+            </a:r>
+            <a:r>
+              <a:rPr lang="de-DE" dirty="0" err="1"/>
+              <a:t>use</a:t>
+            </a:r>
+            <a:r>
+              <a:rPr lang="de-DE" dirty="0"/>
+              <a:t> a </a:t>
+            </a:r>
+            <a:r>
+              <a:rPr lang="de-DE" dirty="0" err="1"/>
+              <a:t>broad</a:t>
+            </a:r>
+            <a:r>
+              <a:rPr lang="de-DE" dirty="0"/>
+              <a:t> </a:t>
+            </a:r>
+            <a:r>
+              <a:rPr lang="de-DE" dirty="0" err="1"/>
+              <a:t>range</a:t>
+            </a:r>
+            <a:r>
+              <a:rPr lang="de-DE" dirty="0"/>
+              <a:t> </a:t>
+            </a:r>
+            <a:r>
+              <a:rPr lang="de-DE" dirty="0" err="1"/>
+              <a:t>of</a:t>
+            </a:r>
+            <a:r>
+              <a:rPr lang="de-DE" dirty="0"/>
+              <a:t> </a:t>
+            </a:r>
+            <a:r>
+              <a:rPr lang="de-DE" dirty="0" err="1"/>
+              <a:t>tools</a:t>
+            </a:r>
+            <a:r>
+              <a:rPr lang="de-DE" dirty="0"/>
+              <a:t> like Unity, Unreal </a:t>
+            </a:r>
+            <a:r>
+              <a:rPr lang="de-DE" dirty="0" err="1"/>
+              <a:t>or</a:t>
+            </a:r>
+            <a:r>
+              <a:rPr lang="de-DE" dirty="0"/>
+              <a:t> VRED </a:t>
+            </a:r>
+            <a:r>
+              <a:rPr lang="de-DE" dirty="0" err="1"/>
+              <a:t>to</a:t>
+            </a:r>
+            <a:r>
+              <a:rPr lang="de-DE" dirty="0"/>
+              <a:t> finish </a:t>
+            </a:r>
+            <a:r>
+              <a:rPr lang="de-DE" dirty="0" err="1"/>
+              <a:t>our</a:t>
+            </a:r>
+            <a:r>
+              <a:rPr lang="de-DE" dirty="0"/>
+              <a:t> </a:t>
+            </a:r>
+            <a:r>
+              <a:rPr lang="de-DE" dirty="0" err="1"/>
+              <a:t>projects</a:t>
+            </a:r>
+            <a:r>
+              <a:rPr lang="de-DE" dirty="0"/>
+              <a:t>.</a:t>
+            </a:r>
+          </a:p>
+          <a:p>
+            <a:endParaRPr lang="de-DE" dirty="0"/>
           </a:p>
         </p:txBody>
       </p:sp>
@@ -1744,7 +3220,7 @@
     </p:spTree>
     <p:extLst>
       <p:ext uri="{BB962C8B-B14F-4D97-AF65-F5344CB8AC3E}">
-        <p14:creationId xmlns:p14="http://schemas.microsoft.com/office/powerpoint/2010/main" val="2659181682"/>
+        <p14:creationId xmlns:p14="http://schemas.microsoft.com/office/powerpoint/2010/main" val="230750035"/>
       </p:ext>
     </p:extLst>
   </p:cSld>
@@ -1798,7 +3274,124 @@
           <a:bodyPr/>
           <a:lstStyle/>
           <a:p>
-            <a:endParaRPr lang="de-DE" dirty="0"/>
+            <a:r>
+              <a:rPr lang="en-US" dirty="0"/>
+              <a:t>Design Process</a:t>
+            </a:r>
+          </a:p>
+          <a:p>
+            <a:pPr marL="171450" indent="-171450">
+              <a:buFontTx/>
+              <a:buChar char="-"/>
+            </a:pPr>
+            <a:r>
+              <a:rPr lang="en-US" dirty="0"/>
+              <a:t>Design Vehicle Parts</a:t>
+            </a:r>
+          </a:p>
+          <a:p>
+            <a:pPr marL="171450" indent="-171450">
+              <a:buFontTx/>
+              <a:buChar char="-"/>
+            </a:pPr>
+            <a:r>
+              <a:rPr lang="en-US" dirty="0"/>
+              <a:t>Evaluate Vehicle Parts</a:t>
+            </a:r>
+          </a:p>
+          <a:p>
+            <a:pPr marL="171450" indent="-171450">
+              <a:buFontTx/>
+              <a:buChar char="-"/>
+            </a:pPr>
+            <a:r>
+              <a:rPr lang="en-US" dirty="0"/>
+              <a:t>Change Design</a:t>
+            </a:r>
+          </a:p>
+          <a:p>
+            <a:pPr marL="171450" indent="-171450">
+              <a:buFontTx/>
+              <a:buChar char="-"/>
+            </a:pPr>
+            <a:r>
+              <a:rPr lang="en-US" dirty="0"/>
+              <a:t>Start over</a:t>
+            </a:r>
+          </a:p>
+          <a:p>
+            <a:pPr marL="171450" indent="-171450">
+              <a:buFontTx/>
+              <a:buChar char="-"/>
+            </a:pPr>
+            <a:endParaRPr lang="en-US" dirty="0"/>
+          </a:p>
+          <a:p>
+            <a:pPr marL="0" indent="0">
+              <a:buFontTx/>
+              <a:buNone/>
+            </a:pPr>
+            <a:r>
+              <a:rPr lang="en-US" dirty="0"/>
+              <a:t>In between iterations:</a:t>
+            </a:r>
+          </a:p>
+          <a:p>
+            <a:pPr marL="171450" indent="-171450">
+              <a:buFontTx/>
+              <a:buChar char="-"/>
+            </a:pPr>
+            <a:r>
+              <a:rPr lang="en-US" dirty="0"/>
+              <a:t>Transform unshaded CAD file into shaded file</a:t>
+            </a:r>
+          </a:p>
+          <a:p>
+            <a:pPr marL="171450" indent="-171450">
+              <a:buFontTx/>
+              <a:buChar char="-"/>
+            </a:pPr>
+            <a:r>
+              <a:rPr lang="en-US" dirty="0"/>
+              <a:t>For use in presentations, to use it in VR</a:t>
+            </a:r>
+          </a:p>
+          <a:p>
+            <a:pPr marL="171450" indent="-171450">
+              <a:buFontTx/>
+              <a:buChar char="-"/>
+            </a:pPr>
+            <a:endParaRPr lang="en-US" dirty="0"/>
+          </a:p>
+          <a:p>
+            <a:pPr marL="171450" indent="-171450">
+              <a:buFontTx/>
+              <a:buChar char="-"/>
+            </a:pPr>
+            <a:r>
+              <a:rPr lang="en-US" dirty="0"/>
+              <a:t>Time consuming process</a:t>
+            </a:r>
+          </a:p>
+          <a:p>
+            <a:pPr marL="171450" indent="-171450">
+              <a:buFontTx/>
+              <a:buChar char="-"/>
+            </a:pPr>
+            <a:r>
+              <a:rPr lang="en-US" dirty="0"/>
+              <a:t>Error-prone</a:t>
+            </a:r>
+          </a:p>
+          <a:p>
+            <a:pPr marL="171450" indent="-171450">
+              <a:buFontTx/>
+              <a:buChar char="-"/>
+            </a:pPr>
+            <a:r>
+              <a:rPr lang="en-US" dirty="0"/>
+              <a:t>frustrating</a:t>
+            </a:r>
           </a:p>
         </p:txBody>
       </p:sp>
@@ -1828,7 +3421,7 @@
     </p:spTree>
     <p:extLst>
       <p:ext uri="{BB962C8B-B14F-4D97-AF65-F5344CB8AC3E}">
-        <p14:creationId xmlns:p14="http://schemas.microsoft.com/office/powerpoint/2010/main" val="1784027847"/>
+        <p14:creationId xmlns:p14="http://schemas.microsoft.com/office/powerpoint/2010/main" val="2659181682"/>
       </p:ext>
     </p:extLst>
   </p:cSld>
@@ -1882,55 +3475,207 @@
           <a:bodyPr/>
           <a:lstStyle/>
           <a:p>
-            <a:pPr>
+            <a:r>
+              <a:rPr lang="de-DE" dirty="0" err="1"/>
+              <a:t>There</a:t>
+            </a:r>
+            <a:r>
+              <a:rPr lang="de-DE" dirty="0"/>
+              <a:t> </a:t>
+            </a:r>
+            <a:r>
+              <a:rPr lang="de-DE" dirty="0" err="1"/>
+              <a:t>are</a:t>
+            </a:r>
+            <a:r>
+              <a:rPr lang="de-DE" dirty="0"/>
+              <a:t> </a:t>
+            </a:r>
+            <a:r>
+              <a:rPr lang="de-DE" dirty="0" err="1"/>
+              <a:t>examples</a:t>
+            </a:r>
+            <a:r>
+              <a:rPr lang="de-DE" dirty="0"/>
+              <a:t> </a:t>
+            </a:r>
+            <a:r>
+              <a:rPr lang="de-DE" dirty="0" err="1"/>
+              <a:t>of</a:t>
+            </a:r>
+            <a:r>
+              <a:rPr lang="de-DE" dirty="0"/>
+              <a:t> </a:t>
+            </a:r>
+            <a:r>
+              <a:rPr lang="de-DE" dirty="0" err="1"/>
+              <a:t>other</a:t>
+            </a:r>
+            <a:r>
+              <a:rPr lang="de-DE" dirty="0"/>
+              <a:t> </a:t>
+            </a:r>
+            <a:r>
+              <a:rPr lang="de-DE" dirty="0" err="1"/>
+              <a:t>shader</a:t>
+            </a:r>
+            <a:r>
+              <a:rPr lang="de-DE" dirty="0"/>
+              <a:t> </a:t>
+            </a:r>
+            <a:r>
+              <a:rPr lang="de-DE" dirty="0" err="1"/>
+              <a:t>pipelines</a:t>
+            </a:r>
+            <a:endParaRPr lang="de-DE" dirty="0"/>
+          </a:p>
+          <a:p>
+            <a:endParaRPr lang="de-DE" dirty="0"/>
+          </a:p>
+          <a:p>
+            <a:r>
+              <a:rPr lang="de-DE" dirty="0"/>
+              <a:t>Data Smith </a:t>
+            </a:r>
+            <a:r>
+              <a:rPr lang="de-DE" dirty="0" err="1"/>
+              <a:t>for</a:t>
+            </a:r>
+            <a:r>
+              <a:rPr lang="de-DE" dirty="0"/>
+              <a:t> Unreal Engine:</a:t>
+            </a:r>
+          </a:p>
+          <a:p>
+            <a:pPr marL="171450" indent="-171450">
               <a:buFontTx/>
               <a:buChar char="-"/>
             </a:pPr>
             <a:r>
-              <a:rPr lang="en-US" dirty="0"/>
-              <a:t>Use an automated </a:t>
-            </a:r>
-            <a:r>
-              <a:rPr lang="en-US" dirty="0" err="1"/>
-              <a:t>shaderpipeline</a:t>
-            </a:r>
-            <a:r>
-              <a:rPr lang="en-US" dirty="0"/>
-              <a:t> in VRED to do the time consuming work</a:t>
-            </a:r>
-          </a:p>
-          <a:p>
-            <a:pPr>
+              <a:rPr lang="de-DE" dirty="0"/>
+              <a:t>Import a </a:t>
+            </a:r>
+            <a:r>
+              <a:rPr lang="de-DE" dirty="0" err="1"/>
+              <a:t>wide</a:t>
+            </a:r>
+            <a:r>
+              <a:rPr lang="de-DE" dirty="0"/>
+              <a:t> </a:t>
+            </a:r>
+            <a:r>
+              <a:rPr lang="de-DE" dirty="0" err="1"/>
+              <a:t>range</a:t>
+            </a:r>
+            <a:r>
+              <a:rPr lang="de-DE" dirty="0"/>
+              <a:t> </a:t>
+            </a:r>
+            <a:r>
+              <a:rPr lang="de-DE" dirty="0" err="1"/>
+              <a:t>of</a:t>
+            </a:r>
+            <a:r>
+              <a:rPr lang="de-DE" dirty="0"/>
+              <a:t> </a:t>
+            </a:r>
+            <a:r>
+              <a:rPr lang="de-DE" dirty="0" err="1"/>
+              <a:t>file</a:t>
+            </a:r>
+            <a:r>
+              <a:rPr lang="de-DE" dirty="0"/>
+              <a:t> </a:t>
+            </a:r>
+            <a:r>
+              <a:rPr lang="de-DE" dirty="0" err="1"/>
+              <a:t>formats</a:t>
+            </a:r>
+            <a:endParaRPr lang="de-DE" dirty="0"/>
+          </a:p>
+          <a:p>
+            <a:pPr marL="171450" indent="-171450">
               <a:buFontTx/>
               <a:buChar char="-"/>
             </a:pPr>
             <a:r>
-              <a:rPr lang="en-US" dirty="0"/>
-              <a:t>Automatically apply materials by using material libraries</a:t>
-            </a:r>
-          </a:p>
-          <a:p>
-            <a:pPr>
+              <a:rPr lang="de-DE" dirty="0" err="1"/>
+              <a:t>Automatically</a:t>
+            </a:r>
+            <a:r>
+              <a:rPr lang="de-DE" dirty="0"/>
+              <a:t> </a:t>
+            </a:r>
+            <a:r>
+              <a:rPr lang="de-DE" dirty="0" err="1"/>
+              <a:t>create</a:t>
+            </a:r>
+            <a:r>
+              <a:rPr lang="de-DE" dirty="0"/>
+              <a:t> Unreal Materials</a:t>
+            </a:r>
+          </a:p>
+          <a:p>
+            <a:pPr marL="171450" indent="-171450">
               <a:buFontTx/>
               <a:buChar char="-"/>
             </a:pPr>
             <a:r>
-              <a:rPr lang="en-US" dirty="0"/>
-              <a:t>Use color coded base-materials or material names to shade the model</a:t>
-            </a:r>
-          </a:p>
-          <a:p>
-            <a:pPr>
-              <a:buFontTx/>
-              <a:buChar char="-"/>
-            </a:pPr>
-            <a:r>
-              <a:rPr lang="en-US" dirty="0"/>
-              <a:t>Use fuzzy matching to shade even faster</a:t>
-            </a:r>
-            <a:endParaRPr lang="de-DE" dirty="0"/>
-          </a:p>
-          <a:p>
+              <a:rPr lang="de-DE" dirty="0"/>
+              <a:t>But: Materials still </a:t>
+            </a:r>
+            <a:r>
+              <a:rPr lang="de-DE" dirty="0" err="1"/>
+              <a:t>have</a:t>
+            </a:r>
+            <a:r>
+              <a:rPr lang="de-DE" dirty="0"/>
+              <a:t> </a:t>
+            </a:r>
+            <a:r>
+              <a:rPr lang="de-DE" dirty="0" err="1"/>
+              <a:t>to</a:t>
+            </a:r>
+            <a:r>
+              <a:rPr lang="de-DE" dirty="0"/>
+              <a:t> </a:t>
+            </a:r>
+            <a:r>
+              <a:rPr lang="de-DE" dirty="0" err="1"/>
+              <a:t>be</a:t>
+            </a:r>
+            <a:r>
+              <a:rPr lang="de-DE" dirty="0"/>
+              <a:t> </a:t>
+            </a:r>
+            <a:r>
+              <a:rPr lang="de-DE" dirty="0" err="1"/>
+              <a:t>replaced</a:t>
+            </a:r>
+            <a:r>
+              <a:rPr lang="de-DE" dirty="0"/>
+              <a:t> </a:t>
+            </a:r>
+            <a:r>
+              <a:rPr lang="de-DE" dirty="0" err="1"/>
+              <a:t>or</a:t>
+            </a:r>
+            <a:r>
+              <a:rPr lang="de-DE" dirty="0"/>
+              <a:t> </a:t>
+            </a:r>
+            <a:r>
+              <a:rPr lang="de-DE" dirty="0" err="1"/>
+              <a:t>manually</a:t>
+            </a:r>
+            <a:r>
+              <a:rPr lang="de-DE" dirty="0"/>
+              <a:t> </a:t>
+            </a:r>
+            <a:r>
+              <a:rPr lang="de-DE" dirty="0" err="1"/>
+              <a:t>adjusted</a:t>
+            </a:r>
             <a:endParaRPr lang="de-DE" dirty="0"/>
           </a:p>
         </p:txBody>
@@ -1961,7 +3706,7 @@
     </p:spTree>
     <p:extLst>
       <p:ext uri="{BB962C8B-B14F-4D97-AF65-F5344CB8AC3E}">
-        <p14:creationId xmlns:p14="http://schemas.microsoft.com/office/powerpoint/2010/main" val="1689534598"/>
+        <p14:creationId xmlns:p14="http://schemas.microsoft.com/office/powerpoint/2010/main" val="1784027847"/>
       </p:ext>
     </p:extLst>
   </p:cSld>
@@ -2017,35 +3762,19 @@
           <a:p>
             <a:pPr>
               <a:buFontTx/>
-              <a:buChar char="-"/>
+              <a:buNone/>
             </a:pPr>
             <a:r>
               <a:rPr lang="en-US" dirty="0"/>
-              <a:t>VRED Streaming App to control pipeline</a:t>
-            </a:r>
-          </a:p>
-          <a:p>
-            <a:pPr lvl="1">
-              <a:buFontTx/>
-              <a:buChar char="-"/>
-            </a:pPr>
+              <a:t>How can we implement a </a:t>
+            </a:r>
+            <a:r>
+              <a:rPr lang="en-US" dirty="0" err="1"/>
+              <a:t>shaderpipeline</a:t>
+            </a:r>
             <a:r>
               <a:rPr lang="en-US" dirty="0"/>
-              <a:t>React Web App (Streaming App)</a:t>
-            </a:r>
-          </a:p>
-          <a:p>
-            <a:pPr lvl="1">
-              <a:buFontTx/>
-              <a:buChar char="-"/>
-            </a:pPr>
-            <a:r>
-              <a:rPr lang="en-US" u="sng" dirty="0"/>
-              <a:t>But</a:t>
-            </a:r>
-            <a:r>
-              <a:rPr lang="en-US" dirty="0"/>
-              <a:t>: Could be just scripts, could be fully automated, could be a plugin in VRED, …</a:t>
+              <a:t> in VRED?</a:t>
             </a:r>
           </a:p>
           <a:p>
@@ -2053,18 +3782,7 @@
               <a:buFontTx/>
               <a:buChar char="-"/>
             </a:pPr>
-            <a:r>
-              <a:rPr lang="en-US" dirty="0"/>
-              <a:t>Python modules (</a:t>
-            </a:r>
-            <a:r>
-              <a:rPr lang="en-US" dirty="0" err="1"/>
-              <a:t>MaterialMapper</a:t>
-            </a:r>
-            <a:r>
-              <a:rPr lang="en-US" dirty="0"/>
-              <a:t>)</a:t>
-            </a:r>
+            <a:endParaRPr lang="en-US" dirty="0"/>
           </a:p>
           <a:p>
             <a:pPr>
@@ -2073,7 +3791,15 @@
             </a:pPr>
             <a:r>
               <a:rPr lang="en-US" dirty="0"/>
-              <a:t>Mapping tables</a:t>
+              <a:t>Use an automated </a:t>
+            </a:r>
+            <a:r>
+              <a:rPr lang="en-US" dirty="0" err="1"/>
+              <a:t>shaderpipeline</a:t>
+            </a:r>
+            <a:r>
+              <a:rPr lang="en-US" dirty="0"/>
+              <a:t> to do the time consuming work</a:t>
             </a:r>
           </a:p>
           <a:p>
@@ -2081,7 +3807,10 @@
               <a:buFontTx/>
               <a:buChar char="-"/>
             </a:pPr>
-            <a:endParaRPr lang="en-US" dirty="0"/>
+            <a:r>
+              <a:rPr lang="en-US" dirty="0"/>
+              <a:t>Automatically apply materials by using material libraries</a:t>
+            </a:r>
           </a:p>
           <a:p>
             <a:pPr>
@@ -2090,8 +3819,36 @@
             </a:pPr>
             <a:r>
               <a:rPr lang="en-US" dirty="0"/>
-              <a:t>Today: Only the material mapping part is discussed</a:t>
-            </a:r>
+              <a:t>Use color coded base-materials or material names to shade the model</a:t>
+            </a:r>
+          </a:p>
+          <a:p>
+            <a:pPr>
+              <a:buFontTx/>
+              <a:buChar char="-"/>
+            </a:pPr>
+            <a:r>
+              <a:rPr lang="en-US" dirty="0"/>
+              <a:t>Use fuzzy matching to shade even faster</a:t>
+            </a:r>
+          </a:p>
+          <a:p>
+            <a:pPr>
+              <a:buFontTx/>
+              <a:buChar char="-"/>
+            </a:pPr>
+            <a:endParaRPr lang="en-US" dirty="0"/>
+          </a:p>
+          <a:p>
+            <a:pPr>
+              <a:buFontTx/>
+              <a:buNone/>
+            </a:pPr>
+            <a:r>
+              <a:rPr lang="en-US" dirty="0"/>
+              <a:t>These are the questions I will try to answer for you</a:t>
+            </a:r>
+            <a:endParaRPr lang="de-DE" dirty="0"/>
           </a:p>
           <a:p>
             <a:endParaRPr lang="de-DE" dirty="0"/>
@@ -2124,7 +3881,7 @@
     </p:spTree>
     <p:extLst>
       <p:ext uri="{BB962C8B-B14F-4D97-AF65-F5344CB8AC3E}">
-        <p14:creationId xmlns:p14="http://schemas.microsoft.com/office/powerpoint/2010/main" val="23106399"/>
+        <p14:creationId xmlns:p14="http://schemas.microsoft.com/office/powerpoint/2010/main" val="1689534598"/>
       </p:ext>
     </p:extLst>
   </p:cSld>
@@ -2178,78 +3935,175 @@
           <a:bodyPr/>
           <a:lstStyle/>
           <a:p>
+            <a:pPr marL="171450" indent="-171450">
+              <a:buFont typeface="Arial" panose="020B0604020202020204" pitchFamily="34" charset="0"/>
+              <a:buChar char="•"/>
+            </a:pPr>
+            <a:r>
+              <a:rPr lang="en-US" dirty="0"/>
+              <a:t>Setup for this Demonstration</a:t>
+            </a:r>
+          </a:p>
+          <a:p>
+            <a:pPr marL="171450" indent="-171450">
+              <a:buFont typeface="Arial" panose="020B0604020202020204" pitchFamily="34" charset="0"/>
+              <a:buChar char="•"/>
+            </a:pPr>
+            <a:endParaRPr lang="en-US" dirty="0"/>
+          </a:p>
+          <a:p>
+            <a:pPr marL="171450" indent="-171450">
+              <a:buFont typeface="Arial" panose="020B0604020202020204" pitchFamily="34" charset="0"/>
+              <a:buChar char="•"/>
+            </a:pPr>
+            <a:r>
+              <a:rPr lang="en-US" dirty="0"/>
+              <a:t>VRED Pro as the main Part</a:t>
+            </a:r>
+          </a:p>
+          <a:p>
+            <a:pPr marL="171450" indent="-171450">
+              <a:buFont typeface="Arial" panose="020B0604020202020204" pitchFamily="34" charset="0"/>
+              <a:buChar char="•"/>
+            </a:pPr>
+            <a:r>
+              <a:rPr lang="en-US" dirty="0"/>
+              <a:t>VRED Streaming App to control pipeline</a:t>
+            </a:r>
+          </a:p>
+          <a:p>
+            <a:pPr marL="628650" lvl="1" indent="-171450">
+              <a:buFont typeface="Arial" panose="020B0604020202020204" pitchFamily="34" charset="0"/>
+              <a:buChar char="•"/>
+            </a:pPr>
+            <a:r>
+              <a:rPr lang="en-US" dirty="0"/>
+              <a:t>React Web App (Streaming App)</a:t>
+            </a:r>
+          </a:p>
+          <a:p>
+            <a:pPr marL="628650" lvl="1" indent="-171450">
+              <a:buFont typeface="Arial" panose="020B0604020202020204" pitchFamily="34" charset="0"/>
+              <a:buChar char="•"/>
+            </a:pPr>
+            <a:r>
+              <a:rPr lang="en-US" dirty="0"/>
+              <a:t>Based on VRED Streaming App</a:t>
+            </a:r>
+          </a:p>
+          <a:p>
+            <a:pPr marL="628650" lvl="1" indent="-171450">
+              <a:buFont typeface="Arial" panose="020B0604020202020204" pitchFamily="34" charset="0"/>
+              <a:buChar char="•"/>
+            </a:pPr>
+            <a:r>
+              <a:rPr lang="en-US" dirty="0"/>
+              <a:t>HTML Interface to send commands to VRED</a:t>
+            </a:r>
+          </a:p>
+          <a:p>
+            <a:pPr marL="628650" lvl="1" indent="-171450">
+              <a:buFont typeface="Arial" panose="020B0604020202020204" pitchFamily="34" charset="0"/>
+              <a:buChar char="•"/>
+            </a:pPr>
+            <a:r>
+              <a:rPr lang="en-US" dirty="0"/>
+              <a:t>See results in Real Time</a:t>
+            </a:r>
+          </a:p>
+          <a:p>
+            <a:pPr marL="628650" lvl="1" indent="-171450">
+              <a:buFont typeface="Arial" panose="020B0604020202020204" pitchFamily="34" charset="0"/>
+              <a:buChar char="•"/>
+            </a:pPr>
+            <a:r>
+              <a:rPr lang="en-US" u="sng" dirty="0"/>
+              <a:t>But</a:t>
+            </a:r>
+            <a:r>
+              <a:rPr lang="en-US" dirty="0"/>
+              <a:t>: Could be just scripts, could be fully automated, could be a plugin in VRED, …</a:t>
+            </a:r>
+          </a:p>
+          <a:p>
+            <a:pPr marL="171450" indent="-171450">
+              <a:buFont typeface="Arial" panose="020B0604020202020204" pitchFamily="34" charset="0"/>
+              <a:buChar char="•"/>
+            </a:pPr>
+            <a:r>
+              <a:rPr lang="en-US" dirty="0"/>
+              <a:t>Python modules (</a:t>
+            </a:r>
+            <a:r>
+              <a:rPr lang="en-US" dirty="0" err="1"/>
+              <a:t>MaterialMapper</a:t>
+            </a:r>
+            <a:r>
+              <a:rPr lang="en-US" dirty="0"/>
+              <a:t>)</a:t>
+            </a:r>
+          </a:p>
+          <a:p>
+            <a:pPr marL="628650" lvl="1" indent="-171450">
+              <a:buFont typeface="Arial" panose="020B0604020202020204" pitchFamily="34" charset="0"/>
+              <a:buChar char="•"/>
+            </a:pPr>
+            <a:r>
+              <a:rPr lang="en-US" dirty="0"/>
+              <a:t>Includes all functions related to material mapping</a:t>
+            </a:r>
+          </a:p>
+          <a:p>
+            <a:pPr marL="628650" lvl="1" indent="-171450">
+              <a:buFont typeface="Arial" panose="020B0604020202020204" pitchFamily="34" charset="0"/>
+              <a:buChar char="•"/>
+            </a:pPr>
+            <a:r>
+              <a:rPr lang="en-US" dirty="0"/>
+              <a:t>Imported as python module into VRED</a:t>
+            </a:r>
+          </a:p>
+          <a:p>
+            <a:pPr marL="628650" lvl="1" indent="-171450">
+              <a:buFont typeface="Arial" panose="020B0604020202020204" pitchFamily="34" charset="0"/>
+              <a:buChar char="•"/>
+            </a:pPr>
+            <a:r>
+              <a:rPr lang="en-US" dirty="0"/>
+              <a:t>Functions can be triggered from VRED or from outside</a:t>
+            </a:r>
+          </a:p>
+          <a:p>
+            <a:pPr marL="171450" indent="-171450">
+              <a:buFont typeface="Arial" panose="020B0604020202020204" pitchFamily="34" charset="0"/>
+              <a:buChar char="•"/>
+            </a:pPr>
+            <a:r>
+              <a:rPr lang="en-US" dirty="0"/>
+              <a:t>Mapping tables</a:t>
+            </a:r>
+          </a:p>
+          <a:p>
+            <a:pPr marL="628650" lvl="1" indent="-171450">
+              <a:buFont typeface="Arial" panose="020B0604020202020204" pitchFamily="34" charset="0"/>
+              <a:buChar char="•"/>
+            </a:pPr>
+            <a:r>
+              <a:rPr lang="en-US" dirty="0"/>
+              <a:t>Define how to transform CAD materials into VRED materials</a:t>
+            </a:r>
+          </a:p>
+          <a:p>
             <a:pPr>
               <a:buFontTx/>
               <a:buChar char="-"/>
             </a:pPr>
-            <a:r>
-              <a:rPr lang="en-US" dirty="0"/>
-              <a:t>VRED Streaming App to control pipeline</a:t>
-            </a:r>
-          </a:p>
-          <a:p>
-            <a:pPr lvl="1">
-              <a:buFontTx/>
-              <a:buChar char="-"/>
-            </a:pPr>
-            <a:r>
-              <a:rPr lang="en-US" dirty="0"/>
-              <a:t>React Web App (Streaming App)</a:t>
-            </a:r>
-          </a:p>
-          <a:p>
-            <a:pPr lvl="1">
-              <a:buFontTx/>
-              <a:buChar char="-"/>
-            </a:pPr>
-            <a:r>
-              <a:rPr lang="en-US" u="sng" dirty="0"/>
-              <a:t>But</a:t>
-            </a:r>
-            <a:r>
-              <a:rPr lang="en-US" dirty="0"/>
-              <a:t>: Could be just scripts, could be fully automated, could be a plugin in VRED, …</a:t>
-            </a:r>
-          </a:p>
-          <a:p>
-            <a:pPr>
-              <a:buFontTx/>
-              <a:buChar char="-"/>
-            </a:pPr>
-            <a:r>
-              <a:rPr lang="en-US" dirty="0"/>
-              <a:t>Python modules (</a:t>
-            </a:r>
-            <a:r>
-              <a:rPr lang="en-US" dirty="0" err="1"/>
-              <a:t>MaterialMapper</a:t>
-            </a:r>
-            <a:r>
-              <a:rPr lang="en-US" dirty="0"/>
-              <a:t>)</a:t>
-            </a:r>
-          </a:p>
-          <a:p>
-            <a:pPr>
-              <a:buFontTx/>
-              <a:buChar char="-"/>
-            </a:pPr>
-            <a:r>
-              <a:rPr lang="en-US" dirty="0"/>
-              <a:t>Mapping tables</a:t>
-            </a:r>
-          </a:p>
-          <a:p>
-            <a:pPr>
-              <a:buFontTx/>
-              <a:buChar char="-"/>
-            </a:pPr>
             <a:endParaRPr lang="en-US" dirty="0"/>
           </a:p>
           <a:p>
-            <a:pPr>
-              <a:buFontTx/>
-              <a:buChar char="-"/>
+            <a:pPr marL="171450" indent="-171450">
+              <a:buFont typeface="Arial" panose="020B0604020202020204" pitchFamily="34" charset="0"/>
+              <a:buChar char="•"/>
             </a:pPr>
             <a:r>
               <a:rPr lang="en-US" dirty="0"/>
@@ -2287,7 +4141,7 @@
     </p:spTree>
     <p:extLst>
       <p:ext uri="{BB962C8B-B14F-4D97-AF65-F5344CB8AC3E}">
-        <p14:creationId xmlns:p14="http://schemas.microsoft.com/office/powerpoint/2010/main" val="1742990798"/>
+        <p14:creationId xmlns:p14="http://schemas.microsoft.com/office/powerpoint/2010/main" val="23106399"/>
       </p:ext>
     </p:extLst>
   </p:cSld>
@@ -2341,30 +4195,421 @@
           <a:bodyPr/>
           <a:lstStyle/>
           <a:p>
-            <a:pPr marL="0" marR="0" lvl="0" indent="0" algn="l" defTabSz="914400" rtl="0" eaLnBrk="1" fontAlgn="auto" latinLnBrk="0" hangingPunct="1">
-              <a:lnSpc>
-                <a:spcPct val="100000"/>
-              </a:lnSpc>
-              <a:spcBef>
-                <a:spcPts val="0"/>
-              </a:spcBef>
-              <a:spcAft>
-                <a:spcPts val="0"/>
-              </a:spcAft>
-              <a:buClrTx/>
-              <a:buSzTx/>
-              <a:buFontTx/>
-              <a:buNone/>
-              <a:tabLst/>
-              <a:defRPr/>
-            </a:pPr>
-            <a:r>
-              <a:rPr lang="en-US" dirty="0"/>
-              <a:t>Agree on material naming conventions or RGB-color values (most-general case)</a:t>
-            </a:r>
-          </a:p>
-          <a:p>
+            <a:pPr marL="171450" indent="-171450">
+              <a:buFont typeface="Arial" panose="020B0604020202020204" pitchFamily="34" charset="0"/>
+              <a:buChar char="•"/>
+            </a:pPr>
+            <a:r>
+              <a:rPr lang="de-DE" dirty="0" err="1"/>
+              <a:t>There</a:t>
+            </a:r>
+            <a:r>
+              <a:rPr lang="de-DE" dirty="0"/>
+              <a:t> </a:t>
+            </a:r>
+            <a:r>
+              <a:rPr lang="de-DE" dirty="0" err="1"/>
+              <a:t>are</a:t>
+            </a:r>
+            <a:r>
+              <a:rPr lang="de-DE" dirty="0"/>
+              <a:t> different </a:t>
+            </a:r>
+            <a:r>
+              <a:rPr lang="de-DE" dirty="0" err="1"/>
+              <a:t>approaches</a:t>
+            </a:r>
+            <a:r>
+              <a:rPr lang="de-DE" dirty="0"/>
+              <a:t> </a:t>
+            </a:r>
+            <a:r>
+              <a:rPr lang="de-DE" dirty="0" err="1"/>
+              <a:t>to</a:t>
+            </a:r>
+            <a:r>
+              <a:rPr lang="de-DE" dirty="0"/>
+              <a:t> </a:t>
+            </a:r>
+            <a:r>
+              <a:rPr lang="de-DE" dirty="0" err="1"/>
+              <a:t>setup</a:t>
+            </a:r>
+            <a:r>
+              <a:rPr lang="de-DE" dirty="0"/>
+              <a:t> a </a:t>
+            </a:r>
+            <a:r>
+              <a:rPr lang="de-DE" dirty="0" err="1"/>
+              <a:t>pipeline</a:t>
+            </a:r>
+            <a:r>
+              <a:rPr lang="de-DE" dirty="0"/>
+              <a:t> in VRED</a:t>
+            </a:r>
+          </a:p>
+          <a:p>
+            <a:pPr marL="628650" lvl="1" indent="-171450">
+              <a:buFont typeface="Arial" panose="020B0604020202020204" pitchFamily="34" charset="0"/>
+              <a:buChar char="•"/>
+            </a:pPr>
+            <a:r>
+              <a:rPr lang="de-DE" dirty="0"/>
+              <a:t>Always </a:t>
+            </a:r>
+            <a:r>
+              <a:rPr lang="de-DE" dirty="0" err="1"/>
+              <a:t>includes</a:t>
+            </a:r>
+            <a:r>
+              <a:rPr lang="de-DE" dirty="0"/>
+              <a:t> Python Scripts </a:t>
+            </a:r>
+            <a:r>
+              <a:rPr lang="de-DE" dirty="0" err="1"/>
+              <a:t>to</a:t>
+            </a:r>
+            <a:r>
+              <a:rPr lang="de-DE" dirty="0"/>
+              <a:t> do </a:t>
+            </a:r>
+            <a:r>
+              <a:rPr lang="de-DE" dirty="0" err="1"/>
+              <a:t>the</a:t>
+            </a:r>
+            <a:r>
+              <a:rPr lang="de-DE" dirty="0"/>
+              <a:t> </a:t>
+            </a:r>
+            <a:r>
+              <a:rPr lang="de-DE" dirty="0" err="1"/>
+              <a:t>work</a:t>
+            </a:r>
             <a:endParaRPr lang="de-DE" dirty="0"/>
+          </a:p>
+          <a:p>
+            <a:pPr marL="628650" lvl="1" indent="-171450">
+              <a:buFont typeface="Arial" panose="020B0604020202020204" pitchFamily="34" charset="0"/>
+              <a:buChar char="•"/>
+            </a:pPr>
+            <a:r>
+              <a:rPr lang="de-DE" dirty="0"/>
+              <a:t>Control Interface (Streaming App, </a:t>
+            </a:r>
+            <a:r>
+              <a:rPr lang="de-DE" dirty="0" err="1"/>
+              <a:t>Script</a:t>
+            </a:r>
+            <a:r>
+              <a:rPr lang="de-DE" dirty="0"/>
+              <a:t>, </a:t>
+            </a:r>
+            <a:r>
+              <a:rPr lang="de-DE" dirty="0" err="1"/>
+              <a:t>Variantsets</a:t>
+            </a:r>
+            <a:r>
+              <a:rPr lang="de-DE" dirty="0"/>
+              <a:t>, etc.)</a:t>
+            </a:r>
+          </a:p>
+          <a:p>
+            <a:pPr marL="628650" lvl="1" indent="-171450">
+              <a:buFont typeface="Arial" panose="020B0604020202020204" pitchFamily="34" charset="0"/>
+              <a:buChar char="•"/>
+            </a:pPr>
+            <a:r>
+              <a:rPr lang="de-DE" dirty="0"/>
+              <a:t>Additional Data (Lookup </a:t>
+            </a:r>
+            <a:r>
+              <a:rPr lang="de-DE" dirty="0" err="1"/>
+              <a:t>Tables</a:t>
+            </a:r>
+            <a:r>
+              <a:rPr lang="de-DE" dirty="0"/>
+              <a:t> </a:t>
+            </a:r>
+            <a:r>
+              <a:rPr lang="de-DE" dirty="0" err="1"/>
+              <a:t>for</a:t>
+            </a:r>
+            <a:r>
+              <a:rPr lang="de-DE" dirty="0"/>
+              <a:t> </a:t>
+            </a:r>
+            <a:r>
+              <a:rPr lang="de-DE" dirty="0" err="1"/>
+              <a:t>materials</a:t>
+            </a:r>
+            <a:r>
+              <a:rPr lang="de-DE" dirty="0"/>
+              <a:t>)</a:t>
+            </a:r>
+          </a:p>
+          <a:p>
+            <a:pPr marL="628650" lvl="1" indent="-171450">
+              <a:buFont typeface="Arial" panose="020B0604020202020204" pitchFamily="34" charset="0"/>
+              <a:buChar char="•"/>
+            </a:pPr>
+            <a:endParaRPr lang="de-DE" dirty="0"/>
+          </a:p>
+          <a:p>
+            <a:pPr marL="171450" lvl="0" indent="-171450">
+              <a:buFont typeface="Arial" panose="020B0604020202020204" pitchFamily="34" charset="0"/>
+              <a:buChar char="•"/>
+            </a:pPr>
+            <a:r>
+              <a:rPr lang="de-DE" dirty="0" err="1"/>
+              <a:t>No</a:t>
+            </a:r>
+            <a:r>
+              <a:rPr lang="de-DE" dirty="0"/>
+              <a:t> </a:t>
+            </a:r>
+            <a:r>
+              <a:rPr lang="de-DE" dirty="0" err="1"/>
+              <a:t>solution</a:t>
+            </a:r>
+            <a:r>
+              <a:rPr lang="de-DE" dirty="0"/>
+              <a:t> </a:t>
+            </a:r>
+            <a:r>
+              <a:rPr lang="de-DE" dirty="0" err="1"/>
+              <a:t>that</a:t>
+            </a:r>
+            <a:r>
+              <a:rPr lang="de-DE" dirty="0"/>
+              <a:t> </a:t>
+            </a:r>
+            <a:r>
+              <a:rPr lang="de-DE" dirty="0" err="1"/>
+              <a:t>fits</a:t>
+            </a:r>
+            <a:r>
+              <a:rPr lang="de-DE" dirty="0"/>
+              <a:t> all </a:t>
+            </a:r>
+            <a:r>
+              <a:rPr lang="de-DE" dirty="0" err="1"/>
+              <a:t>needs</a:t>
+            </a:r>
+            <a:r>
+              <a:rPr lang="de-DE" dirty="0"/>
+              <a:t>, </a:t>
+            </a:r>
+            <a:r>
+              <a:rPr lang="de-DE" dirty="0" err="1"/>
+              <a:t>therefore</a:t>
+            </a:r>
+            <a:r>
+              <a:rPr lang="de-DE" dirty="0"/>
+              <a:t> </a:t>
+            </a:r>
+            <a:r>
+              <a:rPr lang="de-DE" dirty="0" err="1"/>
+              <a:t>can</a:t>
+            </a:r>
+            <a:r>
+              <a:rPr lang="de-DE" dirty="0"/>
+              <a:t> </a:t>
+            </a:r>
+            <a:r>
+              <a:rPr lang="de-DE" dirty="0" err="1"/>
+              <a:t>be</a:t>
+            </a:r>
+            <a:r>
+              <a:rPr lang="de-DE" dirty="0"/>
+              <a:t> </a:t>
+            </a:r>
+            <a:r>
+              <a:rPr lang="de-DE" dirty="0" err="1"/>
+              <a:t>complicated</a:t>
+            </a:r>
+            <a:r>
+              <a:rPr lang="de-DE" dirty="0"/>
+              <a:t> at </a:t>
+            </a:r>
+            <a:r>
+              <a:rPr lang="de-DE" dirty="0" err="1"/>
+              <a:t>first</a:t>
+            </a:r>
+            <a:endParaRPr lang="de-DE" dirty="0"/>
+          </a:p>
+          <a:p>
+            <a:pPr marL="628650" lvl="1" indent="-171450">
+              <a:buFont typeface="Arial" panose="020B0604020202020204" pitchFamily="34" charset="0"/>
+              <a:buChar char="•"/>
+            </a:pPr>
+            <a:r>
+              <a:rPr lang="de-DE" dirty="0"/>
+              <a:t>Every </a:t>
+            </a:r>
+            <a:r>
+              <a:rPr lang="de-DE" dirty="0" err="1"/>
+              <a:t>company</a:t>
+            </a:r>
+            <a:r>
+              <a:rPr lang="de-DE" dirty="0"/>
+              <a:t> </a:t>
+            </a:r>
+            <a:r>
+              <a:rPr lang="de-DE" dirty="0" err="1"/>
+              <a:t>has</a:t>
+            </a:r>
+            <a:r>
+              <a:rPr lang="de-DE" dirty="0"/>
+              <a:t> </a:t>
+            </a:r>
+            <a:r>
+              <a:rPr lang="de-DE" dirty="0" err="1"/>
+              <a:t>other</a:t>
+            </a:r>
+            <a:r>
+              <a:rPr lang="de-DE" dirty="0"/>
+              <a:t> </a:t>
+            </a:r>
+            <a:r>
+              <a:rPr lang="de-DE" dirty="0" err="1"/>
+              <a:t>requirements</a:t>
+            </a:r>
+            <a:endParaRPr lang="de-DE" dirty="0"/>
+          </a:p>
+          <a:p>
+            <a:pPr marL="628650" lvl="1" indent="-171450">
+              <a:buFont typeface="Arial" panose="020B0604020202020204" pitchFamily="34" charset="0"/>
+              <a:buChar char="•"/>
+            </a:pPr>
+            <a:r>
+              <a:rPr lang="de-DE" dirty="0"/>
+              <a:t>Different IT-</a:t>
+            </a:r>
+            <a:r>
+              <a:rPr lang="de-DE" dirty="0" err="1"/>
+              <a:t>Infrastructures</a:t>
+            </a:r>
+            <a:endParaRPr lang="de-DE" dirty="0"/>
+          </a:p>
+          <a:p>
+            <a:pPr marL="171450" lvl="0" indent="-171450">
+              <a:buFont typeface="Arial" panose="020B0604020202020204" pitchFamily="34" charset="0"/>
+              <a:buChar char="•"/>
+            </a:pPr>
+            <a:r>
+              <a:rPr lang="de-DE" dirty="0"/>
+              <a:t>Advantage </a:t>
+            </a:r>
+            <a:r>
+              <a:rPr lang="de-DE" dirty="0" err="1"/>
+              <a:t>is</a:t>
+            </a:r>
+            <a:r>
+              <a:rPr lang="de-DE" dirty="0"/>
+              <a:t>, </a:t>
+            </a:r>
+            <a:r>
+              <a:rPr lang="de-DE" dirty="0" err="1"/>
+              <a:t>that</a:t>
+            </a:r>
+            <a:r>
+              <a:rPr lang="de-DE" dirty="0"/>
+              <a:t> </a:t>
+            </a:r>
+            <a:r>
+              <a:rPr lang="de-DE" dirty="0" err="1"/>
+              <a:t>it</a:t>
+            </a:r>
+            <a:r>
+              <a:rPr lang="de-DE" dirty="0"/>
+              <a:t> </a:t>
+            </a:r>
+            <a:r>
+              <a:rPr lang="de-DE" dirty="0" err="1"/>
+              <a:t>is</a:t>
+            </a:r>
+            <a:r>
+              <a:rPr lang="de-DE" dirty="0"/>
+              <a:t> </a:t>
+            </a:r>
+            <a:r>
+              <a:rPr lang="de-DE" dirty="0" err="1"/>
+              <a:t>very</a:t>
+            </a:r>
+            <a:r>
+              <a:rPr lang="de-DE" dirty="0"/>
+              <a:t> </a:t>
+            </a:r>
+            <a:r>
+              <a:rPr lang="de-DE" dirty="0" err="1"/>
+              <a:t>customizable</a:t>
+            </a:r>
+            <a:endParaRPr lang="de-DE" dirty="0"/>
+          </a:p>
+          <a:p>
+            <a:pPr marL="628650" lvl="1" indent="-171450">
+              <a:buFont typeface="Arial" panose="020B0604020202020204" pitchFamily="34" charset="0"/>
+              <a:buChar char="•"/>
+            </a:pPr>
+            <a:r>
+              <a:rPr lang="de-DE" dirty="0"/>
+              <a:t>Not limited </a:t>
+            </a:r>
+            <a:r>
+              <a:rPr lang="de-DE" dirty="0" err="1"/>
+              <a:t>to</a:t>
+            </a:r>
+            <a:r>
+              <a:rPr lang="de-DE" dirty="0"/>
+              <a:t> </a:t>
+            </a:r>
+            <a:r>
+              <a:rPr lang="de-DE" dirty="0" err="1"/>
+              <a:t>shading</a:t>
+            </a:r>
+            <a:endParaRPr lang="de-DE" dirty="0"/>
+          </a:p>
+          <a:p>
+            <a:pPr marL="628650" lvl="1" indent="-171450">
+              <a:buFont typeface="Arial" panose="020B0604020202020204" pitchFamily="34" charset="0"/>
+              <a:buChar char="•"/>
+            </a:pPr>
+            <a:r>
+              <a:rPr lang="de-DE" dirty="0"/>
+              <a:t>All </a:t>
+            </a:r>
+            <a:r>
+              <a:rPr lang="de-DE" dirty="0" err="1"/>
+              <a:t>kinds</a:t>
+            </a:r>
+            <a:r>
+              <a:rPr lang="de-DE" dirty="0"/>
+              <a:t> </a:t>
+            </a:r>
+            <a:r>
+              <a:rPr lang="de-DE" dirty="0" err="1"/>
+              <a:t>of</a:t>
+            </a:r>
+            <a:r>
+              <a:rPr lang="de-DE" dirty="0"/>
+              <a:t> </a:t>
+            </a:r>
+            <a:r>
+              <a:rPr lang="de-DE" dirty="0" err="1"/>
+              <a:t>optimizations</a:t>
+            </a:r>
+            <a:r>
+              <a:rPr lang="de-DE" dirty="0"/>
+              <a:t> </a:t>
+            </a:r>
+            <a:r>
+              <a:rPr lang="de-DE" dirty="0" err="1"/>
+              <a:t>are</a:t>
+            </a:r>
+            <a:r>
+              <a:rPr lang="de-DE" dirty="0"/>
+              <a:t> possible</a:t>
+            </a:r>
           </a:p>
         </p:txBody>
       </p:sp>
@@ -2394,7 +4639,7 @@
     </p:spTree>
     <p:extLst>
       <p:ext uri="{BB962C8B-B14F-4D97-AF65-F5344CB8AC3E}">
-        <p14:creationId xmlns:p14="http://schemas.microsoft.com/office/powerpoint/2010/main" val="36132834"/>
+        <p14:creationId xmlns:p14="http://schemas.microsoft.com/office/powerpoint/2010/main" val="1742990798"/>
       </p:ext>
     </p:extLst>
   </p:cSld>
@@ -2448,30 +4693,102 @@
           <a:bodyPr/>
           <a:lstStyle/>
           <a:p>
-            <a:pPr marL="0" marR="0" lvl="0" indent="0" algn="l" defTabSz="914400" rtl="0" eaLnBrk="1" fontAlgn="auto" latinLnBrk="0" hangingPunct="1">
-              <a:lnSpc>
-                <a:spcPct val="100000"/>
-              </a:lnSpc>
-              <a:spcBef>
-                <a:spcPts val="0"/>
-              </a:spcBef>
-              <a:spcAft>
-                <a:spcPts val="0"/>
-              </a:spcAft>
-              <a:buClrTx/>
-              <a:buSzTx/>
-              <a:buFontTx/>
+            <a:pPr marL="0" indent="0">
+              <a:buFont typeface="Arial" panose="020B0604020202020204" pitchFamily="34" charset="0"/>
               <a:buNone/>
-              <a:tabLst/>
-              <a:defRPr/>
-            </a:pPr>
-            <a:r>
-              <a:rPr lang="en-US" dirty="0"/>
-              <a:t>Agree on material naming conventions or RGB-color values (most-general case)</a:t>
-            </a:r>
-          </a:p>
-          <a:p>
-            <a:endParaRPr lang="de-DE" dirty="0"/>
+            </a:pPr>
+            <a:r>
+              <a:rPr lang="de-DE" dirty="0"/>
+              <a:t>Just </a:t>
+            </a:r>
+            <a:r>
+              <a:rPr lang="de-DE" dirty="0" err="1"/>
+              <a:t>to</a:t>
+            </a:r>
+            <a:r>
+              <a:rPr lang="de-DE" dirty="0"/>
+              <a:t> </a:t>
+            </a:r>
+            <a:r>
+              <a:rPr lang="de-DE" dirty="0" err="1"/>
+              <a:t>give</a:t>
+            </a:r>
+            <a:r>
+              <a:rPr lang="de-DE" dirty="0"/>
+              <a:t> </a:t>
+            </a:r>
+            <a:r>
+              <a:rPr lang="de-DE" dirty="0" err="1"/>
+              <a:t>you</a:t>
+            </a:r>
+            <a:r>
+              <a:rPr lang="de-DE" dirty="0"/>
+              <a:t> an </a:t>
+            </a:r>
+            <a:r>
+              <a:rPr lang="de-DE" dirty="0" err="1"/>
+              <a:t>idea</a:t>
+            </a:r>
+            <a:r>
+              <a:rPr lang="de-DE" dirty="0"/>
+              <a:t> </a:t>
+            </a:r>
+            <a:r>
+              <a:rPr lang="de-DE" dirty="0" err="1"/>
+              <a:t>how</a:t>
+            </a:r>
+            <a:r>
+              <a:rPr lang="de-DE" dirty="0"/>
+              <a:t> a </a:t>
+            </a:r>
+            <a:r>
+              <a:rPr lang="de-DE" dirty="0" err="1"/>
+              <a:t>mapping</a:t>
+            </a:r>
+            <a:r>
+              <a:rPr lang="de-DE" dirty="0"/>
+              <a:t> </a:t>
+            </a:r>
+            <a:r>
+              <a:rPr lang="de-DE" dirty="0" err="1"/>
+              <a:t>table</a:t>
+            </a:r>
+            <a:r>
+              <a:rPr lang="de-DE" dirty="0"/>
+              <a:t> </a:t>
+            </a:r>
+            <a:r>
+              <a:rPr lang="de-DE" dirty="0" err="1"/>
+              <a:t>for</a:t>
+            </a:r>
+            <a:r>
+              <a:rPr lang="de-DE" dirty="0"/>
+              <a:t> </a:t>
+            </a:r>
+            <a:r>
+              <a:rPr lang="de-DE" dirty="0" err="1"/>
+              <a:t>materials</a:t>
+            </a:r>
+            <a:r>
+              <a:rPr lang="de-DE" dirty="0"/>
+              <a:t> </a:t>
+            </a:r>
+            <a:r>
+              <a:rPr lang="de-DE" dirty="0" err="1"/>
+              <a:t>can</a:t>
+            </a:r>
+            <a:r>
+              <a:rPr lang="de-DE" dirty="0"/>
+              <a:t> </a:t>
+            </a:r>
+            <a:r>
+              <a:rPr lang="de-DE" dirty="0" err="1"/>
+              <a:t>look</a:t>
+            </a:r>
+            <a:r>
+              <a:rPr lang="de-DE" dirty="0"/>
+              <a:t> like</a:t>
+            </a:r>
           </a:p>
         </p:txBody>
       </p:sp>
@@ -2501,7 +4818,7 @@
     </p:spTree>
     <p:extLst>
       <p:ext uri="{BB962C8B-B14F-4D97-AF65-F5344CB8AC3E}">
-        <p14:creationId xmlns:p14="http://schemas.microsoft.com/office/powerpoint/2010/main" val="1174689551"/>
+        <p14:creationId xmlns:p14="http://schemas.microsoft.com/office/powerpoint/2010/main" val="677574446"/>
       </p:ext>
     </p:extLst>
   </p:cSld>
@@ -2658,7 +4975,7 @@
           <a:p>
             <a:fld id="{E357C6A8-F998-4E0F-B9BA-864B257C047C}" type="datetimeFigureOut">
               <a:rPr lang="de-DE" smtClean="0"/>
-              <a:t>09.01.2023</a:t>
+              <a:t>10.01.2023</a:t>
             </a:fld>
             <a:endParaRPr lang="de-DE"/>
           </a:p>
@@ -2856,7 +5173,7 @@
           <a:p>
             <a:fld id="{E357C6A8-F998-4E0F-B9BA-864B257C047C}" type="datetimeFigureOut">
               <a:rPr lang="de-DE" smtClean="0"/>
-              <a:t>09.01.2023</a:t>
+              <a:t>10.01.2023</a:t>
             </a:fld>
             <a:endParaRPr lang="de-DE"/>
           </a:p>
@@ -3064,7 +5381,7 @@
           <a:p>
             <a:fld id="{E357C6A8-F998-4E0F-B9BA-864B257C047C}" type="datetimeFigureOut">
               <a:rPr lang="de-DE" smtClean="0"/>
-              <a:t>09.01.2023</a:t>
+              <a:t>10.01.2023</a:t>
             </a:fld>
             <a:endParaRPr lang="de-DE"/>
           </a:p>
@@ -3262,7 +5579,7 @@
           <a:p>
             <a:fld id="{E357C6A8-F998-4E0F-B9BA-864B257C047C}" type="datetimeFigureOut">
               <a:rPr lang="de-DE" smtClean="0"/>
-              <a:t>09.01.2023</a:t>
+              <a:t>10.01.2023</a:t>
             </a:fld>
             <a:endParaRPr lang="de-DE"/>
           </a:p>
@@ -3537,7 +5854,7 @@
           <a:p>
             <a:fld id="{E357C6A8-F998-4E0F-B9BA-864B257C047C}" type="datetimeFigureOut">
               <a:rPr lang="de-DE" smtClean="0"/>
-              <a:t>09.01.2023</a:t>
+              <a:t>10.01.2023</a:t>
             </a:fld>
             <a:endParaRPr lang="de-DE"/>
           </a:p>
@@ -3802,7 +6119,7 @@
           <a:p>
             <a:fld id="{E357C6A8-F998-4E0F-B9BA-864B257C047C}" type="datetimeFigureOut">
               <a:rPr lang="de-DE" smtClean="0"/>
-              <a:t>09.01.2023</a:t>
+              <a:t>10.01.2023</a:t>
             </a:fld>
             <a:endParaRPr lang="de-DE"/>
           </a:p>
@@ -4214,7 +6531,7 @@
           <a:p>
             <a:fld id="{E357C6A8-F998-4E0F-B9BA-864B257C047C}" type="datetimeFigureOut">
               <a:rPr lang="de-DE" smtClean="0"/>
-              <a:t>09.01.2023</a:t>
+              <a:t>10.01.2023</a:t>
             </a:fld>
             <a:endParaRPr lang="de-DE"/>
           </a:p>
@@ -4355,7 +6672,7 @@
           <a:p>
             <a:fld id="{E357C6A8-F998-4E0F-B9BA-864B257C047C}" type="datetimeFigureOut">
               <a:rPr lang="de-DE" smtClean="0"/>
-              <a:t>09.01.2023</a:t>
+              <a:t>10.01.2023</a:t>
             </a:fld>
             <a:endParaRPr lang="de-DE"/>
           </a:p>
@@ -4468,7 +6785,7 @@
           <a:p>
             <a:fld id="{E357C6A8-F998-4E0F-B9BA-864B257C047C}" type="datetimeFigureOut">
               <a:rPr lang="de-DE" smtClean="0"/>
-              <a:t>09.01.2023</a:t>
+              <a:t>10.01.2023</a:t>
             </a:fld>
             <a:endParaRPr lang="de-DE"/>
           </a:p>
@@ -4779,7 +7096,7 @@
           <a:p>
             <a:fld id="{E357C6A8-F998-4E0F-B9BA-864B257C047C}" type="datetimeFigureOut">
               <a:rPr lang="de-DE" smtClean="0"/>
-              <a:t>09.01.2023</a:t>
+              <a:t>10.01.2023</a:t>
             </a:fld>
             <a:endParaRPr lang="de-DE"/>
           </a:p>
@@ -5067,7 +7384,7 @@
           <a:p>
             <a:fld id="{E357C6A8-F998-4E0F-B9BA-864B257C047C}" type="datetimeFigureOut">
               <a:rPr lang="de-DE" smtClean="0"/>
-              <a:t>09.01.2023</a:t>
+              <a:t>10.01.2023</a:t>
             </a:fld>
             <a:endParaRPr lang="de-DE"/>
           </a:p>
@@ -5308,7 +7625,7 @@
           <a:p>
             <a:fld id="{E357C6A8-F998-4E0F-B9BA-864B257C047C}" type="datetimeFigureOut">
               <a:rPr lang="de-DE" smtClean="0"/>
-              <a:t>09.01.2023</a:t>
+              <a:t>10.01.2023</a:t>
             </a:fld>
             <a:endParaRPr lang="de-DE"/>
           </a:p>
@@ -5773,31 +8090,6 @@
           </a:p>
         </p:txBody>
       </p:sp>
-      <p:sp>
-        <p:nvSpPr>
-          <p:cNvPr id="3" name="Untertitel 2">
-            <a:extLst>
-              <a:ext uri="{FF2B5EF4-FFF2-40B4-BE49-F238E27FC236}">
-                <a16:creationId xmlns:a16="http://schemas.microsoft.com/office/drawing/2014/main" id="{04C40C8C-89AC-273C-02C3-9D334D427D1F}"/>
-              </a:ext>
-            </a:extLst>
-          </p:cNvPr>
-          <p:cNvSpPr>
-            <a:spLocks noGrp="1"/>
-          </p:cNvSpPr>
-          <p:nvPr>
-            <p:ph type="subTitle" idx="1"/>
-          </p:nvPr>
-        </p:nvSpPr>
-        <p:spPr/>
-        <p:txBody>
-          <a:bodyPr/>
-          <a:lstStyle/>
-          <a:p>
-            <a:endParaRPr lang="de-DE"/>
-          </a:p>
-        </p:txBody>
-      </p:sp>
     </p:spTree>
     <p:extLst>
       <p:ext uri="{BB962C8B-B14F-4D97-AF65-F5344CB8AC3E}">
@@ -5828,43 +8120,40 @@
           <a:chExt cx="0" cy="0"/>
         </a:xfrm>
       </p:grpSpPr>
-      <p:sp>
-        <p:nvSpPr>
-          <p:cNvPr id="3" name="Inhaltsplatzhalter 2">
+      <p:pic>
+        <p:nvPicPr>
+          <p:cNvPr id="3" name="Grafik 2">
             <a:extLst>
               <a:ext uri="{FF2B5EF4-FFF2-40B4-BE49-F238E27FC236}">
-                <a16:creationId xmlns:a16="http://schemas.microsoft.com/office/drawing/2014/main" id="{1032E094-3BB2-DDC1-28CB-45489783C997}"/>
+                <a16:creationId xmlns:a16="http://schemas.microsoft.com/office/drawing/2014/main" id="{18E95BF6-8C12-4BDE-0A27-0BB71218E3E7}"/>
               </a:ext>
             </a:extLst>
           </p:cNvPr>
-          <p:cNvSpPr>
-            <a:spLocks noGrp="1"/>
-          </p:cNvSpPr>
-          <p:nvPr>
-            <p:ph idx="1"/>
-          </p:nvPr>
-        </p:nvSpPr>
-        <p:spPr/>
-        <p:txBody>
-          <a:bodyPr>
-            <a:normAutofit/>
-          </a:bodyPr>
-          <a:lstStyle/>
-          <a:p>
-            <a:pPr marL="0" indent="0" algn="ctr">
-              <a:buNone/>
-            </a:pPr>
-            <a:r>
-              <a:rPr lang="en-US" dirty="0"/>
-              <a:t>[VRED Shading Demo]</a:t>
-            </a:r>
-          </a:p>
-        </p:txBody>
-      </p:sp>
+          <p:cNvPicPr>
+            <a:picLocks noChangeAspect="1"/>
+          </p:cNvPicPr>
+          <p:nvPr/>
+        </p:nvPicPr>
+        <p:blipFill>
+          <a:blip r:embed="rId3"/>
+          <a:stretch>
+            <a:fillRect/>
+          </a:stretch>
+        </p:blipFill>
+        <p:spPr>
+          <a:xfrm>
+            <a:off x="0" y="0"/>
+            <a:ext cx="13204632" cy="6858000"/>
+          </a:xfrm>
+          <a:prstGeom prst="rect">
+            <a:avLst/>
+          </a:prstGeom>
+        </p:spPr>
+      </p:pic>
     </p:spTree>
     <p:extLst>
       <p:ext uri="{BB962C8B-B14F-4D97-AF65-F5344CB8AC3E}">
-        <p14:creationId xmlns:p14="http://schemas.microsoft.com/office/powerpoint/2010/main" val="1483901785"/>
+        <p14:creationId xmlns:p14="http://schemas.microsoft.com/office/powerpoint/2010/main" val="25223740"/>
       </p:ext>
     </p:extLst>
   </p:cSld>
@@ -5891,6 +8180,42 @@
           <a:chExt cx="0" cy="0"/>
         </a:xfrm>
       </p:grpSpPr>
+      <p:pic>
+        <p:nvPicPr>
+          <p:cNvPr id="7" name="Grafik 6">
+            <a:extLst>
+              <a:ext uri="{FF2B5EF4-FFF2-40B4-BE49-F238E27FC236}">
+                <a16:creationId xmlns:a16="http://schemas.microsoft.com/office/drawing/2014/main" id="{AF95E727-C21E-65BD-28F4-2ACF1DE5D5C7}"/>
+              </a:ext>
+            </a:extLst>
+          </p:cNvPr>
+          <p:cNvPicPr>
+            <a:picLocks noChangeAspect="1"/>
+          </p:cNvPicPr>
+          <p:nvPr/>
+        </p:nvPicPr>
+        <p:blipFill>
+          <a:blip r:embed="rId3">
+            <a:extLst>
+              <a:ext uri="{28A0092B-C50C-407E-A947-70E740481C1C}">
+                <a14:useLocalDpi xmlns:a14="http://schemas.microsoft.com/office/drawing/2010/main" val="0"/>
+              </a:ext>
+            </a:extLst>
+          </a:blip>
+          <a:stretch>
+            <a:fillRect/>
+          </a:stretch>
+        </p:blipFill>
+        <p:spPr>
+          <a:xfrm>
+            <a:off x="0" y="0"/>
+            <a:ext cx="12192000" cy="6858000"/>
+          </a:xfrm>
+          <a:prstGeom prst="rect">
+            <a:avLst/>
+          </a:prstGeom>
+        </p:spPr>
+      </p:pic>
       <p:sp>
         <p:nvSpPr>
           <p:cNvPr id="2" name="Titel 1">
@@ -5913,71 +8238,20 @@
           <a:lstStyle/>
           <a:p>
             <a:r>
-              <a:rPr lang="en-US" dirty="0"/>
-              <a:t>Matching Colors</a:t>
-            </a:r>
-            <a:endParaRPr lang="de-DE" dirty="0"/>
-          </a:p>
-        </p:txBody>
-      </p:sp>
-      <p:sp>
-        <p:nvSpPr>
-          <p:cNvPr id="3" name="Inhaltsplatzhalter 2">
-            <a:extLst>
-              <a:ext uri="{FF2B5EF4-FFF2-40B4-BE49-F238E27FC236}">
-                <a16:creationId xmlns:a16="http://schemas.microsoft.com/office/drawing/2014/main" id="{1032E094-3BB2-DDC1-28CB-45489783C997}"/>
-              </a:ext>
-            </a:extLst>
-          </p:cNvPr>
-          <p:cNvSpPr>
-            <a:spLocks noGrp="1"/>
-          </p:cNvSpPr>
-          <p:nvPr>
-            <p:ph idx="1"/>
-          </p:nvPr>
-        </p:nvSpPr>
-        <p:spPr/>
-        <p:txBody>
-          <a:bodyPr>
-            <a:normAutofit/>
-          </a:bodyPr>
-          <a:lstStyle/>
-          <a:p>
-            <a:r>
-              <a:rPr lang="en-US" dirty="0"/>
-              <a:t>Look at all materials in the imported file</a:t>
-            </a:r>
-          </a:p>
-          <a:p>
-            <a:r>
-              <a:rPr lang="en-US" dirty="0"/>
-              <a:t>Get the RGB values of the diffuse channel using the field access</a:t>
-            </a:r>
-          </a:p>
-          <a:p>
-            <a:r>
-              <a:rPr lang="en-US" dirty="0"/>
-              <a:t>Use lookup table to find a matching color</a:t>
-            </a:r>
-          </a:p>
-          <a:p>
-            <a:r>
-              <a:rPr lang="en-US" dirty="0"/>
-              <a:t>If there is a matching color -&gt; replace material!</a:t>
-            </a:r>
-          </a:p>
-          <a:p>
-            <a:pPr marL="0" indent="0">
-              <a:buNone/>
-            </a:pPr>
-            <a:endParaRPr lang="en-US" dirty="0"/>
+              <a:rPr lang="de-DE" dirty="0" err="1"/>
+              <a:t>Prerequisits</a:t>
+            </a:r>
+            <a:r>
+              <a:rPr lang="de-DE" dirty="0"/>
+              <a:t>: Common Standards</a:t>
+            </a:r>
           </a:p>
         </p:txBody>
       </p:sp>
     </p:spTree>
     <p:extLst>
       <p:ext uri="{BB962C8B-B14F-4D97-AF65-F5344CB8AC3E}">
-        <p14:creationId xmlns:p14="http://schemas.microsoft.com/office/powerpoint/2010/main" val="2098366211"/>
+        <p14:creationId xmlns:p14="http://schemas.microsoft.com/office/powerpoint/2010/main" val="1730042302"/>
       </p:ext>
     </p:extLst>
   </p:cSld>
@@ -6004,6 +8278,42 @@
           <a:chExt cx="0" cy="0"/>
         </a:xfrm>
       </p:grpSpPr>
+      <p:pic>
+        <p:nvPicPr>
+          <p:cNvPr id="7" name="Grafik 6">
+            <a:extLst>
+              <a:ext uri="{FF2B5EF4-FFF2-40B4-BE49-F238E27FC236}">
+                <a16:creationId xmlns:a16="http://schemas.microsoft.com/office/drawing/2014/main" id="{E0252509-5538-EAE9-B002-2D2B80650BBA}"/>
+              </a:ext>
+            </a:extLst>
+          </p:cNvPr>
+          <p:cNvPicPr>
+            <a:picLocks noChangeAspect="1"/>
+          </p:cNvPicPr>
+          <p:nvPr/>
+        </p:nvPicPr>
+        <p:blipFill>
+          <a:blip r:embed="rId3">
+            <a:extLst>
+              <a:ext uri="{28A0092B-C50C-407E-A947-70E740481C1C}">
+                <a14:useLocalDpi xmlns:a14="http://schemas.microsoft.com/office/drawing/2010/main" val="0"/>
+              </a:ext>
+            </a:extLst>
+          </a:blip>
+          <a:stretch>
+            <a:fillRect/>
+          </a:stretch>
+        </p:blipFill>
+        <p:spPr>
+          <a:xfrm>
+            <a:off x="0" y="0"/>
+            <a:ext cx="12192000" cy="6858000"/>
+          </a:xfrm>
+          <a:prstGeom prst="rect">
+            <a:avLst/>
+          </a:prstGeom>
+        </p:spPr>
+      </p:pic>
       <p:sp>
         <p:nvSpPr>
           <p:cNvPr id="2" name="Titel 1">
@@ -6026,57 +8336,12 @@
           <a:lstStyle/>
           <a:p>
             <a:r>
-              <a:rPr lang="en-US" dirty="0"/>
-              <a:t>Matching Names</a:t>
-            </a:r>
-            <a:endParaRPr lang="de-DE" dirty="0"/>
-          </a:p>
-        </p:txBody>
-      </p:sp>
-      <p:sp>
-        <p:nvSpPr>
-          <p:cNvPr id="3" name="Inhaltsplatzhalter 2">
-            <a:extLst>
-              <a:ext uri="{FF2B5EF4-FFF2-40B4-BE49-F238E27FC236}">
-                <a16:creationId xmlns:a16="http://schemas.microsoft.com/office/drawing/2014/main" id="{1032E094-3BB2-DDC1-28CB-45489783C997}"/>
-              </a:ext>
-            </a:extLst>
-          </p:cNvPr>
-          <p:cNvSpPr>
-            <a:spLocks noGrp="1"/>
-          </p:cNvSpPr>
-          <p:nvPr>
-            <p:ph idx="1"/>
-          </p:nvPr>
-        </p:nvSpPr>
-        <p:spPr/>
-        <p:txBody>
-          <a:bodyPr>
-            <a:normAutofit/>
-          </a:bodyPr>
-          <a:lstStyle/>
-          <a:p>
-            <a:r>
-              <a:rPr lang="en-US" dirty="0"/>
-              <a:t>Look at all materials in the imported file</a:t>
-            </a:r>
-          </a:p>
-          <a:p>
-            <a:r>
-              <a:rPr lang="en-US" dirty="0"/>
-              <a:t>Get the name of the material</a:t>
-            </a:r>
-          </a:p>
-          <a:p>
-            <a:r>
-              <a:rPr lang="en-US" dirty="0"/>
-              <a:t>Use lookup table to find a matching name</a:t>
-            </a:r>
-          </a:p>
-          <a:p>
-            <a:r>
-              <a:rPr lang="en-US" dirty="0"/>
-              <a:t>If there is a matching name -&gt; replace material!</a:t>
+              <a:rPr lang="de-DE" dirty="0" err="1"/>
+              <a:t>Prerequisits</a:t>
+            </a:r>
+            <a:r>
+              <a:rPr lang="de-DE" dirty="0"/>
+              <a:t>: Common Standards</a:t>
             </a:r>
           </a:p>
         </p:txBody>
@@ -6084,7 +8349,7 @@
     </p:spTree>
     <p:extLst>
       <p:ext uri="{BB962C8B-B14F-4D97-AF65-F5344CB8AC3E}">
-        <p14:creationId xmlns:p14="http://schemas.microsoft.com/office/powerpoint/2010/main" val="4237492245"/>
+        <p14:creationId xmlns:p14="http://schemas.microsoft.com/office/powerpoint/2010/main" val="3868880546"/>
       </p:ext>
     </p:extLst>
   </p:cSld>
@@ -6111,74 +8376,43 @@
           <a:chExt cx="0" cy="0"/>
         </a:xfrm>
       </p:grpSpPr>
-      <p:pic>
-        <p:nvPicPr>
-          <p:cNvPr id="7" name="Grafik 6">
+      <p:sp>
+        <p:nvSpPr>
+          <p:cNvPr id="3" name="Inhaltsplatzhalter 2">
             <a:extLst>
               <a:ext uri="{FF2B5EF4-FFF2-40B4-BE49-F238E27FC236}">
-                <a16:creationId xmlns:a16="http://schemas.microsoft.com/office/drawing/2014/main" id="{DF43E329-B3CF-8714-C031-7A7A66B4A63C}"/>
+                <a16:creationId xmlns:a16="http://schemas.microsoft.com/office/drawing/2014/main" id="{1032E094-3BB2-DDC1-28CB-45489783C997}"/>
               </a:ext>
             </a:extLst>
           </p:cNvPr>
-          <p:cNvPicPr>
-            <a:picLocks noChangeAspect="1"/>
-          </p:cNvPicPr>
-          <p:nvPr/>
-        </p:nvPicPr>
-        <p:blipFill>
-          <a:blip r:embed="rId3">
-            <a:extLst>
-              <a:ext uri="{28A0092B-C50C-407E-A947-70E740481C1C}">
-                <a14:useLocalDpi xmlns:a14="http://schemas.microsoft.com/office/drawing/2010/main" val="0"/>
-              </a:ext>
-            </a:extLst>
-          </a:blip>
-          <a:srcRect/>
-          <a:stretch/>
-        </p:blipFill>
-        <p:spPr>
-          <a:xfrm>
-            <a:off x="0" y="0"/>
-            <a:ext cx="12192000" cy="6858000"/>
-          </a:xfrm>
-          <a:prstGeom prst="rect">
-            <a:avLst/>
-          </a:prstGeom>
-        </p:spPr>
-      </p:pic>
-      <p:sp>
-        <p:nvSpPr>
-          <p:cNvPr id="2" name="Titel 1">
-            <a:extLst>
-              <a:ext uri="{FF2B5EF4-FFF2-40B4-BE49-F238E27FC236}">
-                <a16:creationId xmlns:a16="http://schemas.microsoft.com/office/drawing/2014/main" id="{00446344-DFBA-3182-F9D8-5FBD569385B1}"/>
-              </a:ext>
-            </a:extLst>
-          </p:cNvPr>
-          <p:cNvSpPr>
-            <a:spLocks noGrp="1"/>
-          </p:cNvSpPr>
-          <p:nvPr>
-            <p:ph type="title"/>
-          </p:nvPr>
-        </p:nvSpPr>
-        <p:spPr/>
-        <p:txBody>
-          <a:bodyPr/>
-          <a:lstStyle/>
-          <a:p>
+          <p:cNvSpPr>
+            <a:spLocks noGrp="1"/>
+          </p:cNvSpPr>
+          <p:nvPr>
+            <p:ph idx="1"/>
+          </p:nvPr>
+        </p:nvSpPr>
+        <p:spPr/>
+        <p:txBody>
+          <a:bodyPr>
+            <a:normAutofit/>
+          </a:bodyPr>
+          <a:lstStyle/>
+          <a:p>
+            <a:pPr marL="0" indent="0" algn="ctr">
+              <a:buNone/>
+            </a:pPr>
             <a:r>
               <a:rPr lang="en-US" dirty="0"/>
-              <a:t>Fuzzy Matching</a:t>
-            </a:r>
-            <a:endParaRPr lang="de-DE" dirty="0"/>
+              <a:t>[VRED Shading Demo]</a:t>
+            </a:r>
           </a:p>
         </p:txBody>
       </p:sp>
     </p:spTree>
     <p:extLst>
       <p:ext uri="{BB962C8B-B14F-4D97-AF65-F5344CB8AC3E}">
-        <p14:creationId xmlns:p14="http://schemas.microsoft.com/office/powerpoint/2010/main" val="1409251762"/>
+        <p14:creationId xmlns:p14="http://schemas.microsoft.com/office/powerpoint/2010/main" val="1483901785"/>
       </p:ext>
     </p:extLst>
   </p:cSld>
@@ -6207,10 +8441,10 @@
       </p:grpSpPr>
       <p:pic>
         <p:nvPicPr>
-          <p:cNvPr id="7" name="Grafik 6">
+          <p:cNvPr id="9" name="Grafik 8">
             <a:extLst>
               <a:ext uri="{FF2B5EF4-FFF2-40B4-BE49-F238E27FC236}">
-                <a16:creationId xmlns:a16="http://schemas.microsoft.com/office/drawing/2014/main" id="{DF43E329-B3CF-8714-C031-7A7A66B4A63C}"/>
+                <a16:creationId xmlns:a16="http://schemas.microsoft.com/office/drawing/2014/main" id="{398B03A4-C9AA-CE69-68B3-9979C5B7F455}"/>
               </a:ext>
             </a:extLst>
           </p:cNvPr>
@@ -6232,7 +8466,7 @@
         </p:blipFill>
         <p:spPr>
           <a:xfrm>
-            <a:off x="0" y="0"/>
+            <a:off x="0" y="279132"/>
             <a:ext cx="12192000" cy="6858000"/>
           </a:xfrm>
           <a:prstGeom prst="rect">
@@ -6240,39 +8474,10 @@
           </a:prstGeom>
         </p:spPr>
       </p:pic>
-      <p:sp>
-        <p:nvSpPr>
-          <p:cNvPr id="2" name="Titel 1">
-            <a:extLst>
-              <a:ext uri="{FF2B5EF4-FFF2-40B4-BE49-F238E27FC236}">
-                <a16:creationId xmlns:a16="http://schemas.microsoft.com/office/drawing/2014/main" id="{00446344-DFBA-3182-F9D8-5FBD569385B1}"/>
-              </a:ext>
-            </a:extLst>
-          </p:cNvPr>
-          <p:cNvSpPr>
-            <a:spLocks noGrp="1"/>
-          </p:cNvSpPr>
-          <p:nvPr>
-            <p:ph type="title"/>
-          </p:nvPr>
-        </p:nvSpPr>
-        <p:spPr/>
-        <p:txBody>
-          <a:bodyPr/>
-          <a:lstStyle/>
-          <a:p>
-            <a:r>
-              <a:rPr lang="en-US" dirty="0"/>
-              <a:t>Fuzzy Matching</a:t>
-            </a:r>
-            <a:endParaRPr lang="de-DE" dirty="0"/>
-          </a:p>
-        </p:txBody>
-      </p:sp>
     </p:spTree>
     <p:extLst>
       <p:ext uri="{BB962C8B-B14F-4D97-AF65-F5344CB8AC3E}">
-        <p14:creationId xmlns:p14="http://schemas.microsoft.com/office/powerpoint/2010/main" val="3886904664"/>
+        <p14:creationId xmlns:p14="http://schemas.microsoft.com/office/powerpoint/2010/main" val="2098366211"/>
       </p:ext>
     </p:extLst>
   </p:cSld>
@@ -6299,43 +8504,74 @@
           <a:chExt cx="0" cy="0"/>
         </a:xfrm>
       </p:grpSpPr>
-      <p:sp>
-        <p:nvSpPr>
-          <p:cNvPr id="3" name="Inhaltsplatzhalter 2">
+      <p:pic>
+        <p:nvPicPr>
+          <p:cNvPr id="7" name="Grafik 6">
             <a:extLst>
               <a:ext uri="{FF2B5EF4-FFF2-40B4-BE49-F238E27FC236}">
-                <a16:creationId xmlns:a16="http://schemas.microsoft.com/office/drawing/2014/main" id="{1032E094-3BB2-DDC1-28CB-45489783C997}"/>
+                <a16:creationId xmlns:a16="http://schemas.microsoft.com/office/drawing/2014/main" id="{DF43E329-B3CF-8714-C031-7A7A66B4A63C}"/>
               </a:ext>
             </a:extLst>
           </p:cNvPr>
-          <p:cNvSpPr>
-            <a:spLocks noGrp="1"/>
-          </p:cNvSpPr>
-          <p:nvPr>
-            <p:ph idx="1"/>
-          </p:nvPr>
-        </p:nvSpPr>
-        <p:spPr/>
-        <p:txBody>
-          <a:bodyPr>
-            <a:normAutofit/>
-          </a:bodyPr>
-          <a:lstStyle/>
-          <a:p>
-            <a:pPr marL="0" indent="0" algn="ctr">
-              <a:buNone/>
-            </a:pPr>
+          <p:cNvPicPr>
+            <a:picLocks noChangeAspect="1"/>
+          </p:cNvPicPr>
+          <p:nvPr/>
+        </p:nvPicPr>
+        <p:blipFill>
+          <a:blip r:embed="rId3">
+            <a:extLst>
+              <a:ext uri="{28A0092B-C50C-407E-A947-70E740481C1C}">
+                <a14:useLocalDpi xmlns:a14="http://schemas.microsoft.com/office/drawing/2010/main" val="0"/>
+              </a:ext>
+            </a:extLst>
+          </a:blip>
+          <a:srcRect/>
+          <a:stretch/>
+        </p:blipFill>
+        <p:spPr>
+          <a:xfrm>
+            <a:off x="0" y="0"/>
+            <a:ext cx="12192000" cy="6858000"/>
+          </a:xfrm>
+          <a:prstGeom prst="rect">
+            <a:avLst/>
+          </a:prstGeom>
+        </p:spPr>
+      </p:pic>
+      <p:sp>
+        <p:nvSpPr>
+          <p:cNvPr id="2" name="Titel 1">
+            <a:extLst>
+              <a:ext uri="{FF2B5EF4-FFF2-40B4-BE49-F238E27FC236}">
+                <a16:creationId xmlns:a16="http://schemas.microsoft.com/office/drawing/2014/main" id="{00446344-DFBA-3182-F9D8-5FBD569385B1}"/>
+              </a:ext>
+            </a:extLst>
+          </p:cNvPr>
+          <p:cNvSpPr>
+            <a:spLocks noGrp="1"/>
+          </p:cNvSpPr>
+          <p:nvPr>
+            <p:ph type="title"/>
+          </p:nvPr>
+        </p:nvSpPr>
+        <p:spPr/>
+        <p:txBody>
+          <a:bodyPr/>
+          <a:lstStyle/>
+          <a:p>
             <a:r>
               <a:rPr lang="en-US" dirty="0"/>
-              <a:t>[VRED Shading Demo]</a:t>
-            </a:r>
+              <a:t>Fuzzy Matching</a:t>
+            </a:r>
+            <a:endParaRPr lang="de-DE" dirty="0"/>
           </a:p>
         </p:txBody>
       </p:sp>
     </p:spTree>
     <p:extLst>
       <p:ext uri="{BB962C8B-B14F-4D97-AF65-F5344CB8AC3E}">
-        <p14:creationId xmlns:p14="http://schemas.microsoft.com/office/powerpoint/2010/main" val="1689005348"/>
+        <p14:creationId xmlns:p14="http://schemas.microsoft.com/office/powerpoint/2010/main" val="1409251762"/>
       </p:ext>
     </p:extLst>
   </p:cSld>
@@ -6367,6 +8603,163 @@
           <p:cNvPr id="7" name="Grafik 6">
             <a:extLst>
               <a:ext uri="{FF2B5EF4-FFF2-40B4-BE49-F238E27FC236}">
+                <a16:creationId xmlns:a16="http://schemas.microsoft.com/office/drawing/2014/main" id="{DF43E329-B3CF-8714-C031-7A7A66B4A63C}"/>
+              </a:ext>
+            </a:extLst>
+          </p:cNvPr>
+          <p:cNvPicPr>
+            <a:picLocks noChangeAspect="1"/>
+          </p:cNvPicPr>
+          <p:nvPr/>
+        </p:nvPicPr>
+        <p:blipFill>
+          <a:blip r:embed="rId3">
+            <a:extLst>
+              <a:ext uri="{28A0092B-C50C-407E-A947-70E740481C1C}">
+                <a14:useLocalDpi xmlns:a14="http://schemas.microsoft.com/office/drawing/2010/main" val="0"/>
+              </a:ext>
+            </a:extLst>
+          </a:blip>
+          <a:srcRect/>
+          <a:stretch/>
+        </p:blipFill>
+        <p:spPr>
+          <a:xfrm>
+            <a:off x="0" y="0"/>
+            <a:ext cx="12192000" cy="6858000"/>
+          </a:xfrm>
+          <a:prstGeom prst="rect">
+            <a:avLst/>
+          </a:prstGeom>
+        </p:spPr>
+      </p:pic>
+      <p:sp>
+        <p:nvSpPr>
+          <p:cNvPr id="2" name="Titel 1">
+            <a:extLst>
+              <a:ext uri="{FF2B5EF4-FFF2-40B4-BE49-F238E27FC236}">
+                <a16:creationId xmlns:a16="http://schemas.microsoft.com/office/drawing/2014/main" id="{00446344-DFBA-3182-F9D8-5FBD569385B1}"/>
+              </a:ext>
+            </a:extLst>
+          </p:cNvPr>
+          <p:cNvSpPr>
+            <a:spLocks noGrp="1"/>
+          </p:cNvSpPr>
+          <p:nvPr>
+            <p:ph type="title"/>
+          </p:nvPr>
+        </p:nvSpPr>
+        <p:spPr/>
+        <p:txBody>
+          <a:bodyPr/>
+          <a:lstStyle/>
+          <a:p>
+            <a:r>
+              <a:rPr lang="en-US" dirty="0"/>
+              <a:t>Fuzzy Matching</a:t>
+            </a:r>
+            <a:endParaRPr lang="de-DE" dirty="0"/>
+          </a:p>
+        </p:txBody>
+      </p:sp>
+    </p:spTree>
+    <p:extLst>
+      <p:ext uri="{BB962C8B-B14F-4D97-AF65-F5344CB8AC3E}">
+        <p14:creationId xmlns:p14="http://schemas.microsoft.com/office/powerpoint/2010/main" val="3886904664"/>
+      </p:ext>
+    </p:extLst>
+  </p:cSld>
+  <p:clrMapOvr>
+    <a:masterClrMapping/>
+  </p:clrMapOvr>
+</p:sld>
+</file>
+
+<file path=ppt/slides/slide17.xml><?xml version="1.0" encoding="utf-8"?>
+<p:sld xmlns:a="http://schemas.openxmlformats.org/drawingml/2006/main" xmlns:r="http://schemas.openxmlformats.org/officeDocument/2006/relationships" xmlns:p="http://schemas.openxmlformats.org/presentationml/2006/main">
+  <p:cSld>
+    <p:spTree>
+      <p:nvGrpSpPr>
+        <p:cNvPr id="1" name=""/>
+        <p:cNvGrpSpPr/>
+        <p:nvPr/>
+      </p:nvGrpSpPr>
+      <p:grpSpPr>
+        <a:xfrm>
+          <a:off x="0" y="0"/>
+          <a:ext cx="0" cy="0"/>
+          <a:chOff x="0" y="0"/>
+          <a:chExt cx="0" cy="0"/>
+        </a:xfrm>
+      </p:grpSpPr>
+      <p:sp>
+        <p:nvSpPr>
+          <p:cNvPr id="3" name="Inhaltsplatzhalter 2">
+            <a:extLst>
+              <a:ext uri="{FF2B5EF4-FFF2-40B4-BE49-F238E27FC236}">
+                <a16:creationId xmlns:a16="http://schemas.microsoft.com/office/drawing/2014/main" id="{1032E094-3BB2-DDC1-28CB-45489783C997}"/>
+              </a:ext>
+            </a:extLst>
+          </p:cNvPr>
+          <p:cNvSpPr>
+            <a:spLocks noGrp="1"/>
+          </p:cNvSpPr>
+          <p:nvPr>
+            <p:ph idx="1"/>
+          </p:nvPr>
+        </p:nvSpPr>
+        <p:spPr/>
+        <p:txBody>
+          <a:bodyPr>
+            <a:normAutofit/>
+          </a:bodyPr>
+          <a:lstStyle/>
+          <a:p>
+            <a:pPr marL="0" indent="0" algn="ctr">
+              <a:buNone/>
+            </a:pPr>
+            <a:r>
+              <a:rPr lang="en-US" dirty="0"/>
+              <a:t>[VRED Shading Demo]</a:t>
+            </a:r>
+          </a:p>
+        </p:txBody>
+      </p:sp>
+    </p:spTree>
+    <p:extLst>
+      <p:ext uri="{BB962C8B-B14F-4D97-AF65-F5344CB8AC3E}">
+        <p14:creationId xmlns:p14="http://schemas.microsoft.com/office/powerpoint/2010/main" val="1689005348"/>
+      </p:ext>
+    </p:extLst>
+  </p:cSld>
+  <p:clrMapOvr>
+    <a:masterClrMapping/>
+  </p:clrMapOvr>
+</p:sld>
+</file>
+
+<file path=ppt/slides/slide18.xml><?xml version="1.0" encoding="utf-8"?>
+<p:sld xmlns:a="http://schemas.openxmlformats.org/drawingml/2006/main" xmlns:r="http://schemas.openxmlformats.org/officeDocument/2006/relationships" xmlns:p="http://schemas.openxmlformats.org/presentationml/2006/main">
+  <p:cSld>
+    <p:spTree>
+      <p:nvGrpSpPr>
+        <p:cNvPr id="1" name=""/>
+        <p:cNvGrpSpPr/>
+        <p:nvPr/>
+      </p:nvGrpSpPr>
+      <p:grpSpPr>
+        <a:xfrm>
+          <a:off x="0" y="0"/>
+          <a:ext cx="0" cy="0"/>
+          <a:chOff x="0" y="0"/>
+          <a:chExt cx="0" cy="0"/>
+        </a:xfrm>
+      </p:grpSpPr>
+      <p:pic>
+        <p:nvPicPr>
+          <p:cNvPr id="7" name="Grafik 6">
+            <a:extLst>
+              <a:ext uri="{FF2B5EF4-FFF2-40B4-BE49-F238E27FC236}">
                 <a16:creationId xmlns:a16="http://schemas.microsoft.com/office/drawing/2014/main" id="{1CD1472A-54A5-5D77-0FA9-78196C94D592}"/>
               </a:ext>
             </a:extLst>
@@ -6398,44 +8791,73 @@
           </a:prstGeom>
         </p:spPr>
       </p:pic>
-      <p:sp>
-        <p:nvSpPr>
-          <p:cNvPr id="2" name="Titel 1">
-            <a:extLst>
-              <a:ext uri="{FF2B5EF4-FFF2-40B4-BE49-F238E27FC236}">
-                <a16:creationId xmlns:a16="http://schemas.microsoft.com/office/drawing/2014/main" id="{00446344-DFBA-3182-F9D8-5FBD569385B1}"/>
-              </a:ext>
-            </a:extLst>
-          </p:cNvPr>
-          <p:cNvSpPr>
-            <a:spLocks noGrp="1"/>
-          </p:cNvSpPr>
-          <p:nvPr>
-            <p:ph type="title"/>
-          </p:nvPr>
-        </p:nvSpPr>
-        <p:spPr>
-          <a:xfrm>
-            <a:off x="0" y="0"/>
-            <a:ext cx="10515600" cy="1325563"/>
-          </a:xfrm>
-        </p:spPr>
-        <p:txBody>
-          <a:bodyPr/>
-          <a:lstStyle/>
-          <a:p>
-            <a:r>
-              <a:rPr lang="en-US" dirty="0"/>
-              <a:t>Automate Everything</a:t>
-            </a:r>
-            <a:endParaRPr lang="de-DE" dirty="0"/>
-          </a:p>
-        </p:txBody>
-      </p:sp>
     </p:spTree>
     <p:extLst>
       <p:ext uri="{BB962C8B-B14F-4D97-AF65-F5344CB8AC3E}">
         <p14:creationId xmlns:p14="http://schemas.microsoft.com/office/powerpoint/2010/main" val="4208763815"/>
+      </p:ext>
+    </p:extLst>
+  </p:cSld>
+  <p:clrMapOvr>
+    <a:masterClrMapping/>
+  </p:clrMapOvr>
+</p:sld>
+</file>
+
+<file path=ppt/slides/slide19.xml><?xml version="1.0" encoding="utf-8"?>
+<p:sld xmlns:a="http://schemas.openxmlformats.org/drawingml/2006/main" xmlns:r="http://schemas.openxmlformats.org/officeDocument/2006/relationships" xmlns:p="http://schemas.openxmlformats.org/presentationml/2006/main">
+  <p:cSld>
+    <p:spTree>
+      <p:nvGrpSpPr>
+        <p:cNvPr id="1" name=""/>
+        <p:cNvGrpSpPr/>
+        <p:nvPr/>
+      </p:nvGrpSpPr>
+      <p:grpSpPr>
+        <a:xfrm>
+          <a:off x="0" y="0"/>
+          <a:ext cx="0" cy="0"/>
+          <a:chOff x="0" y="0"/>
+          <a:chExt cx="0" cy="0"/>
+        </a:xfrm>
+      </p:grpSpPr>
+      <p:sp>
+        <p:nvSpPr>
+          <p:cNvPr id="3" name="Inhaltsplatzhalter 2">
+            <a:extLst>
+              <a:ext uri="{FF2B5EF4-FFF2-40B4-BE49-F238E27FC236}">
+                <a16:creationId xmlns:a16="http://schemas.microsoft.com/office/drawing/2014/main" id="{1032E094-3BB2-DDC1-28CB-45489783C997}"/>
+              </a:ext>
+            </a:extLst>
+          </p:cNvPr>
+          <p:cNvSpPr>
+            <a:spLocks noGrp="1"/>
+          </p:cNvSpPr>
+          <p:nvPr>
+            <p:ph idx="1"/>
+          </p:nvPr>
+        </p:nvSpPr>
+        <p:spPr/>
+        <p:txBody>
+          <a:bodyPr>
+            <a:normAutofit/>
+          </a:bodyPr>
+          <a:lstStyle/>
+          <a:p>
+            <a:pPr marL="0" indent="0" algn="ctr">
+              <a:buNone/>
+            </a:pPr>
+            <a:r>
+              <a:rPr lang="en-US" dirty="0"/>
+              <a:t>Backup</a:t>
+            </a:r>
+          </a:p>
+        </p:txBody>
+      </p:sp>
+    </p:spTree>
+    <p:extLst>
+      <p:ext uri="{BB962C8B-B14F-4D97-AF65-F5344CB8AC3E}">
+        <p14:creationId xmlns:p14="http://schemas.microsoft.com/office/powerpoint/2010/main" val="3409822455"/>
       </p:ext>
     </p:extLst>
   </p:cSld>
@@ -6560,6 +8982,71 @@
 </p:sld>
 </file>
 
+<file path=ppt/slides/slide20.xml><?xml version="1.0" encoding="utf-8"?>
+<p:sld xmlns:a="http://schemas.openxmlformats.org/drawingml/2006/main" xmlns:r="http://schemas.openxmlformats.org/officeDocument/2006/relationships" xmlns:p="http://schemas.openxmlformats.org/presentationml/2006/main">
+  <p:cSld>
+    <p:spTree>
+      <p:nvGrpSpPr>
+        <p:cNvPr id="1" name=""/>
+        <p:cNvGrpSpPr/>
+        <p:nvPr/>
+      </p:nvGrpSpPr>
+      <p:grpSpPr>
+        <a:xfrm>
+          <a:off x="0" y="0"/>
+          <a:ext cx="0" cy="0"/>
+          <a:chOff x="0" y="0"/>
+          <a:chExt cx="0" cy="0"/>
+        </a:xfrm>
+      </p:grpSpPr>
+      <p:pic>
+        <p:nvPicPr>
+          <p:cNvPr id="4" name="Grafik 3">
+            <a:extLst>
+              <a:ext uri="{FF2B5EF4-FFF2-40B4-BE49-F238E27FC236}">
+                <a16:creationId xmlns:a16="http://schemas.microsoft.com/office/drawing/2014/main" id="{5C6A53A0-30E5-513D-3F7A-6FE2F895C22F}"/>
+              </a:ext>
+            </a:extLst>
+          </p:cNvPr>
+          <p:cNvPicPr>
+            <a:picLocks noChangeAspect="1"/>
+          </p:cNvPicPr>
+          <p:nvPr/>
+        </p:nvPicPr>
+        <p:blipFill>
+          <a:blip r:embed="rId3">
+            <a:extLst>
+              <a:ext uri="{28A0092B-C50C-407E-A947-70E740481C1C}">
+                <a14:useLocalDpi xmlns:a14="http://schemas.microsoft.com/office/drawing/2010/main" val="0"/>
+              </a:ext>
+            </a:extLst>
+          </a:blip>
+          <a:srcRect/>
+          <a:stretch/>
+        </p:blipFill>
+        <p:spPr>
+          <a:xfrm>
+            <a:off x="1219200" y="782053"/>
+            <a:ext cx="9753600" cy="5486400"/>
+          </a:xfrm>
+          <a:prstGeom prst="rect">
+            <a:avLst/>
+          </a:prstGeom>
+        </p:spPr>
+      </p:pic>
+    </p:spTree>
+    <p:extLst>
+      <p:ext uri="{BB962C8B-B14F-4D97-AF65-F5344CB8AC3E}">
+        <p14:creationId xmlns:p14="http://schemas.microsoft.com/office/powerpoint/2010/main" val="3687359072"/>
+      </p:ext>
+    </p:extLst>
+  </p:cSld>
+  <p:clrMapOvr>
+    <a:masterClrMapping/>
+  </p:clrMapOvr>
+</p:sld>
+</file>
+
 <file path=ppt/slides/slide3.xml><?xml version="1.0" encoding="utf-8"?>
 <p:sld xmlns:a="http://schemas.openxmlformats.org/drawingml/2006/main" xmlns:r="http://schemas.openxmlformats.org/officeDocument/2006/relationships" xmlns:p="http://schemas.openxmlformats.org/presentationml/2006/main">
   <p:cSld>
@@ -6579,6 +9066,95 @@
       </p:grpSpPr>
       <p:sp>
         <p:nvSpPr>
+          <p:cNvPr id="2" name="Titel 1">
+            <a:extLst>
+              <a:ext uri="{FF2B5EF4-FFF2-40B4-BE49-F238E27FC236}">
+                <a16:creationId xmlns:a16="http://schemas.microsoft.com/office/drawing/2014/main" id="{00446344-DFBA-3182-F9D8-5FBD569385B1}"/>
+              </a:ext>
+            </a:extLst>
+          </p:cNvPr>
+          <p:cNvSpPr>
+            <a:spLocks noGrp="1"/>
+          </p:cNvSpPr>
+          <p:nvPr>
+            <p:ph type="title"/>
+          </p:nvPr>
+        </p:nvSpPr>
+        <p:spPr/>
+        <p:txBody>
+          <a:bodyPr/>
+          <a:lstStyle/>
+          <a:p>
+            <a:r>
+              <a:rPr lang="de-DE" dirty="0"/>
+              <a:t>Ideenkultivierung GmbH</a:t>
+            </a:r>
+          </a:p>
+        </p:txBody>
+      </p:sp>
+      <p:sp>
+        <p:nvSpPr>
+          <p:cNvPr id="3" name="Inhaltsplatzhalter 2">
+            <a:extLst>
+              <a:ext uri="{FF2B5EF4-FFF2-40B4-BE49-F238E27FC236}">
+                <a16:creationId xmlns:a16="http://schemas.microsoft.com/office/drawing/2014/main" id="{1032E094-3BB2-DDC1-28CB-45489783C997}"/>
+              </a:ext>
+            </a:extLst>
+          </p:cNvPr>
+          <p:cNvSpPr>
+            <a:spLocks noGrp="1"/>
+          </p:cNvSpPr>
+          <p:nvPr>
+            <p:ph idx="1"/>
+          </p:nvPr>
+        </p:nvSpPr>
+        <p:spPr/>
+        <p:txBody>
+          <a:bodyPr/>
+          <a:lstStyle/>
+          <a:p>
+            <a:pPr marL="0" indent="0">
+              <a:buNone/>
+            </a:pPr>
+            <a:r>
+              <a:rPr lang="de-DE" dirty="0"/>
+              <a:t>[Screenshots von Website]</a:t>
+            </a:r>
+          </a:p>
+        </p:txBody>
+      </p:sp>
+    </p:spTree>
+    <p:extLst>
+      <p:ext uri="{BB962C8B-B14F-4D97-AF65-F5344CB8AC3E}">
+        <p14:creationId xmlns:p14="http://schemas.microsoft.com/office/powerpoint/2010/main" val="3003307900"/>
+      </p:ext>
+    </p:extLst>
+  </p:cSld>
+  <p:clrMapOvr>
+    <a:masterClrMapping/>
+  </p:clrMapOvr>
+</p:sld>
+</file>
+
+<file path=ppt/slides/slide4.xml><?xml version="1.0" encoding="utf-8"?>
+<p:sld xmlns:a="http://schemas.openxmlformats.org/drawingml/2006/main" xmlns:r="http://schemas.openxmlformats.org/officeDocument/2006/relationships" xmlns:p="http://schemas.openxmlformats.org/presentationml/2006/main">
+  <p:cSld>
+    <p:spTree>
+      <p:nvGrpSpPr>
+        <p:cNvPr id="1" name=""/>
+        <p:cNvGrpSpPr/>
+        <p:nvPr/>
+      </p:nvGrpSpPr>
+      <p:grpSpPr>
+        <a:xfrm>
+          <a:off x="0" y="0"/>
+          <a:ext cx="0" cy="0"/>
+          <a:chOff x="0" y="0"/>
+          <a:chExt cx="0" cy="0"/>
+        </a:xfrm>
+      </p:grpSpPr>
+      <p:sp>
+        <p:nvSpPr>
           <p:cNvPr id="3" name="Inhaltsplatzhalter 2">
             <a:extLst>
               <a:ext uri="{FF2B5EF4-FFF2-40B4-BE49-F238E27FC236}">
@@ -6623,7 +9199,7 @@
 </p:sld>
 </file>
 
-<file path=ppt/slides/slide4.xml><?xml version="1.0" encoding="utf-8"?>
+<file path=ppt/slides/slide5.xml><?xml version="1.0" encoding="utf-8"?>
 <p:sld xmlns:a="http://schemas.openxmlformats.org/drawingml/2006/main" xmlns:r="http://schemas.openxmlformats.org/officeDocument/2006/relationships" xmlns:p="http://schemas.openxmlformats.org/presentationml/2006/main">
   <p:cSld>
     <p:spTree>
@@ -6734,147 +9310,6 @@
 </p:sld>
 </file>
 
-<file path=ppt/slides/slide5.xml><?xml version="1.0" encoding="utf-8"?>
-<p:sld xmlns:a="http://schemas.openxmlformats.org/drawingml/2006/main" xmlns:r="http://schemas.openxmlformats.org/officeDocument/2006/relationships" xmlns:p="http://schemas.openxmlformats.org/presentationml/2006/main">
-  <p:cSld>
-    <p:spTree>
-      <p:nvGrpSpPr>
-        <p:cNvPr id="1" name=""/>
-        <p:cNvGrpSpPr/>
-        <p:nvPr/>
-      </p:nvGrpSpPr>
-      <p:grpSpPr>
-        <a:xfrm>
-          <a:off x="0" y="0"/>
-          <a:ext cx="0" cy="0"/>
-          <a:chOff x="0" y="0"/>
-          <a:chExt cx="0" cy="0"/>
-        </a:xfrm>
-      </p:grpSpPr>
-      <p:sp>
-        <p:nvSpPr>
-          <p:cNvPr id="2" name="Titel 1">
-            <a:extLst>
-              <a:ext uri="{FF2B5EF4-FFF2-40B4-BE49-F238E27FC236}">
-                <a16:creationId xmlns:a16="http://schemas.microsoft.com/office/drawing/2014/main" id="{00446344-DFBA-3182-F9D8-5FBD569385B1}"/>
-              </a:ext>
-            </a:extLst>
-          </p:cNvPr>
-          <p:cNvSpPr>
-            <a:spLocks noGrp="1"/>
-          </p:cNvSpPr>
-          <p:nvPr>
-            <p:ph type="title"/>
-          </p:nvPr>
-        </p:nvSpPr>
-        <p:spPr/>
-        <p:txBody>
-          <a:bodyPr/>
-          <a:lstStyle/>
-          <a:p>
-            <a:r>
-              <a:rPr lang="de-DE" dirty="0" err="1"/>
-              <a:t>Implementing</a:t>
-            </a:r>
-            <a:r>
-              <a:rPr lang="de-DE" dirty="0"/>
-              <a:t> </a:t>
-            </a:r>
-            <a:r>
-              <a:rPr lang="de-DE" dirty="0" err="1"/>
-              <a:t>Shaderpipelines</a:t>
-            </a:r>
-            <a:r>
-              <a:rPr lang="de-DE" dirty="0"/>
-              <a:t> in VRED</a:t>
-            </a:r>
-          </a:p>
-        </p:txBody>
-      </p:sp>
-      <p:sp>
-        <p:nvSpPr>
-          <p:cNvPr id="3" name="Inhaltsplatzhalter 2">
-            <a:extLst>
-              <a:ext uri="{FF2B5EF4-FFF2-40B4-BE49-F238E27FC236}">
-                <a16:creationId xmlns:a16="http://schemas.microsoft.com/office/drawing/2014/main" id="{1032E094-3BB2-DDC1-28CB-45489783C997}"/>
-              </a:ext>
-            </a:extLst>
-          </p:cNvPr>
-          <p:cNvSpPr>
-            <a:spLocks noGrp="1"/>
-          </p:cNvSpPr>
-          <p:nvPr>
-            <p:ph idx="1"/>
-          </p:nvPr>
-        </p:nvSpPr>
-        <p:spPr/>
-        <p:txBody>
-          <a:bodyPr/>
-          <a:lstStyle/>
-          <a:p>
-            <a:pPr>
-              <a:buFontTx/>
-              <a:buChar char="-"/>
-            </a:pPr>
-            <a:r>
-              <a:rPr lang="en-US" dirty="0"/>
-              <a:t>Use an automated </a:t>
-            </a:r>
-            <a:r>
-              <a:rPr lang="en-US" dirty="0" err="1"/>
-              <a:t>shaderpipeline</a:t>
-            </a:r>
-            <a:r>
-              <a:rPr lang="en-US" dirty="0"/>
-              <a:t> in VRED to do the time consuming work</a:t>
-            </a:r>
-          </a:p>
-          <a:p>
-            <a:pPr>
-              <a:buFontTx/>
-              <a:buChar char="-"/>
-            </a:pPr>
-            <a:r>
-              <a:rPr lang="en-US" dirty="0"/>
-              <a:t>Automatically apply materials by using material libraries</a:t>
-            </a:r>
-          </a:p>
-          <a:p>
-            <a:pPr>
-              <a:buFontTx/>
-              <a:buChar char="-"/>
-            </a:pPr>
-            <a:r>
-              <a:rPr lang="en-US" dirty="0"/>
-              <a:t>Use color coded base-materials or material names to shade the model</a:t>
-            </a:r>
-          </a:p>
-          <a:p>
-            <a:pPr>
-              <a:buFontTx/>
-              <a:buChar char="-"/>
-            </a:pPr>
-            <a:r>
-              <a:rPr lang="en-US" dirty="0"/>
-              <a:t>Use fuzzy matching to shade even faster</a:t>
-            </a:r>
-            <a:endParaRPr lang="de-DE" dirty="0"/>
-          </a:p>
-        </p:txBody>
-      </p:sp>
-    </p:spTree>
-    <p:extLst>
-      <p:ext uri="{BB962C8B-B14F-4D97-AF65-F5344CB8AC3E}">
-        <p14:creationId xmlns:p14="http://schemas.microsoft.com/office/powerpoint/2010/main" val="2030011246"/>
-      </p:ext>
-    </p:extLst>
-  </p:cSld>
-  <p:clrMapOvr>
-    <a:masterClrMapping/>
-  </p:clrMapOvr>
-</p:sld>
-</file>
-
 <file path=ppt/slides/slide6.xml><?xml version="1.0" encoding="utf-8"?>
 <p:sld xmlns:a="http://schemas.openxmlformats.org/drawingml/2006/main" xmlns:r="http://schemas.openxmlformats.org/officeDocument/2006/relationships" xmlns:p="http://schemas.openxmlformats.org/presentationml/2006/main">
   <p:cSld>
@@ -6892,42 +9327,6 @@
           <a:chExt cx="0" cy="0"/>
         </a:xfrm>
       </p:grpSpPr>
-      <p:pic>
-        <p:nvPicPr>
-          <p:cNvPr id="7" name="Grafik 6">
-            <a:extLst>
-              <a:ext uri="{FF2B5EF4-FFF2-40B4-BE49-F238E27FC236}">
-                <a16:creationId xmlns:a16="http://schemas.microsoft.com/office/drawing/2014/main" id="{187D0F99-A79C-BABF-D809-86EBEE316426}"/>
-              </a:ext>
-            </a:extLst>
-          </p:cNvPr>
-          <p:cNvPicPr>
-            <a:picLocks noChangeAspect="1"/>
-          </p:cNvPicPr>
-          <p:nvPr/>
-        </p:nvPicPr>
-        <p:blipFill>
-          <a:blip r:embed="rId3">
-            <a:extLst>
-              <a:ext uri="{28A0092B-C50C-407E-A947-70E740481C1C}">
-                <a14:useLocalDpi xmlns:a14="http://schemas.microsoft.com/office/drawing/2010/main" val="0"/>
-              </a:ext>
-            </a:extLst>
-          </a:blip>
-          <a:stretch>
-            <a:fillRect/>
-          </a:stretch>
-        </p:blipFill>
-        <p:spPr>
-          <a:xfrm>
-            <a:off x="1219200" y="1121975"/>
-            <a:ext cx="9753600" cy="5486400"/>
-          </a:xfrm>
-          <a:prstGeom prst="rect">
-            <a:avLst/>
-          </a:prstGeom>
-        </p:spPr>
-      </p:pic>
       <p:sp>
         <p:nvSpPr>
           <p:cNvPr id="2" name="Titel 1">
@@ -6944,23 +9343,96 @@
             <p:ph type="title"/>
           </p:nvPr>
         </p:nvSpPr>
-        <p:spPr>
-          <a:xfrm>
-            <a:off x="0" y="0"/>
-            <a:ext cx="10515600" cy="1325563"/>
-          </a:xfrm>
-        </p:spPr>
+        <p:spPr/>
         <p:txBody>
           <a:bodyPr/>
           <a:lstStyle/>
           <a:p>
             <a:r>
-              <a:rPr lang="de-DE" dirty="0"/>
-              <a:t>Project </a:t>
-            </a:r>
-            <a:r>
-              <a:rPr lang="de-DE" dirty="0" err="1"/>
-              <a:t>Overview</a:t>
+              <a:rPr lang="de-DE" dirty="0" err="1"/>
+              <a:t>Implementing</a:t>
+            </a:r>
+            <a:r>
+              <a:rPr lang="de-DE" dirty="0"/>
+              <a:t> </a:t>
+            </a:r>
+            <a:r>
+              <a:rPr lang="de-DE" dirty="0" err="1"/>
+              <a:t>Shaderpipelines</a:t>
+            </a:r>
+            <a:r>
+              <a:rPr lang="de-DE" dirty="0"/>
+              <a:t> in VRED</a:t>
+            </a:r>
+          </a:p>
+        </p:txBody>
+      </p:sp>
+      <p:sp>
+        <p:nvSpPr>
+          <p:cNvPr id="3" name="Inhaltsplatzhalter 2">
+            <a:extLst>
+              <a:ext uri="{FF2B5EF4-FFF2-40B4-BE49-F238E27FC236}">
+                <a16:creationId xmlns:a16="http://schemas.microsoft.com/office/drawing/2014/main" id="{1032E094-3BB2-DDC1-28CB-45489783C997}"/>
+              </a:ext>
+            </a:extLst>
+          </p:cNvPr>
+          <p:cNvSpPr>
+            <a:spLocks noGrp="1"/>
+          </p:cNvSpPr>
+          <p:nvPr>
+            <p:ph idx="1"/>
+          </p:nvPr>
+        </p:nvSpPr>
+        <p:spPr/>
+        <p:txBody>
+          <a:bodyPr/>
+          <a:lstStyle/>
+          <a:p>
+            <a:pPr>
+              <a:buFontTx/>
+              <a:buChar char="-"/>
+            </a:pPr>
+            <a:r>
+              <a:rPr lang="en-US" dirty="0"/>
+              <a:t>Use an automated </a:t>
+            </a:r>
+            <a:r>
+              <a:rPr lang="en-US" dirty="0" err="1"/>
+              <a:t>shaderpipeline</a:t>
+            </a:r>
+            <a:r>
+              <a:rPr lang="en-US" dirty="0"/>
+              <a:t> in VRED to do the time consuming work</a:t>
+            </a:r>
+          </a:p>
+          <a:p>
+            <a:pPr>
+              <a:buFontTx/>
+              <a:buChar char="-"/>
+            </a:pPr>
+            <a:r>
+              <a:rPr lang="en-US" dirty="0"/>
+              <a:t>Automatically apply materials by using material libraries</a:t>
+            </a:r>
+          </a:p>
+          <a:p>
+            <a:pPr>
+              <a:buFontTx/>
+              <a:buChar char="-"/>
+            </a:pPr>
+            <a:r>
+              <a:rPr lang="en-US" dirty="0"/>
+              <a:t>Use color coded base-materials or material names to shade the model</a:t>
+            </a:r>
+          </a:p>
+          <a:p>
+            <a:pPr>
+              <a:buFontTx/>
+              <a:buChar char="-"/>
+            </a:pPr>
+            <a:r>
+              <a:rPr lang="en-US" dirty="0"/>
+              <a:t>Use fuzzy matching to shade even faster</a:t>
             </a:r>
             <a:endParaRPr lang="de-DE" dirty="0"/>
           </a:p>
@@ -6969,7 +9441,7 @@
     </p:spTree>
     <p:extLst>
       <p:ext uri="{BB962C8B-B14F-4D97-AF65-F5344CB8AC3E}">
-        <p14:creationId xmlns:p14="http://schemas.microsoft.com/office/powerpoint/2010/main" val="4125575182"/>
+        <p14:creationId xmlns:p14="http://schemas.microsoft.com/office/powerpoint/2010/main" val="2030011246"/>
       </p:ext>
     </p:extLst>
   </p:cSld>
@@ -7018,9 +9490,8 @@
               </a:ext>
             </a:extLst>
           </a:blip>
-          <a:stretch>
-            <a:fillRect/>
-          </a:stretch>
+          <a:srcRect/>
+          <a:stretch/>
         </p:blipFill>
         <p:spPr>
           <a:xfrm>
@@ -7070,45 +9541,10 @@
           </a:p>
         </p:txBody>
       </p:sp>
-      <p:pic>
-        <p:nvPicPr>
-          <p:cNvPr id="4" name="Grafik 3">
-            <a:extLst>
-              <a:ext uri="{FF2B5EF4-FFF2-40B4-BE49-F238E27FC236}">
-                <a16:creationId xmlns:a16="http://schemas.microsoft.com/office/drawing/2014/main" id="{5C6A53A0-30E5-513D-3F7A-6FE2F895C22F}"/>
-              </a:ext>
-            </a:extLst>
-          </p:cNvPr>
-          <p:cNvPicPr>
-            <a:picLocks noChangeAspect="1"/>
-          </p:cNvPicPr>
-          <p:nvPr/>
-        </p:nvPicPr>
-        <p:blipFill>
-          <a:blip r:embed="rId4">
-            <a:extLst>
-              <a:ext uri="{28A0092B-C50C-407E-A947-70E740481C1C}">
-                <a14:useLocalDpi xmlns:a14="http://schemas.microsoft.com/office/drawing/2010/main" val="0"/>
-              </a:ext>
-            </a:extLst>
-          </a:blip>
-          <a:srcRect/>
-          <a:stretch/>
-        </p:blipFill>
-        <p:spPr>
-          <a:xfrm>
-            <a:off x="1219200" y="1124845"/>
-            <a:ext cx="9753600" cy="5486400"/>
-          </a:xfrm>
-          <a:prstGeom prst="rect">
-            <a:avLst/>
-          </a:prstGeom>
-        </p:spPr>
-      </p:pic>
     </p:spTree>
     <p:extLst>
       <p:ext uri="{BB962C8B-B14F-4D97-AF65-F5344CB8AC3E}">
-        <p14:creationId xmlns:p14="http://schemas.microsoft.com/office/powerpoint/2010/main" val="3517063205"/>
+        <p14:creationId xmlns:p14="http://schemas.microsoft.com/office/powerpoint/2010/main" val="4125575182"/>
       </p:ext>
     </p:extLst>
   </p:cSld>
@@ -7140,7 +9576,7 @@
           <p:cNvPr id="7" name="Grafik 6">
             <a:extLst>
               <a:ext uri="{FF2B5EF4-FFF2-40B4-BE49-F238E27FC236}">
-                <a16:creationId xmlns:a16="http://schemas.microsoft.com/office/drawing/2014/main" id="{AF95E727-C21E-65BD-28F4-2ACF1DE5D5C7}"/>
+                <a16:creationId xmlns:a16="http://schemas.microsoft.com/office/drawing/2014/main" id="{187D0F99-A79C-BABF-D809-86EBEE316426}"/>
               </a:ext>
             </a:extLst>
           </p:cNvPr>
@@ -7163,8 +9599,8 @@
         </p:blipFill>
         <p:spPr>
           <a:xfrm>
-            <a:off x="0" y="0"/>
-            <a:ext cx="12192000" cy="6858000"/>
+            <a:off x="1219200" y="1121975"/>
+            <a:ext cx="9753600" cy="5486400"/>
           </a:xfrm>
           <a:prstGeom prst="rect">
             <a:avLst/>
@@ -7187,26 +9623,67 @@
             <p:ph type="title"/>
           </p:nvPr>
         </p:nvSpPr>
-        <p:spPr/>
+        <p:spPr>
+          <a:xfrm>
+            <a:off x="0" y="0"/>
+            <a:ext cx="10515600" cy="1325563"/>
+          </a:xfrm>
+        </p:spPr>
         <p:txBody>
           <a:bodyPr/>
           <a:lstStyle/>
           <a:p>
             <a:r>
-              <a:rPr lang="de-DE" dirty="0" err="1"/>
-              <a:t>Prerequisits</a:t>
-            </a:r>
-            <a:r>
-              <a:rPr lang="de-DE" dirty="0"/>
-              <a:t>: Common Standards</a:t>
-            </a:r>
-          </a:p>
-        </p:txBody>
-      </p:sp>
+              <a:rPr lang="de-DE" dirty="0"/>
+              <a:t>Project </a:t>
+            </a:r>
+            <a:r>
+              <a:rPr lang="de-DE" dirty="0" err="1"/>
+              <a:t>Overview</a:t>
+            </a:r>
+            <a:endParaRPr lang="de-DE" dirty="0"/>
+          </a:p>
+        </p:txBody>
+      </p:sp>
+      <p:pic>
+        <p:nvPicPr>
+          <p:cNvPr id="4" name="Grafik 3">
+            <a:extLst>
+              <a:ext uri="{FF2B5EF4-FFF2-40B4-BE49-F238E27FC236}">
+                <a16:creationId xmlns:a16="http://schemas.microsoft.com/office/drawing/2014/main" id="{5C6A53A0-30E5-513D-3F7A-6FE2F895C22F}"/>
+              </a:ext>
+            </a:extLst>
+          </p:cNvPr>
+          <p:cNvPicPr>
+            <a:picLocks noChangeAspect="1"/>
+          </p:cNvPicPr>
+          <p:nvPr/>
+        </p:nvPicPr>
+        <p:blipFill>
+          <a:blip r:embed="rId4">
+            <a:extLst>
+              <a:ext uri="{28A0092B-C50C-407E-A947-70E740481C1C}">
+                <a14:useLocalDpi xmlns:a14="http://schemas.microsoft.com/office/drawing/2010/main" val="0"/>
+              </a:ext>
+            </a:extLst>
+          </a:blip>
+          <a:srcRect/>
+          <a:stretch/>
+        </p:blipFill>
+        <p:spPr>
+          <a:xfrm>
+            <a:off x="1219200" y="1124845"/>
+            <a:ext cx="9753600" cy="5486400"/>
+          </a:xfrm>
+          <a:prstGeom prst="rect">
+            <a:avLst/>
+          </a:prstGeom>
+        </p:spPr>
+      </p:pic>
     </p:spTree>
     <p:extLst>
       <p:ext uri="{BB962C8B-B14F-4D97-AF65-F5344CB8AC3E}">
-        <p14:creationId xmlns:p14="http://schemas.microsoft.com/office/powerpoint/2010/main" val="1730042302"/>
+        <p14:creationId xmlns:p14="http://schemas.microsoft.com/office/powerpoint/2010/main" val="3517063205"/>
       </p:ext>
     </p:extLst>
   </p:cSld>
@@ -7235,10 +9712,10 @@
       </p:grpSpPr>
       <p:pic>
         <p:nvPicPr>
-          <p:cNvPr id="7" name="Grafik 6">
+          <p:cNvPr id="8" name="Grafik 7">
             <a:extLst>
               <a:ext uri="{FF2B5EF4-FFF2-40B4-BE49-F238E27FC236}">
-                <a16:creationId xmlns:a16="http://schemas.microsoft.com/office/drawing/2014/main" id="{E0252509-5538-EAE9-B002-2D2B80650BBA}"/>
+                <a16:creationId xmlns:a16="http://schemas.microsoft.com/office/drawing/2014/main" id="{ADE553FD-E452-84B0-3FE5-80DD82FEE7F3}"/>
               </a:ext>
             </a:extLst>
           </p:cNvPr>
@@ -7248,63 +9725,25 @@
           <p:nvPr/>
         </p:nvPicPr>
         <p:blipFill>
-          <a:blip r:embed="rId3">
-            <a:extLst>
-              <a:ext uri="{28A0092B-C50C-407E-A947-70E740481C1C}">
-                <a14:useLocalDpi xmlns:a14="http://schemas.microsoft.com/office/drawing/2010/main" val="0"/>
-              </a:ext>
-            </a:extLst>
-          </a:blip>
+          <a:blip r:embed="rId3"/>
           <a:stretch>
             <a:fillRect/>
           </a:stretch>
         </p:blipFill>
         <p:spPr>
           <a:xfrm>
-            <a:off x="0" y="0"/>
-            <a:ext cx="12192000" cy="6858000"/>
+            <a:off x="0" y="-1"/>
+            <a:ext cx="12201650" cy="8345103"/>
           </a:xfrm>
           <a:prstGeom prst="rect">
             <a:avLst/>
           </a:prstGeom>
         </p:spPr>
       </p:pic>
-      <p:sp>
-        <p:nvSpPr>
-          <p:cNvPr id="2" name="Titel 1">
-            <a:extLst>
-              <a:ext uri="{FF2B5EF4-FFF2-40B4-BE49-F238E27FC236}">
-                <a16:creationId xmlns:a16="http://schemas.microsoft.com/office/drawing/2014/main" id="{00446344-DFBA-3182-F9D8-5FBD569385B1}"/>
-              </a:ext>
-            </a:extLst>
-          </p:cNvPr>
-          <p:cNvSpPr>
-            <a:spLocks noGrp="1"/>
-          </p:cNvSpPr>
-          <p:nvPr>
-            <p:ph type="title"/>
-          </p:nvPr>
-        </p:nvSpPr>
-        <p:spPr/>
-        <p:txBody>
-          <a:bodyPr/>
-          <a:lstStyle/>
-          <a:p>
-            <a:r>
-              <a:rPr lang="de-DE" dirty="0" err="1"/>
-              <a:t>Prerequisits</a:t>
-            </a:r>
-            <a:r>
-              <a:rPr lang="de-DE" dirty="0"/>
-              <a:t>: Common Standards</a:t>
-            </a:r>
-          </a:p>
-        </p:txBody>
-      </p:sp>
     </p:spTree>
     <p:extLst>
       <p:ext uri="{BB962C8B-B14F-4D97-AF65-F5344CB8AC3E}">
-        <p14:creationId xmlns:p14="http://schemas.microsoft.com/office/powerpoint/2010/main" val="3868880546"/>
+        <p14:creationId xmlns:p14="http://schemas.microsoft.com/office/powerpoint/2010/main" val="41760949"/>
       </p:ext>
     </p:extLst>
   </p:cSld>
